--- a/Meetings 1 & 2.pptx
+++ b/Meetings 1 & 2.pptx
@@ -6,38 +6,39 @@
     <p:sldMasterId id="2147483661" r:id="rId2"/>
   </p:sldMasterIdLst>
   <p:notesMasterIdLst>
-    <p:notesMasterId r:id="rId32"/>
+    <p:notesMasterId r:id="rId33"/>
   </p:notesMasterIdLst>
   <p:sldIdLst>
     <p:sldId id="256" r:id="rId3"/>
     <p:sldId id="257" r:id="rId4"/>
-    <p:sldId id="258" r:id="rId5"/>
-    <p:sldId id="259" r:id="rId6"/>
-    <p:sldId id="284" r:id="rId7"/>
-    <p:sldId id="260" r:id="rId8"/>
-    <p:sldId id="261" r:id="rId9"/>
-    <p:sldId id="262" r:id="rId10"/>
-    <p:sldId id="263" r:id="rId11"/>
-    <p:sldId id="264" r:id="rId12"/>
-    <p:sldId id="265" r:id="rId13"/>
-    <p:sldId id="266" r:id="rId14"/>
-    <p:sldId id="267" r:id="rId15"/>
-    <p:sldId id="268" r:id="rId16"/>
-    <p:sldId id="269" r:id="rId17"/>
-    <p:sldId id="270" r:id="rId18"/>
-    <p:sldId id="271" r:id="rId19"/>
-    <p:sldId id="272" r:id="rId20"/>
-    <p:sldId id="273" r:id="rId21"/>
-    <p:sldId id="274" r:id="rId22"/>
-    <p:sldId id="275" r:id="rId23"/>
-    <p:sldId id="276" r:id="rId24"/>
-    <p:sldId id="277" r:id="rId25"/>
-    <p:sldId id="278" r:id="rId26"/>
-    <p:sldId id="279" r:id="rId27"/>
-    <p:sldId id="280" r:id="rId28"/>
-    <p:sldId id="281" r:id="rId29"/>
-    <p:sldId id="282" r:id="rId30"/>
-    <p:sldId id="283" r:id="rId31"/>
+    <p:sldId id="285" r:id="rId5"/>
+    <p:sldId id="258" r:id="rId6"/>
+    <p:sldId id="259" r:id="rId7"/>
+    <p:sldId id="284" r:id="rId8"/>
+    <p:sldId id="260" r:id="rId9"/>
+    <p:sldId id="261" r:id="rId10"/>
+    <p:sldId id="262" r:id="rId11"/>
+    <p:sldId id="263" r:id="rId12"/>
+    <p:sldId id="264" r:id="rId13"/>
+    <p:sldId id="265" r:id="rId14"/>
+    <p:sldId id="266" r:id="rId15"/>
+    <p:sldId id="267" r:id="rId16"/>
+    <p:sldId id="268" r:id="rId17"/>
+    <p:sldId id="269" r:id="rId18"/>
+    <p:sldId id="270" r:id="rId19"/>
+    <p:sldId id="271" r:id="rId20"/>
+    <p:sldId id="272" r:id="rId21"/>
+    <p:sldId id="273" r:id="rId22"/>
+    <p:sldId id="274" r:id="rId23"/>
+    <p:sldId id="275" r:id="rId24"/>
+    <p:sldId id="276" r:id="rId25"/>
+    <p:sldId id="277" r:id="rId26"/>
+    <p:sldId id="278" r:id="rId27"/>
+    <p:sldId id="279" r:id="rId28"/>
+    <p:sldId id="280" r:id="rId29"/>
+    <p:sldId id="281" r:id="rId30"/>
+    <p:sldId id="282" r:id="rId31"/>
+    <p:sldId id="283" r:id="rId32"/>
   </p:sldIdLst>
   <p:sldSz cx="12192000" cy="6858000"/>
   <p:notesSz cx="6858000" cy="9144000"/>
@@ -275,7 +276,7 @@
       <p15:sldGuideLst xmlns:p15="http://schemas.microsoft.com/office/powerpoint/2012/main"/>
     </p:ext>
     <p:ext uri="http://customooxmlschemas.google.com/">
-      <go:slidesCustomData xmlns:go="http://customooxmlschemas.google.com/" xmlns:ahyp="http://schemas.microsoft.com/office/drawing/2018/hyperlinkcolor" xmlns:p15="http://schemas.microsoft.com/office/powerpoint/2012/main" xmlns:p14="http://schemas.microsoft.com/office/powerpoint/2010/main" xmlns:com="http://schemas.openxmlformats.org/drawingml/2006/compatibility" xmlns:pvml="urn:schemas-microsoft-com:office:powerpoint" xmlns:v="urn:schemas-microsoft-com:vml" xmlns:o="urn:schemas-microsoft-com:office:office" xmlns:dgm="http://schemas.openxmlformats.org/drawingml/2006/diagram" xmlns:c="http://schemas.openxmlformats.org/drawingml/2006/chart" xmlns:mv="urn:schemas-microsoft-com:mac:vml" xmlns:mc="http://schemas.openxmlformats.org/markup-compatibility/2006" xmlns="" r:id="rId35" roundtripDataSignature="AMtx7miwSo8olij5aYo56Ji9NhWnsNKzHA=="/>
+      <go:slidesCustomData xmlns="" xmlns:mc="http://schemas.openxmlformats.org/markup-compatibility/2006" xmlns:mv="urn:schemas-microsoft-com:mac:vml" xmlns:c="http://schemas.openxmlformats.org/drawingml/2006/chart" xmlns:dgm="http://schemas.openxmlformats.org/drawingml/2006/diagram" xmlns:o="urn:schemas-microsoft-com:office:office" xmlns:v="urn:schemas-microsoft-com:vml" xmlns:pvml="urn:schemas-microsoft-com:office:powerpoint" xmlns:com="http://schemas.openxmlformats.org/drawingml/2006/compatibility" xmlns:p14="http://schemas.microsoft.com/office/powerpoint/2010/main" xmlns:p15="http://schemas.microsoft.com/office/powerpoint/2012/main" xmlns:ahyp="http://schemas.microsoft.com/office/drawing/2018/hyperlinkcolor" xmlns:go="http://customooxmlschemas.google.com/" r:id="rId35" roundtripDataSignature="AMtx7miwSo8olij5aYo56Ji9NhWnsNKzHA=="/>
     </p:ext>
   </p:extLst>
 </p:presentation>
@@ -2161,7 +2162,7 @@
             </a:pPr>
             <a:fld id="{00000000-1234-1234-1234-123412341234}" type="slidenum">
               <a:rPr lang="en-US"/>
-              <a:t>14</a:t>
+              <a:t>15</a:t>
             </a:fld>
             <a:endParaRPr/>
           </a:p>
@@ -2323,7 +2324,7 @@
             </a:pPr>
             <a:fld id="{00000000-1234-1234-1234-123412341234}" type="slidenum">
               <a:rPr lang="en-US"/>
-              <a:t>15</a:t>
+              <a:t>16</a:t>
             </a:fld>
             <a:endParaRPr/>
           </a:p>
@@ -2845,7 +2846,7 @@
             </a:pPr>
             <a:fld id="{00000000-1234-1234-1234-123412341234}" type="slidenum">
               <a:rPr lang="en-US"/>
-              <a:t>18</a:t>
+              <a:t>19</a:t>
             </a:fld>
             <a:endParaRPr/>
           </a:p>
@@ -3003,7 +3004,7 @@
             </a:pPr>
             <a:fld id="{00000000-1234-1234-1234-123412341234}" type="slidenum">
               <a:rPr lang="en-US"/>
-              <a:t>19</a:t>
+              <a:t>20</a:t>
             </a:fld>
             <a:endParaRPr/>
           </a:p>
@@ -3161,7 +3162,7 @@
             </a:pPr>
             <a:fld id="{00000000-1234-1234-1234-123412341234}" type="slidenum">
               <a:rPr lang="en-US"/>
-              <a:t>20</a:t>
+              <a:t>21</a:t>
             </a:fld>
             <a:endParaRPr/>
           </a:p>
@@ -4021,7 +4022,7 @@
             </a:pPr>
             <a:fld id="{00000000-1234-1234-1234-123412341234}" type="slidenum">
               <a:rPr lang="en-US"/>
-              <a:t>26</a:t>
+              <a:t>27</a:t>
             </a:fld>
             <a:endParaRPr/>
           </a:p>
@@ -4287,7 +4288,7 @@
             </a:pPr>
             <a:fld id="{00000000-1234-1234-1234-123412341234}" type="slidenum">
               <a:rPr lang="en-US"/>
-              <a:t>28</a:t>
+              <a:t>29</a:t>
             </a:fld>
             <a:endParaRPr/>
           </a:p>
@@ -4917,7 +4918,7 @@
                 <a:cs typeface="Times New Roman"/>
                 <a:sym typeface="Times New Roman"/>
               </a:rPr>
-              <a:t>7</a:t>
+              <a:t>8</a:t>
             </a:fld>
             <a:endParaRPr sz="1400" b="0" strike="noStrike">
               <a:latin typeface="Times New Roman"/>
@@ -5136,7 +5137,7 @@
                 <a:cs typeface="Times New Roman"/>
                 <a:sym typeface="Times New Roman"/>
               </a:rPr>
-              <a:t>8</a:t>
+              <a:t>9</a:t>
             </a:fld>
             <a:endParaRPr sz="1400" b="0" strike="noStrike">
               <a:latin typeface="Times New Roman"/>
@@ -25459,6 +25460,361 @@
   <p:cSld>
     <p:spTree>
       <p:nvGrpSpPr>
+        <p:cNvPr id="1" name="Shape 239"/>
+        <p:cNvGrpSpPr/>
+        <p:nvPr/>
+      </p:nvGrpSpPr>
+      <p:grpSpPr>
+        <a:xfrm>
+          <a:off x="0" y="0"/>
+          <a:ext cx="0" cy="0"/>
+          <a:chOff x="0" y="0"/>
+          <a:chExt cx="0" cy="0"/>
+        </a:xfrm>
+      </p:grpSpPr>
+      <p:sp>
+        <p:nvSpPr>
+          <p:cNvPr id="240" name="Google Shape;240;p8"/>
+          <p:cNvSpPr/>
+          <p:nvPr/>
+        </p:nvSpPr>
+        <p:spPr>
+          <a:xfrm>
+            <a:off x="0" y="6596640"/>
+            <a:ext cx="12191760" cy="261000"/>
+          </a:xfrm>
+          <a:prstGeom prst="rect">
+            <a:avLst/>
+          </a:prstGeom>
+          <a:gradFill>
+            <a:gsLst>
+              <a:gs pos="0">
+                <a:srgbClr val="FFAA49"/>
+              </a:gs>
+              <a:gs pos="21000">
+                <a:srgbClr val="FE9364"/>
+              </a:gs>
+              <a:gs pos="63000">
+                <a:srgbClr val="F9656A"/>
+              </a:gs>
+              <a:gs pos="100000">
+                <a:srgbClr val="F96566"/>
+              </a:gs>
+            </a:gsLst>
+            <a:lin ang="6600000" scaled="0"/>
+          </a:gradFill>
+          <a:ln>
+            <a:noFill/>
+          </a:ln>
+        </p:spPr>
+        <p:txBody>
+          <a:bodyPr spcFirstLastPara="1" wrap="square" lIns="91425" tIns="91425" rIns="91425" bIns="91425" anchor="ctr" anchorCtr="0">
+            <a:noAutofit/>
+          </a:bodyPr>
+          <a:lstStyle/>
+          <a:p>
+            <a:pPr marL="0" lvl="0" indent="0" algn="l" rtl="0">
+              <a:spcBef>
+                <a:spcPts val="0"/>
+              </a:spcBef>
+              <a:spcAft>
+                <a:spcPts val="0"/>
+              </a:spcAft>
+              <a:buNone/>
+            </a:pPr>
+            <a:endParaRPr/>
+          </a:p>
+        </p:txBody>
+      </p:sp>
+      <p:sp>
+        <p:nvSpPr>
+          <p:cNvPr id="243" name="Google Shape;243;p8"/>
+          <p:cNvSpPr/>
+          <p:nvPr/>
+        </p:nvSpPr>
+        <p:spPr>
+          <a:xfrm>
+            <a:off x="1517640" y="456120"/>
+            <a:ext cx="3995640" cy="945360"/>
+          </a:xfrm>
+          <a:prstGeom prst="rect">
+            <a:avLst/>
+          </a:prstGeom>
+          <a:noFill/>
+          <a:ln>
+            <a:noFill/>
+          </a:ln>
+        </p:spPr>
+        <p:txBody>
+          <a:bodyPr spcFirstLastPara="1" wrap="square" lIns="91425" tIns="45700" rIns="91425" bIns="45700" anchor="ctr" anchorCtr="0">
+            <a:normAutofit fontScale="92500"/>
+          </a:bodyPr>
+          <a:lstStyle/>
+          <a:p>
+            <a:pPr marL="0" marR="0" lvl="0" indent="0" algn="ctr" rtl="0">
+              <a:lnSpc>
+                <a:spcPct val="70000"/>
+              </a:lnSpc>
+              <a:spcBef>
+                <a:spcPts val="0"/>
+              </a:spcBef>
+              <a:spcAft>
+                <a:spcPts val="0"/>
+              </a:spcAft>
+              <a:buNone/>
+            </a:pPr>
+            <a:r>
+              <a:rPr lang="en-US" sz="3080" b="0" strike="noStrike">
+                <a:solidFill>
+                  <a:srgbClr val="808080"/>
+                </a:solidFill>
+                <a:latin typeface="Arial"/>
+                <a:ea typeface="Arial"/>
+                <a:cs typeface="Arial"/>
+                <a:sym typeface="Arial"/>
+              </a:rPr>
+              <a:t>What counts as</a:t>
+            </a:r>
+            <a:endParaRPr/>
+          </a:p>
+          <a:p>
+            <a:pPr marL="0" marR="0" lvl="0" indent="0" algn="ctr" rtl="0">
+              <a:lnSpc>
+                <a:spcPct val="70000"/>
+              </a:lnSpc>
+              <a:spcBef>
+                <a:spcPts val="1001"/>
+              </a:spcBef>
+              <a:spcAft>
+                <a:spcPts val="0"/>
+              </a:spcAft>
+              <a:buNone/>
+            </a:pPr>
+            <a:r>
+              <a:rPr lang="en-US" sz="3080" b="0" strike="noStrike">
+                <a:solidFill>
+                  <a:srgbClr val="808080"/>
+                </a:solidFill>
+                <a:latin typeface="Arial"/>
+                <a:ea typeface="Arial"/>
+                <a:cs typeface="Arial"/>
+                <a:sym typeface="Arial"/>
+              </a:rPr>
+              <a:t>sociological research?</a:t>
+            </a:r>
+            <a:endParaRPr sz="3080">
+              <a:solidFill>
+                <a:schemeClr val="dk1"/>
+              </a:solidFill>
+              <a:latin typeface="Arial"/>
+              <a:ea typeface="Arial"/>
+              <a:cs typeface="Arial"/>
+              <a:sym typeface="Arial"/>
+            </a:endParaRPr>
+          </a:p>
+        </p:txBody>
+      </p:sp>
+      <p:sp>
+        <p:nvSpPr>
+          <p:cNvPr id="244" name="Google Shape;244;p8"/>
+          <p:cNvSpPr/>
+          <p:nvPr/>
+        </p:nvSpPr>
+        <p:spPr>
+          <a:xfrm>
+            <a:off x="440280" y="456120"/>
+            <a:ext cx="1131120" cy="1130040"/>
+          </a:xfrm>
+          <a:prstGeom prst="ellipse">
+            <a:avLst/>
+          </a:prstGeom>
+          <a:gradFill>
+            <a:gsLst>
+              <a:gs pos="0">
+                <a:srgbClr val="FFAA49"/>
+              </a:gs>
+              <a:gs pos="21000">
+                <a:srgbClr val="FE9364"/>
+              </a:gs>
+              <a:gs pos="63000">
+                <a:srgbClr val="F9656A"/>
+              </a:gs>
+              <a:gs pos="100000">
+                <a:srgbClr val="F96566"/>
+              </a:gs>
+            </a:gsLst>
+            <a:lin ang="10800000" scaled="0"/>
+          </a:gradFill>
+          <a:ln>
+            <a:noFill/>
+          </a:ln>
+        </p:spPr>
+        <p:txBody>
+          <a:bodyPr spcFirstLastPara="1" wrap="square" lIns="90000" tIns="45000" rIns="90000" bIns="45000" anchor="ctr" anchorCtr="0">
+            <a:noAutofit/>
+          </a:bodyPr>
+          <a:lstStyle/>
+          <a:p>
+            <a:pPr marL="0" marR="0" lvl="0" indent="0" algn="ctr" rtl="0">
+              <a:lnSpc>
+                <a:spcPct val="100000"/>
+              </a:lnSpc>
+              <a:spcBef>
+                <a:spcPts val="0"/>
+              </a:spcBef>
+              <a:spcAft>
+                <a:spcPts val="0"/>
+              </a:spcAft>
+              <a:buNone/>
+            </a:pPr>
+            <a:r>
+              <a:rPr lang="en-US" sz="6000">
+                <a:solidFill>
+                  <a:srgbClr val="FFFFFF"/>
+                </a:solidFill>
+                <a:latin typeface="Arial"/>
+                <a:ea typeface="Arial"/>
+                <a:cs typeface="Arial"/>
+                <a:sym typeface="Arial"/>
+              </a:rPr>
+              <a:t>2</a:t>
+            </a:r>
+            <a:endParaRPr sz="6000" b="0" strike="noStrike">
+              <a:solidFill>
+                <a:schemeClr val="dk1"/>
+              </a:solidFill>
+              <a:latin typeface="Arial"/>
+              <a:ea typeface="Arial"/>
+              <a:cs typeface="Arial"/>
+              <a:sym typeface="Arial"/>
+            </a:endParaRPr>
+          </a:p>
+        </p:txBody>
+      </p:sp>
+      <p:pic>
+        <p:nvPicPr>
+          <p:cNvPr id="245" name="Google Shape;245;p8"/>
+          <p:cNvPicPr preferRelativeResize="0"/>
+          <p:nvPr/>
+        </p:nvPicPr>
+        <p:blipFill rotWithShape="1">
+          <a:blip r:embed="rId3">
+            <a:alphaModFix/>
+          </a:blip>
+          <a:srcRect/>
+          <a:stretch/>
+        </p:blipFill>
+        <p:spPr>
+          <a:xfrm>
+            <a:off x="479741" y="1906903"/>
+            <a:ext cx="9756710" cy="4024457"/>
+          </a:xfrm>
+          <a:prstGeom prst="rect">
+            <a:avLst/>
+          </a:prstGeom>
+          <a:noFill/>
+          <a:ln>
+            <a:noFill/>
+          </a:ln>
+        </p:spPr>
+      </p:pic>
+      <p:sp>
+        <p:nvSpPr>
+          <p:cNvPr id="246" name="Google Shape;246;p8"/>
+          <p:cNvSpPr txBox="1"/>
+          <p:nvPr/>
+        </p:nvSpPr>
+        <p:spPr>
+          <a:xfrm>
+            <a:off x="7183315" y="3640015"/>
+            <a:ext cx="4070839" cy="923330"/>
+          </a:xfrm>
+          <a:prstGeom prst="rect">
+            <a:avLst/>
+          </a:prstGeom>
+          <a:noFill/>
+          <a:ln>
+            <a:noFill/>
+          </a:ln>
+        </p:spPr>
+        <p:txBody>
+          <a:bodyPr spcFirstLastPara="1" wrap="square" lIns="91425" tIns="45700" rIns="91425" bIns="45700" anchor="t" anchorCtr="0">
+            <a:spAutoFit/>
+          </a:bodyPr>
+          <a:lstStyle/>
+          <a:p>
+            <a:pPr marL="342900" marR="0" lvl="0" indent="-342900" algn="l" rtl="0">
+              <a:spcBef>
+                <a:spcPts val="0"/>
+              </a:spcBef>
+              <a:spcAft>
+                <a:spcPts val="0"/>
+              </a:spcAft>
+              <a:buClr>
+                <a:schemeClr val="dk1"/>
+              </a:buClr>
+              <a:buSzPts val="1800"/>
+              <a:buFont typeface="Arial"/>
+              <a:buAutoNum type="arabicPeriod"/>
+            </a:pPr>
+            <a:r>
+              <a:rPr lang="en-US" sz="1800">
+                <a:solidFill>
+                  <a:schemeClr val="dk1"/>
+                </a:solidFill>
+                <a:latin typeface="Arial"/>
+                <a:ea typeface="Arial"/>
+                <a:cs typeface="Arial"/>
+                <a:sym typeface="Arial"/>
+              </a:rPr>
+              <a:t>Exploratory, descriptive, explanatory</a:t>
+            </a:r>
+            <a:endParaRPr/>
+          </a:p>
+          <a:p>
+            <a:pPr marL="342900" marR="0" lvl="0" indent="-342900" algn="l" rtl="0">
+              <a:spcBef>
+                <a:spcPts val="0"/>
+              </a:spcBef>
+              <a:spcAft>
+                <a:spcPts val="0"/>
+              </a:spcAft>
+              <a:buClr>
+                <a:schemeClr val="dk1"/>
+              </a:buClr>
+              <a:buSzPts val="1800"/>
+              <a:buFont typeface="Arial"/>
+              <a:buAutoNum type="arabicPeriod"/>
+            </a:pPr>
+            <a:r>
+              <a:rPr lang="en-US" sz="1800">
+                <a:solidFill>
+                  <a:schemeClr val="dk1"/>
+                </a:solidFill>
+                <a:latin typeface="Arial"/>
+                <a:ea typeface="Arial"/>
+                <a:cs typeface="Arial"/>
+                <a:sym typeface="Arial"/>
+              </a:rPr>
+              <a:t>Building theory from observations</a:t>
+            </a:r>
+            <a:endParaRPr/>
+          </a:p>
+        </p:txBody>
+      </p:sp>
+    </p:spTree>
+  </p:cSld>
+  <p:clrMapOvr>
+    <a:masterClrMapping/>
+  </p:clrMapOvr>
+</p:sld>
+</file>
+
+<file path=ppt/slides/slide11.xml><?xml version="1.0" encoding="utf-8"?>
+<p:sld xmlns:a="http://schemas.openxmlformats.org/drawingml/2006/main" xmlns:r="http://schemas.openxmlformats.org/officeDocument/2006/relationships" xmlns:p="http://schemas.openxmlformats.org/presentationml/2006/main">
+  <p:cSld>
+    <p:spTree>
+      <p:nvGrpSpPr>
         <p:cNvPr id="1" name="Shape 250"/>
         <p:cNvGrpSpPr/>
         <p:nvPr/>
@@ -25882,7 +26238,7 @@
 </p:sld>
 </file>
 
-<file path=ppt/slides/slide11.xml><?xml version="1.0" encoding="utf-8"?>
+<file path=ppt/slides/slide12.xml><?xml version="1.0" encoding="utf-8"?>
 <p:sld xmlns:a="http://schemas.openxmlformats.org/drawingml/2006/main" xmlns:r="http://schemas.openxmlformats.org/officeDocument/2006/relationships" xmlns:p="http://schemas.openxmlformats.org/presentationml/2006/main">
   <p:cSld>
     <p:spTree>
@@ -26326,7 +26682,7 @@
 </p:sld>
 </file>
 
-<file path=ppt/slides/slide12.xml><?xml version="1.0" encoding="utf-8"?>
+<file path=ppt/slides/slide13.xml><?xml version="1.0" encoding="utf-8"?>
 <p:sld xmlns:a="http://schemas.openxmlformats.org/drawingml/2006/main" xmlns:r="http://schemas.openxmlformats.org/officeDocument/2006/relationships" xmlns:p="http://schemas.openxmlformats.org/presentationml/2006/main">
   <p:cSld>
     <p:spTree>
@@ -26906,7 +27262,7 @@
 </p:sld>
 </file>
 
-<file path=ppt/slides/slide13.xml><?xml version="1.0" encoding="utf-8"?>
+<file path=ppt/slides/slide14.xml><?xml version="1.0" encoding="utf-8"?>
 <p:sld xmlns:a="http://schemas.openxmlformats.org/drawingml/2006/main" xmlns:r="http://schemas.openxmlformats.org/officeDocument/2006/relationships" xmlns:p="http://schemas.openxmlformats.org/presentationml/2006/main">
   <p:cSld>
     <p:spTree>
@@ -27489,7 +27845,7 @@
 </p:sld>
 </file>
 
-<file path=ppt/slides/slide14.xml><?xml version="1.0" encoding="utf-8"?>
+<file path=ppt/slides/slide15.xml><?xml version="1.0" encoding="utf-8"?>
 <p:sld xmlns:a="http://schemas.openxmlformats.org/drawingml/2006/main" xmlns:r="http://schemas.openxmlformats.org/officeDocument/2006/relationships" xmlns:p="http://schemas.openxmlformats.org/presentationml/2006/main">
   <p:cSld>
     <p:spTree>
@@ -27743,7 +28099,7 @@
 </p:sld>
 </file>
 
-<file path=ppt/slides/slide15.xml><?xml version="1.0" encoding="utf-8"?>
+<file path=ppt/slides/slide16.xml><?xml version="1.0" encoding="utf-8"?>
 <p:sld xmlns:a="http://schemas.openxmlformats.org/drawingml/2006/main" xmlns:r="http://schemas.openxmlformats.org/officeDocument/2006/relationships" xmlns:p="http://schemas.openxmlformats.org/presentationml/2006/main">
   <p:cSld>
     <p:spTree>
@@ -28349,7 +28705,7 @@
 </p:sld>
 </file>
 
-<file path=ppt/slides/slide16.xml><?xml version="1.0" encoding="utf-8"?>
+<file path=ppt/slides/slide17.xml><?xml version="1.0" encoding="utf-8"?>
 <p:sld xmlns:a="http://schemas.openxmlformats.org/drawingml/2006/main" xmlns:r="http://schemas.openxmlformats.org/officeDocument/2006/relationships" xmlns:p="http://schemas.openxmlformats.org/presentationml/2006/main">
   <p:cSld>
     <p:spTree>
@@ -28832,7 +29188,7 @@
 </p:sld>
 </file>
 
-<file path=ppt/slides/slide17.xml><?xml version="1.0" encoding="utf-8"?>
+<file path=ppt/slides/slide18.xml><?xml version="1.0" encoding="utf-8"?>
 <p:sld xmlns:a="http://schemas.openxmlformats.org/drawingml/2006/main" xmlns:r="http://schemas.openxmlformats.org/officeDocument/2006/relationships" xmlns:p="http://schemas.openxmlformats.org/presentationml/2006/main">
   <p:cSld>
     <p:spTree>
@@ -29158,7 +29514,7 @@
 </p:sld>
 </file>
 
-<file path=ppt/slides/slide18.xml><?xml version="1.0" encoding="utf-8"?>
+<file path=ppt/slides/slide19.xml><?xml version="1.0" encoding="utf-8"?>
 <p:sld xmlns:a="http://schemas.openxmlformats.org/drawingml/2006/main" xmlns:r="http://schemas.openxmlformats.org/officeDocument/2006/relationships" xmlns:p="http://schemas.openxmlformats.org/presentationml/2006/main">
   <p:cSld>
     <p:spTree>
@@ -29732,246 +30088,6 @@
           <a:xfrm>
             <a:off x="9977438" y="171739"/>
             <a:ext cx="1724025" cy="2647950"/>
-          </a:xfrm>
-          <a:prstGeom prst="rect">
-            <a:avLst/>
-          </a:prstGeom>
-          <a:noFill/>
-          <a:ln>
-            <a:noFill/>
-          </a:ln>
-        </p:spPr>
-      </p:pic>
-    </p:spTree>
-  </p:cSld>
-  <p:clrMapOvr>
-    <a:masterClrMapping/>
-  </p:clrMapOvr>
-</p:sld>
-</file>
-
-<file path=ppt/slides/slide19.xml><?xml version="1.0" encoding="utf-8"?>
-<p:sld xmlns:a="http://schemas.openxmlformats.org/drawingml/2006/main" xmlns:r="http://schemas.openxmlformats.org/officeDocument/2006/relationships" xmlns:p="http://schemas.openxmlformats.org/presentationml/2006/main">
-  <p:cSld>
-    <p:spTree>
-      <p:nvGrpSpPr>
-        <p:cNvPr id="1" name="Shape 352"/>
-        <p:cNvGrpSpPr/>
-        <p:nvPr/>
-      </p:nvGrpSpPr>
-      <p:grpSpPr>
-        <a:xfrm>
-          <a:off x="0" y="0"/>
-          <a:ext cx="0" cy="0"/>
-          <a:chOff x="0" y="0"/>
-          <a:chExt cx="0" cy="0"/>
-        </a:xfrm>
-      </p:grpSpPr>
-      <p:sp>
-        <p:nvSpPr>
-          <p:cNvPr id="353" name="Google Shape;353;p18"/>
-          <p:cNvSpPr txBox="1">
-            <a:spLocks noGrp="1"/>
-          </p:cNvSpPr>
-          <p:nvPr>
-            <p:ph type="title"/>
-          </p:nvPr>
-        </p:nvSpPr>
-        <p:spPr>
-          <a:xfrm>
-            <a:off x="838080" y="365040"/>
-            <a:ext cx="10515240" cy="1325160"/>
-          </a:xfrm>
-          <a:prstGeom prst="rect">
-            <a:avLst/>
-          </a:prstGeom>
-          <a:noFill/>
-          <a:ln>
-            <a:noFill/>
-          </a:ln>
-        </p:spPr>
-        <p:txBody>
-          <a:bodyPr spcFirstLastPara="1" wrap="square" lIns="91425" tIns="45700" rIns="91425" bIns="45700" anchor="ctr" anchorCtr="0">
-            <a:noAutofit/>
-          </a:bodyPr>
-          <a:lstStyle/>
-          <a:p>
-            <a:pPr marL="0" lvl="0" indent="0" algn="l" rtl="0">
-              <a:lnSpc>
-                <a:spcPct val="90000"/>
-              </a:lnSpc>
-              <a:spcBef>
-                <a:spcPts val="0"/>
-              </a:spcBef>
-              <a:spcAft>
-                <a:spcPts val="0"/>
-              </a:spcAft>
-              <a:buClr>
-                <a:schemeClr val="dk1"/>
-              </a:buClr>
-              <a:buSzPts val="4400"/>
-              <a:buFont typeface="Arial"/>
-              <a:buNone/>
-            </a:pPr>
-            <a:r>
-              <a:rPr lang="en-US"/>
-              <a:t>Max Weber:</a:t>
-            </a:r>
-            <a:r>
-              <a:rPr lang="en-US">
-                <a:solidFill>
-                  <a:srgbClr val="FF0000"/>
-                </a:solidFill>
-              </a:rPr>
-              <a:t> </a:t>
-            </a:r>
-            <a:r>
-              <a:rPr lang="en-US"/>
-              <a:t>Germany 1864 – 1920</a:t>
-            </a:r>
-            <a:endParaRPr/>
-          </a:p>
-        </p:txBody>
-      </p:sp>
-      <p:sp>
-        <p:nvSpPr>
-          <p:cNvPr id="354" name="Google Shape;354;p18"/>
-          <p:cNvSpPr txBox="1">
-            <a:spLocks noGrp="1"/>
-          </p:cNvSpPr>
-          <p:nvPr>
-            <p:ph type="body" idx="1"/>
-          </p:nvPr>
-        </p:nvSpPr>
-        <p:spPr>
-          <a:xfrm>
-            <a:off x="838200" y="1314450"/>
-            <a:ext cx="9496425" cy="4862513"/>
-          </a:xfrm>
-          <a:prstGeom prst="rect">
-            <a:avLst/>
-          </a:prstGeom>
-          <a:noFill/>
-          <a:ln>
-            <a:noFill/>
-          </a:ln>
-        </p:spPr>
-        <p:txBody>
-          <a:bodyPr spcFirstLastPara="1" wrap="square" lIns="91425" tIns="45700" rIns="91425" bIns="45700" anchor="t" anchorCtr="0">
-            <a:normAutofit/>
-          </a:bodyPr>
-          <a:lstStyle/>
-          <a:p>
-            <a:pPr marL="228600" lvl="0" indent="-228600" algn="l" rtl="0">
-              <a:lnSpc>
-                <a:spcPct val="90000"/>
-              </a:lnSpc>
-              <a:spcBef>
-                <a:spcPts val="0"/>
-              </a:spcBef>
-              <a:spcAft>
-                <a:spcPts val="0"/>
-              </a:spcAft>
-              <a:buClr>
-                <a:schemeClr val="dk1"/>
-              </a:buClr>
-              <a:buSzPts val="2800"/>
-              <a:buChar char="•"/>
-            </a:pPr>
-            <a:r>
-              <a:rPr lang="en-US"/>
-              <a:t>Review</a:t>
-            </a:r>
-            <a:endParaRPr/>
-          </a:p>
-          <a:p>
-            <a:pPr marL="685800" lvl="1" indent="-228600" algn="l" rtl="0">
-              <a:lnSpc>
-                <a:spcPct val="90000"/>
-              </a:lnSpc>
-              <a:spcBef>
-                <a:spcPts val="500"/>
-              </a:spcBef>
-              <a:spcAft>
-                <a:spcPts val="0"/>
-              </a:spcAft>
-              <a:buClr>
-                <a:schemeClr val="dk1"/>
-              </a:buClr>
-              <a:buSzPts val="2400"/>
-              <a:buChar char="•"/>
-            </a:pPr>
-            <a:r>
-              <a:rPr lang="en-US"/>
-              <a:t>Social action</a:t>
-            </a:r>
-            <a:endParaRPr/>
-          </a:p>
-          <a:p>
-            <a:pPr marL="685800" lvl="1" indent="-228600" algn="l" rtl="0">
-              <a:lnSpc>
-                <a:spcPct val="90000"/>
-              </a:lnSpc>
-              <a:spcBef>
-                <a:spcPts val="500"/>
-              </a:spcBef>
-              <a:spcAft>
-                <a:spcPts val="0"/>
-              </a:spcAft>
-              <a:buClr>
-                <a:schemeClr val="dk1"/>
-              </a:buClr>
-              <a:buSzPts val="2400"/>
-              <a:buChar char="•"/>
-            </a:pPr>
-            <a:r>
-              <a:rPr lang="en-US"/>
-              <a:t>Interpretive sociology (Verstehen)</a:t>
-            </a:r>
-            <a:endParaRPr/>
-          </a:p>
-          <a:p>
-            <a:pPr marL="685800" lvl="1" indent="-228600" algn="l" rtl="0">
-              <a:lnSpc>
-                <a:spcPct val="90000"/>
-              </a:lnSpc>
-              <a:spcBef>
-                <a:spcPts val="500"/>
-              </a:spcBef>
-              <a:spcAft>
-                <a:spcPts val="0"/>
-              </a:spcAft>
-              <a:buClr>
-                <a:schemeClr val="dk1"/>
-              </a:buClr>
-              <a:buSzPts val="2400"/>
-              <a:buChar char="•"/>
-            </a:pPr>
-            <a:r>
-              <a:rPr lang="en-US"/>
-              <a:t>Value free</a:t>
-            </a:r>
-            <a:endParaRPr/>
-          </a:p>
-        </p:txBody>
-      </p:sp>
-      <p:pic>
-        <p:nvPicPr>
-          <p:cNvPr id="355" name="Google Shape;355;p18" descr="Image result for max weber"/>
-          <p:cNvPicPr preferRelativeResize="0"/>
-          <p:nvPr/>
-        </p:nvPicPr>
-        <p:blipFill rotWithShape="1">
-          <a:blip r:embed="rId3">
-            <a:alphaModFix/>
-          </a:blip>
-          <a:srcRect/>
-          <a:stretch/>
-        </p:blipFill>
-        <p:spPr>
-          <a:xfrm>
-            <a:off x="10210800" y="123825"/>
-            <a:ext cx="1876425" cy="2428875"/>
           </a:xfrm>
           <a:prstGeom prst="rect">
             <a:avLst/>
@@ -30514,6 +30630,246 @@
   <p:cSld>
     <p:spTree>
       <p:nvGrpSpPr>
+        <p:cNvPr id="1" name="Shape 352"/>
+        <p:cNvGrpSpPr/>
+        <p:nvPr/>
+      </p:nvGrpSpPr>
+      <p:grpSpPr>
+        <a:xfrm>
+          <a:off x="0" y="0"/>
+          <a:ext cx="0" cy="0"/>
+          <a:chOff x="0" y="0"/>
+          <a:chExt cx="0" cy="0"/>
+        </a:xfrm>
+      </p:grpSpPr>
+      <p:sp>
+        <p:nvSpPr>
+          <p:cNvPr id="353" name="Google Shape;353;p18"/>
+          <p:cNvSpPr txBox="1">
+            <a:spLocks noGrp="1"/>
+          </p:cNvSpPr>
+          <p:nvPr>
+            <p:ph type="title"/>
+          </p:nvPr>
+        </p:nvSpPr>
+        <p:spPr>
+          <a:xfrm>
+            <a:off x="838080" y="365040"/>
+            <a:ext cx="10515240" cy="1325160"/>
+          </a:xfrm>
+          <a:prstGeom prst="rect">
+            <a:avLst/>
+          </a:prstGeom>
+          <a:noFill/>
+          <a:ln>
+            <a:noFill/>
+          </a:ln>
+        </p:spPr>
+        <p:txBody>
+          <a:bodyPr spcFirstLastPara="1" wrap="square" lIns="91425" tIns="45700" rIns="91425" bIns="45700" anchor="ctr" anchorCtr="0">
+            <a:noAutofit/>
+          </a:bodyPr>
+          <a:lstStyle/>
+          <a:p>
+            <a:pPr marL="0" lvl="0" indent="0" algn="l" rtl="0">
+              <a:lnSpc>
+                <a:spcPct val="90000"/>
+              </a:lnSpc>
+              <a:spcBef>
+                <a:spcPts val="0"/>
+              </a:spcBef>
+              <a:spcAft>
+                <a:spcPts val="0"/>
+              </a:spcAft>
+              <a:buClr>
+                <a:schemeClr val="dk1"/>
+              </a:buClr>
+              <a:buSzPts val="4400"/>
+              <a:buFont typeface="Arial"/>
+              <a:buNone/>
+            </a:pPr>
+            <a:r>
+              <a:rPr lang="en-US"/>
+              <a:t>Max Weber:</a:t>
+            </a:r>
+            <a:r>
+              <a:rPr lang="en-US">
+                <a:solidFill>
+                  <a:srgbClr val="FF0000"/>
+                </a:solidFill>
+              </a:rPr>
+              <a:t> </a:t>
+            </a:r>
+            <a:r>
+              <a:rPr lang="en-US"/>
+              <a:t>Germany 1864 – 1920</a:t>
+            </a:r>
+            <a:endParaRPr/>
+          </a:p>
+        </p:txBody>
+      </p:sp>
+      <p:sp>
+        <p:nvSpPr>
+          <p:cNvPr id="354" name="Google Shape;354;p18"/>
+          <p:cNvSpPr txBox="1">
+            <a:spLocks noGrp="1"/>
+          </p:cNvSpPr>
+          <p:nvPr>
+            <p:ph type="body" idx="1"/>
+          </p:nvPr>
+        </p:nvSpPr>
+        <p:spPr>
+          <a:xfrm>
+            <a:off x="838200" y="1314450"/>
+            <a:ext cx="9496425" cy="4862513"/>
+          </a:xfrm>
+          <a:prstGeom prst="rect">
+            <a:avLst/>
+          </a:prstGeom>
+          <a:noFill/>
+          <a:ln>
+            <a:noFill/>
+          </a:ln>
+        </p:spPr>
+        <p:txBody>
+          <a:bodyPr spcFirstLastPara="1" wrap="square" lIns="91425" tIns="45700" rIns="91425" bIns="45700" anchor="t" anchorCtr="0">
+            <a:normAutofit/>
+          </a:bodyPr>
+          <a:lstStyle/>
+          <a:p>
+            <a:pPr marL="228600" lvl="0" indent="-228600" algn="l" rtl="0">
+              <a:lnSpc>
+                <a:spcPct val="90000"/>
+              </a:lnSpc>
+              <a:spcBef>
+                <a:spcPts val="0"/>
+              </a:spcBef>
+              <a:spcAft>
+                <a:spcPts val="0"/>
+              </a:spcAft>
+              <a:buClr>
+                <a:schemeClr val="dk1"/>
+              </a:buClr>
+              <a:buSzPts val="2800"/>
+              <a:buChar char="•"/>
+            </a:pPr>
+            <a:r>
+              <a:rPr lang="en-US"/>
+              <a:t>Review</a:t>
+            </a:r>
+            <a:endParaRPr/>
+          </a:p>
+          <a:p>
+            <a:pPr marL="685800" lvl="1" indent="-228600" algn="l" rtl="0">
+              <a:lnSpc>
+                <a:spcPct val="90000"/>
+              </a:lnSpc>
+              <a:spcBef>
+                <a:spcPts val="500"/>
+              </a:spcBef>
+              <a:spcAft>
+                <a:spcPts val="0"/>
+              </a:spcAft>
+              <a:buClr>
+                <a:schemeClr val="dk1"/>
+              </a:buClr>
+              <a:buSzPts val="2400"/>
+              <a:buChar char="•"/>
+            </a:pPr>
+            <a:r>
+              <a:rPr lang="en-US"/>
+              <a:t>Social action</a:t>
+            </a:r>
+            <a:endParaRPr/>
+          </a:p>
+          <a:p>
+            <a:pPr marL="685800" lvl="1" indent="-228600" algn="l" rtl="0">
+              <a:lnSpc>
+                <a:spcPct val="90000"/>
+              </a:lnSpc>
+              <a:spcBef>
+                <a:spcPts val="500"/>
+              </a:spcBef>
+              <a:spcAft>
+                <a:spcPts val="0"/>
+              </a:spcAft>
+              <a:buClr>
+                <a:schemeClr val="dk1"/>
+              </a:buClr>
+              <a:buSzPts val="2400"/>
+              <a:buChar char="•"/>
+            </a:pPr>
+            <a:r>
+              <a:rPr lang="en-US"/>
+              <a:t>Interpretive sociology (Verstehen)</a:t>
+            </a:r>
+            <a:endParaRPr/>
+          </a:p>
+          <a:p>
+            <a:pPr marL="685800" lvl="1" indent="-228600" algn="l" rtl="0">
+              <a:lnSpc>
+                <a:spcPct val="90000"/>
+              </a:lnSpc>
+              <a:spcBef>
+                <a:spcPts val="500"/>
+              </a:spcBef>
+              <a:spcAft>
+                <a:spcPts val="0"/>
+              </a:spcAft>
+              <a:buClr>
+                <a:schemeClr val="dk1"/>
+              </a:buClr>
+              <a:buSzPts val="2400"/>
+              <a:buChar char="•"/>
+            </a:pPr>
+            <a:r>
+              <a:rPr lang="en-US"/>
+              <a:t>Value free</a:t>
+            </a:r>
+            <a:endParaRPr/>
+          </a:p>
+        </p:txBody>
+      </p:sp>
+      <p:pic>
+        <p:nvPicPr>
+          <p:cNvPr id="355" name="Google Shape;355;p18" descr="Image result for max weber"/>
+          <p:cNvPicPr preferRelativeResize="0"/>
+          <p:nvPr/>
+        </p:nvPicPr>
+        <p:blipFill rotWithShape="1">
+          <a:blip r:embed="rId3">
+            <a:alphaModFix/>
+          </a:blip>
+          <a:srcRect/>
+          <a:stretch/>
+        </p:blipFill>
+        <p:spPr>
+          <a:xfrm>
+            <a:off x="10210800" y="123825"/>
+            <a:ext cx="1876425" cy="2428875"/>
+          </a:xfrm>
+          <a:prstGeom prst="rect">
+            <a:avLst/>
+          </a:prstGeom>
+          <a:noFill/>
+          <a:ln>
+            <a:noFill/>
+          </a:ln>
+        </p:spPr>
+      </p:pic>
+    </p:spTree>
+  </p:cSld>
+  <p:clrMapOvr>
+    <a:masterClrMapping/>
+  </p:clrMapOvr>
+</p:sld>
+</file>
+
+<file path=ppt/slides/slide21.xml><?xml version="1.0" encoding="utf-8"?>
+<p:sld xmlns:a="http://schemas.openxmlformats.org/drawingml/2006/main" xmlns:r="http://schemas.openxmlformats.org/officeDocument/2006/relationships" xmlns:p="http://schemas.openxmlformats.org/presentationml/2006/main">
+  <p:cSld>
+    <p:spTree>
+      <p:nvGrpSpPr>
         <p:cNvPr id="1" name="Shape 363"/>
         <p:cNvGrpSpPr/>
         <p:nvPr/>
@@ -30823,7 +31179,7 @@
 </p:sld>
 </file>
 
-<file path=ppt/slides/slide21.xml><?xml version="1.0" encoding="utf-8"?>
+<file path=ppt/slides/slide22.xml><?xml version="1.0" encoding="utf-8"?>
 <p:sld xmlns:a="http://schemas.openxmlformats.org/drawingml/2006/main" xmlns:r="http://schemas.openxmlformats.org/officeDocument/2006/relationships" xmlns:p="http://schemas.openxmlformats.org/presentationml/2006/main">
   <p:cSld>
     <p:spTree>
@@ -31317,7 +31673,7 @@
 </p:sld>
 </file>
 
-<file path=ppt/slides/slide22.xml><?xml version="1.0" encoding="utf-8"?>
+<file path=ppt/slides/slide23.xml><?xml version="1.0" encoding="utf-8"?>
 <p:sld xmlns:a="http://schemas.openxmlformats.org/drawingml/2006/main" xmlns:r="http://schemas.openxmlformats.org/officeDocument/2006/relationships" xmlns:p="http://schemas.openxmlformats.org/presentationml/2006/main">
   <p:cSld>
     <p:spTree>
@@ -31449,7 +31805,7 @@
 </p:sld>
 </file>
 
-<file path=ppt/slides/slide23.xml><?xml version="1.0" encoding="utf-8"?>
+<file path=ppt/slides/slide24.xml><?xml version="1.0" encoding="utf-8"?>
 <p:sld xmlns:a="http://schemas.openxmlformats.org/drawingml/2006/main" xmlns:r="http://schemas.openxmlformats.org/officeDocument/2006/relationships" xmlns:p="http://schemas.openxmlformats.org/presentationml/2006/main">
   <p:cSld>
     <p:spTree>
@@ -31699,7 +32055,7 @@
 </p:sld>
 </file>
 
-<file path=ppt/slides/slide24.xml><?xml version="1.0" encoding="utf-8"?>
+<file path=ppt/slides/slide25.xml><?xml version="1.0" encoding="utf-8"?>
 <p:sld xmlns:a="http://schemas.openxmlformats.org/drawingml/2006/main" xmlns:r="http://schemas.openxmlformats.org/officeDocument/2006/relationships" xmlns:p="http://schemas.openxmlformats.org/presentationml/2006/main">
   <p:cSld>
     <p:spTree>
@@ -32023,7 +32379,7 @@
 </p:sld>
 </file>
 
-<file path=ppt/slides/slide25.xml><?xml version="1.0" encoding="utf-8"?>
+<file path=ppt/slides/slide26.xml><?xml version="1.0" encoding="utf-8"?>
 <p:sld xmlns:a="http://schemas.openxmlformats.org/drawingml/2006/main" xmlns:r="http://schemas.openxmlformats.org/officeDocument/2006/relationships" xmlns:p="http://schemas.openxmlformats.org/presentationml/2006/main">
   <p:cSld>
     <p:spTree>
@@ -32223,7 +32579,7 @@
 </p:sld>
 </file>
 
-<file path=ppt/slides/slide26.xml><?xml version="1.0" encoding="utf-8"?>
+<file path=ppt/slides/slide27.xml><?xml version="1.0" encoding="utf-8"?>
 <p:sld xmlns:a="http://schemas.openxmlformats.org/drawingml/2006/main" xmlns:r="http://schemas.openxmlformats.org/officeDocument/2006/relationships" xmlns:p="http://schemas.openxmlformats.org/presentationml/2006/main">
   <p:cSld>
     <p:spTree>
@@ -32626,7 +32982,7 @@
 </p:sld>
 </file>
 
-<file path=ppt/slides/slide27.xml><?xml version="1.0" encoding="utf-8"?>
+<file path=ppt/slides/slide28.xml><?xml version="1.0" encoding="utf-8"?>
 <p:sld xmlns:a="http://schemas.openxmlformats.org/drawingml/2006/main" xmlns:r="http://schemas.openxmlformats.org/officeDocument/2006/relationships" xmlns:p="http://schemas.openxmlformats.org/presentationml/2006/main">
   <p:cSld>
     <p:spTree>
@@ -32807,7 +33163,7 @@
 </p:sld>
 </file>
 
-<file path=ppt/slides/slide28.xml><?xml version="1.0" encoding="utf-8"?>
+<file path=ppt/slides/slide29.xml><?xml version="1.0" encoding="utf-8"?>
 <p:sld xmlns:a="http://schemas.openxmlformats.org/drawingml/2006/main" xmlns:r="http://schemas.openxmlformats.org/officeDocument/2006/relationships" xmlns:p="http://schemas.openxmlformats.org/presentationml/2006/main">
   <p:cSld>
     <p:spTree>
@@ -33540,7 +33896,134 @@
 </p:sld>
 </file>
 
-<file path=ppt/slides/slide29.xml><?xml version="1.0" encoding="utf-8"?>
+<file path=ppt/slides/slide3.xml><?xml version="1.0" encoding="utf-8"?>
+<p:sld xmlns:a="http://schemas.openxmlformats.org/drawingml/2006/main" xmlns:r="http://schemas.openxmlformats.org/officeDocument/2006/relationships" xmlns:p="http://schemas.openxmlformats.org/presentationml/2006/main">
+  <p:cSld>
+    <p:spTree>
+      <p:nvGrpSpPr>
+        <p:cNvPr id="1" name=""/>
+        <p:cNvGrpSpPr/>
+        <p:nvPr/>
+      </p:nvGrpSpPr>
+      <p:grpSpPr>
+        <a:xfrm>
+          <a:off x="0" y="0"/>
+          <a:ext cx="0" cy="0"/>
+          <a:chOff x="0" y="0"/>
+          <a:chExt cx="0" cy="0"/>
+        </a:xfrm>
+      </p:grpSpPr>
+      <p:sp>
+        <p:nvSpPr>
+          <p:cNvPr id="2" name="Title 1">
+            <a:extLst>
+              <a:ext uri="{FF2B5EF4-FFF2-40B4-BE49-F238E27FC236}">
+                <a16:creationId xmlns:a16="http://schemas.microsoft.com/office/drawing/2014/main" id="{03F93795-F6EB-4472-8144-1CB4CE0317C8}"/>
+              </a:ext>
+            </a:extLst>
+          </p:cNvPr>
+          <p:cNvSpPr>
+            <a:spLocks noGrp="1"/>
+          </p:cNvSpPr>
+          <p:nvPr>
+            <p:ph type="title"/>
+          </p:nvPr>
+        </p:nvSpPr>
+        <p:spPr/>
+        <p:txBody>
+          <a:bodyPr/>
+          <a:lstStyle/>
+          <a:p>
+            <a:r>
+              <a:rPr lang="en-US" dirty="0"/>
+              <a:t>C</a:t>
+            </a:r>
+            <a:r>
+              <a:rPr lang="en-US" altLang="zh-CN" dirty="0"/>
+              <a:t>ourse plan</a:t>
+            </a:r>
+            <a:endParaRPr lang="en-US" dirty="0"/>
+          </a:p>
+        </p:txBody>
+      </p:sp>
+      <p:sp>
+        <p:nvSpPr>
+          <p:cNvPr id="3" name="Text Placeholder 2">
+            <a:extLst>
+              <a:ext uri="{FF2B5EF4-FFF2-40B4-BE49-F238E27FC236}">
+                <a16:creationId xmlns:a16="http://schemas.microsoft.com/office/drawing/2014/main" id="{DF0F79C8-A6AA-4509-B5BE-87E2D90A6205}"/>
+              </a:ext>
+            </a:extLst>
+          </p:cNvPr>
+          <p:cNvSpPr>
+            <a:spLocks noGrp="1"/>
+          </p:cNvSpPr>
+          <p:nvPr>
+            <p:ph type="body" idx="1"/>
+          </p:nvPr>
+        </p:nvSpPr>
+        <p:spPr/>
+        <p:txBody>
+          <a:bodyPr/>
+          <a:lstStyle/>
+          <a:p>
+            <a:r>
+              <a:rPr lang="en-US" dirty="0">
+                <a:hlinkClick r:id="rId2"/>
+              </a:rPr>
+              <a:t>https://github.com/XueWenSYan/Intro_to_sociology</a:t>
+            </a:r>
+            <a:endParaRPr lang="en-US" dirty="0"/>
+          </a:p>
+          <a:p>
+            <a:r>
+              <a:rPr lang="en-US" dirty="0"/>
+              <a:t>The syllabus &amp; textbooks</a:t>
+            </a:r>
+          </a:p>
+          <a:p>
+            <a:r>
+              <a:rPr lang="en-US" dirty="0"/>
+              <a:t>Additional readings</a:t>
+            </a:r>
+          </a:p>
+          <a:p>
+            <a:r>
+              <a:rPr lang="en-US" dirty="0"/>
+              <a:t>Assignments</a:t>
+            </a:r>
+          </a:p>
+          <a:p>
+            <a:r>
+              <a:rPr lang="en-US" dirty="0"/>
+              <a:t>C</a:t>
+            </a:r>
+            <a:r>
+              <a:rPr lang="en-US" altLang="zh-CN" dirty="0"/>
+              <a:t>lass activities</a:t>
+            </a:r>
+            <a:endParaRPr lang="en-US" dirty="0"/>
+          </a:p>
+          <a:p>
+            <a:pPr lvl="1"/>
+            <a:endParaRPr lang="en-US" dirty="0"/>
+          </a:p>
+        </p:txBody>
+      </p:sp>
+    </p:spTree>
+    <p:extLst>
+      <p:ext uri="{BB962C8B-B14F-4D97-AF65-F5344CB8AC3E}">
+        <p14:creationId xmlns:p14="http://schemas.microsoft.com/office/powerpoint/2010/main" val="4038281219"/>
+      </p:ext>
+    </p:extLst>
+  </p:cSld>
+  <p:clrMapOvr>
+    <a:masterClrMapping/>
+  </p:clrMapOvr>
+</p:sld>
+</file>
+
+<file path=ppt/slides/slide30.xml><?xml version="1.0" encoding="utf-8"?>
 <p:sld xmlns:a="http://schemas.openxmlformats.org/drawingml/2006/main" xmlns:r="http://schemas.openxmlformats.org/officeDocument/2006/relationships" xmlns:p="http://schemas.openxmlformats.org/presentationml/2006/main">
   <p:cSld>
     <p:spTree>
@@ -34005,7 +34488,7 @@
 </p:sld>
 </file>
 
-<file path=ppt/slides/slide3.xml><?xml version="1.0" encoding="utf-8"?>
+<file path=ppt/slides/slide4.xml><?xml version="1.0" encoding="utf-8"?>
 <p:sld xmlns:a="http://schemas.openxmlformats.org/drawingml/2006/main" xmlns:r="http://schemas.openxmlformats.org/officeDocument/2006/relationships" xmlns:p="http://schemas.openxmlformats.org/presentationml/2006/main">
   <p:cSld>
     <p:spTree>
@@ -34598,7 +35081,7 @@
 </p:sld>
 </file>
 
-<file path=ppt/slides/slide4.xml><?xml version="1.0" encoding="utf-8"?>
+<file path=ppt/slides/slide5.xml><?xml version="1.0" encoding="utf-8"?>
 <p:sld xmlns:a="http://schemas.openxmlformats.org/drawingml/2006/main" xmlns:r="http://schemas.openxmlformats.org/officeDocument/2006/relationships" xmlns:p="http://schemas.openxmlformats.org/presentationml/2006/main">
   <p:cSld>
     <p:spTree>
@@ -35479,7 +35962,7 @@
 </p:sld>
 </file>
 
-<file path=ppt/slides/slide5.xml><?xml version="1.0" encoding="utf-8"?>
+<file path=ppt/slides/slide6.xml><?xml version="1.0" encoding="utf-8"?>
 <p:sld xmlns:a="http://schemas.openxmlformats.org/drawingml/2006/main" xmlns:r="http://schemas.openxmlformats.org/officeDocument/2006/relationships" xmlns:p="http://schemas.openxmlformats.org/presentationml/2006/main">
   <p:cSld>
     <p:bg>
@@ -35852,7 +36335,7 @@
 </p:sld>
 </file>
 
-<file path=ppt/slides/slide6.xml><?xml version="1.0" encoding="utf-8"?>
+<file path=ppt/slides/slide7.xml><?xml version="1.0" encoding="utf-8"?>
 <p:sld xmlns:a="http://schemas.openxmlformats.org/drawingml/2006/main" xmlns:r="http://schemas.openxmlformats.org/officeDocument/2006/relationships" xmlns:p="http://schemas.openxmlformats.org/presentationml/2006/main">
   <p:cSld>
     <p:spTree>
@@ -36443,7 +36926,7 @@
 </p:sld>
 </file>
 
-<file path=ppt/slides/slide7.xml><?xml version="1.0" encoding="utf-8"?>
+<file path=ppt/slides/slide8.xml><?xml version="1.0" encoding="utf-8"?>
 <p:sld xmlns:a="http://schemas.openxmlformats.org/drawingml/2006/main" xmlns:r="http://schemas.openxmlformats.org/officeDocument/2006/relationships" xmlns:p="http://schemas.openxmlformats.org/presentationml/2006/main">
   <p:cSld>
     <p:spTree>
@@ -36963,7 +37446,7 @@
 </p:sld>
 </file>
 
-<file path=ppt/slides/slide8.xml><?xml version="1.0" encoding="utf-8"?>
+<file path=ppt/slides/slide9.xml><?xml version="1.0" encoding="utf-8"?>
 <p:sld xmlns:a="http://schemas.openxmlformats.org/drawingml/2006/main" xmlns:r="http://schemas.openxmlformats.org/officeDocument/2006/relationships" xmlns:p="http://schemas.openxmlformats.org/presentationml/2006/main">
   <p:cSld>
     <p:spTree>
@@ -37672,361 +38155,6 @@
           </a:ln>
         </p:spPr>
       </p:pic>
-    </p:spTree>
-  </p:cSld>
-  <p:clrMapOvr>
-    <a:masterClrMapping/>
-  </p:clrMapOvr>
-</p:sld>
-</file>
-
-<file path=ppt/slides/slide9.xml><?xml version="1.0" encoding="utf-8"?>
-<p:sld xmlns:a="http://schemas.openxmlformats.org/drawingml/2006/main" xmlns:r="http://schemas.openxmlformats.org/officeDocument/2006/relationships" xmlns:p="http://schemas.openxmlformats.org/presentationml/2006/main">
-  <p:cSld>
-    <p:spTree>
-      <p:nvGrpSpPr>
-        <p:cNvPr id="1" name="Shape 239"/>
-        <p:cNvGrpSpPr/>
-        <p:nvPr/>
-      </p:nvGrpSpPr>
-      <p:grpSpPr>
-        <a:xfrm>
-          <a:off x="0" y="0"/>
-          <a:ext cx="0" cy="0"/>
-          <a:chOff x="0" y="0"/>
-          <a:chExt cx="0" cy="0"/>
-        </a:xfrm>
-      </p:grpSpPr>
-      <p:sp>
-        <p:nvSpPr>
-          <p:cNvPr id="240" name="Google Shape;240;p8"/>
-          <p:cNvSpPr/>
-          <p:nvPr/>
-        </p:nvSpPr>
-        <p:spPr>
-          <a:xfrm>
-            <a:off x="0" y="6596640"/>
-            <a:ext cx="12191760" cy="261000"/>
-          </a:xfrm>
-          <a:prstGeom prst="rect">
-            <a:avLst/>
-          </a:prstGeom>
-          <a:gradFill>
-            <a:gsLst>
-              <a:gs pos="0">
-                <a:srgbClr val="FFAA49"/>
-              </a:gs>
-              <a:gs pos="21000">
-                <a:srgbClr val="FE9364"/>
-              </a:gs>
-              <a:gs pos="63000">
-                <a:srgbClr val="F9656A"/>
-              </a:gs>
-              <a:gs pos="100000">
-                <a:srgbClr val="F96566"/>
-              </a:gs>
-            </a:gsLst>
-            <a:lin ang="6600000" scaled="0"/>
-          </a:gradFill>
-          <a:ln>
-            <a:noFill/>
-          </a:ln>
-        </p:spPr>
-        <p:txBody>
-          <a:bodyPr spcFirstLastPara="1" wrap="square" lIns="91425" tIns="91425" rIns="91425" bIns="91425" anchor="ctr" anchorCtr="0">
-            <a:noAutofit/>
-          </a:bodyPr>
-          <a:lstStyle/>
-          <a:p>
-            <a:pPr marL="0" lvl="0" indent="0" algn="l" rtl="0">
-              <a:spcBef>
-                <a:spcPts val="0"/>
-              </a:spcBef>
-              <a:spcAft>
-                <a:spcPts val="0"/>
-              </a:spcAft>
-              <a:buNone/>
-            </a:pPr>
-            <a:endParaRPr/>
-          </a:p>
-        </p:txBody>
-      </p:sp>
-      <p:sp>
-        <p:nvSpPr>
-          <p:cNvPr id="243" name="Google Shape;243;p8"/>
-          <p:cNvSpPr/>
-          <p:nvPr/>
-        </p:nvSpPr>
-        <p:spPr>
-          <a:xfrm>
-            <a:off x="1517640" y="456120"/>
-            <a:ext cx="3995640" cy="945360"/>
-          </a:xfrm>
-          <a:prstGeom prst="rect">
-            <a:avLst/>
-          </a:prstGeom>
-          <a:noFill/>
-          <a:ln>
-            <a:noFill/>
-          </a:ln>
-        </p:spPr>
-        <p:txBody>
-          <a:bodyPr spcFirstLastPara="1" wrap="square" lIns="91425" tIns="45700" rIns="91425" bIns="45700" anchor="ctr" anchorCtr="0">
-            <a:normAutofit fontScale="92500"/>
-          </a:bodyPr>
-          <a:lstStyle/>
-          <a:p>
-            <a:pPr marL="0" marR="0" lvl="0" indent="0" algn="ctr" rtl="0">
-              <a:lnSpc>
-                <a:spcPct val="70000"/>
-              </a:lnSpc>
-              <a:spcBef>
-                <a:spcPts val="0"/>
-              </a:spcBef>
-              <a:spcAft>
-                <a:spcPts val="0"/>
-              </a:spcAft>
-              <a:buNone/>
-            </a:pPr>
-            <a:r>
-              <a:rPr lang="en-US" sz="3080" b="0" strike="noStrike">
-                <a:solidFill>
-                  <a:srgbClr val="808080"/>
-                </a:solidFill>
-                <a:latin typeface="Arial"/>
-                <a:ea typeface="Arial"/>
-                <a:cs typeface="Arial"/>
-                <a:sym typeface="Arial"/>
-              </a:rPr>
-              <a:t>What counts as</a:t>
-            </a:r>
-            <a:endParaRPr/>
-          </a:p>
-          <a:p>
-            <a:pPr marL="0" marR="0" lvl="0" indent="0" algn="ctr" rtl="0">
-              <a:lnSpc>
-                <a:spcPct val="70000"/>
-              </a:lnSpc>
-              <a:spcBef>
-                <a:spcPts val="1001"/>
-              </a:spcBef>
-              <a:spcAft>
-                <a:spcPts val="0"/>
-              </a:spcAft>
-              <a:buNone/>
-            </a:pPr>
-            <a:r>
-              <a:rPr lang="en-US" sz="3080" b="0" strike="noStrike">
-                <a:solidFill>
-                  <a:srgbClr val="808080"/>
-                </a:solidFill>
-                <a:latin typeface="Arial"/>
-                <a:ea typeface="Arial"/>
-                <a:cs typeface="Arial"/>
-                <a:sym typeface="Arial"/>
-              </a:rPr>
-              <a:t>sociological research?</a:t>
-            </a:r>
-            <a:endParaRPr sz="3080">
-              <a:solidFill>
-                <a:schemeClr val="dk1"/>
-              </a:solidFill>
-              <a:latin typeface="Arial"/>
-              <a:ea typeface="Arial"/>
-              <a:cs typeface="Arial"/>
-              <a:sym typeface="Arial"/>
-            </a:endParaRPr>
-          </a:p>
-        </p:txBody>
-      </p:sp>
-      <p:sp>
-        <p:nvSpPr>
-          <p:cNvPr id="244" name="Google Shape;244;p8"/>
-          <p:cNvSpPr/>
-          <p:nvPr/>
-        </p:nvSpPr>
-        <p:spPr>
-          <a:xfrm>
-            <a:off x="440280" y="456120"/>
-            <a:ext cx="1131120" cy="1130040"/>
-          </a:xfrm>
-          <a:prstGeom prst="ellipse">
-            <a:avLst/>
-          </a:prstGeom>
-          <a:gradFill>
-            <a:gsLst>
-              <a:gs pos="0">
-                <a:srgbClr val="FFAA49"/>
-              </a:gs>
-              <a:gs pos="21000">
-                <a:srgbClr val="FE9364"/>
-              </a:gs>
-              <a:gs pos="63000">
-                <a:srgbClr val="F9656A"/>
-              </a:gs>
-              <a:gs pos="100000">
-                <a:srgbClr val="F96566"/>
-              </a:gs>
-            </a:gsLst>
-            <a:lin ang="10800000" scaled="0"/>
-          </a:gradFill>
-          <a:ln>
-            <a:noFill/>
-          </a:ln>
-        </p:spPr>
-        <p:txBody>
-          <a:bodyPr spcFirstLastPara="1" wrap="square" lIns="90000" tIns="45000" rIns="90000" bIns="45000" anchor="ctr" anchorCtr="0">
-            <a:noAutofit/>
-          </a:bodyPr>
-          <a:lstStyle/>
-          <a:p>
-            <a:pPr marL="0" marR="0" lvl="0" indent="0" algn="ctr" rtl="0">
-              <a:lnSpc>
-                <a:spcPct val="100000"/>
-              </a:lnSpc>
-              <a:spcBef>
-                <a:spcPts val="0"/>
-              </a:spcBef>
-              <a:spcAft>
-                <a:spcPts val="0"/>
-              </a:spcAft>
-              <a:buNone/>
-            </a:pPr>
-            <a:r>
-              <a:rPr lang="en-US" sz="6000">
-                <a:solidFill>
-                  <a:srgbClr val="FFFFFF"/>
-                </a:solidFill>
-                <a:latin typeface="Arial"/>
-                <a:ea typeface="Arial"/>
-                <a:cs typeface="Arial"/>
-                <a:sym typeface="Arial"/>
-              </a:rPr>
-              <a:t>2</a:t>
-            </a:r>
-            <a:endParaRPr sz="6000" b="0" strike="noStrike">
-              <a:solidFill>
-                <a:schemeClr val="dk1"/>
-              </a:solidFill>
-              <a:latin typeface="Arial"/>
-              <a:ea typeface="Arial"/>
-              <a:cs typeface="Arial"/>
-              <a:sym typeface="Arial"/>
-            </a:endParaRPr>
-          </a:p>
-        </p:txBody>
-      </p:sp>
-      <p:pic>
-        <p:nvPicPr>
-          <p:cNvPr id="245" name="Google Shape;245;p8"/>
-          <p:cNvPicPr preferRelativeResize="0"/>
-          <p:nvPr/>
-        </p:nvPicPr>
-        <p:blipFill rotWithShape="1">
-          <a:blip r:embed="rId3">
-            <a:alphaModFix/>
-          </a:blip>
-          <a:srcRect/>
-          <a:stretch/>
-        </p:blipFill>
-        <p:spPr>
-          <a:xfrm>
-            <a:off x="479741" y="1906903"/>
-            <a:ext cx="9756710" cy="4024457"/>
-          </a:xfrm>
-          <a:prstGeom prst="rect">
-            <a:avLst/>
-          </a:prstGeom>
-          <a:noFill/>
-          <a:ln>
-            <a:noFill/>
-          </a:ln>
-        </p:spPr>
-      </p:pic>
-      <p:sp>
-        <p:nvSpPr>
-          <p:cNvPr id="246" name="Google Shape;246;p8"/>
-          <p:cNvSpPr txBox="1"/>
-          <p:nvPr/>
-        </p:nvSpPr>
-        <p:spPr>
-          <a:xfrm>
-            <a:off x="7183315" y="3640015"/>
-            <a:ext cx="4070839" cy="923330"/>
-          </a:xfrm>
-          <a:prstGeom prst="rect">
-            <a:avLst/>
-          </a:prstGeom>
-          <a:noFill/>
-          <a:ln>
-            <a:noFill/>
-          </a:ln>
-        </p:spPr>
-        <p:txBody>
-          <a:bodyPr spcFirstLastPara="1" wrap="square" lIns="91425" tIns="45700" rIns="91425" bIns="45700" anchor="t" anchorCtr="0">
-            <a:spAutoFit/>
-          </a:bodyPr>
-          <a:lstStyle/>
-          <a:p>
-            <a:pPr marL="342900" marR="0" lvl="0" indent="-342900" algn="l" rtl="0">
-              <a:spcBef>
-                <a:spcPts val="0"/>
-              </a:spcBef>
-              <a:spcAft>
-                <a:spcPts val="0"/>
-              </a:spcAft>
-              <a:buClr>
-                <a:schemeClr val="dk1"/>
-              </a:buClr>
-              <a:buSzPts val="1800"/>
-              <a:buFont typeface="Arial"/>
-              <a:buAutoNum type="arabicPeriod"/>
-            </a:pPr>
-            <a:r>
-              <a:rPr lang="en-US" sz="1800">
-                <a:solidFill>
-                  <a:schemeClr val="dk1"/>
-                </a:solidFill>
-                <a:latin typeface="Arial"/>
-                <a:ea typeface="Arial"/>
-                <a:cs typeface="Arial"/>
-                <a:sym typeface="Arial"/>
-              </a:rPr>
-              <a:t>Exploratory, descriptive, explanatory</a:t>
-            </a:r>
-            <a:endParaRPr/>
-          </a:p>
-          <a:p>
-            <a:pPr marL="342900" marR="0" lvl="0" indent="-342900" algn="l" rtl="0">
-              <a:spcBef>
-                <a:spcPts val="0"/>
-              </a:spcBef>
-              <a:spcAft>
-                <a:spcPts val="0"/>
-              </a:spcAft>
-              <a:buClr>
-                <a:schemeClr val="dk1"/>
-              </a:buClr>
-              <a:buSzPts val="1800"/>
-              <a:buFont typeface="Arial"/>
-              <a:buAutoNum type="arabicPeriod"/>
-            </a:pPr>
-            <a:r>
-              <a:rPr lang="en-US" sz="1800">
-                <a:solidFill>
-                  <a:schemeClr val="dk1"/>
-                </a:solidFill>
-                <a:latin typeface="Arial"/>
-                <a:ea typeface="Arial"/>
-                <a:cs typeface="Arial"/>
-                <a:sym typeface="Arial"/>
-              </a:rPr>
-              <a:t>Building theory from observations</a:t>
-            </a:r>
-            <a:endParaRPr/>
-          </a:p>
-        </p:txBody>
-      </p:sp>
     </p:spTree>
   </p:cSld>
   <p:clrMapOvr>

--- a/Meetings 1 & 2.pptx
+++ b/Meetings 1 & 2.pptx
@@ -276,7 +276,7 @@
       <p15:sldGuideLst xmlns:p15="http://schemas.microsoft.com/office/powerpoint/2012/main"/>
     </p:ext>
     <p:ext uri="http://customooxmlschemas.google.com/">
-      <go:slidesCustomData xmlns="" xmlns:mc="http://schemas.openxmlformats.org/markup-compatibility/2006" xmlns:mv="urn:schemas-microsoft-com:mac:vml" xmlns:c="http://schemas.openxmlformats.org/drawingml/2006/chart" xmlns:dgm="http://schemas.openxmlformats.org/drawingml/2006/diagram" xmlns:o="urn:schemas-microsoft-com:office:office" xmlns:v="urn:schemas-microsoft-com:vml" xmlns:pvml="urn:schemas-microsoft-com:office:powerpoint" xmlns:com="http://schemas.openxmlformats.org/drawingml/2006/compatibility" xmlns:p14="http://schemas.microsoft.com/office/powerpoint/2010/main" xmlns:p15="http://schemas.microsoft.com/office/powerpoint/2012/main" xmlns:ahyp="http://schemas.microsoft.com/office/drawing/2018/hyperlinkcolor" xmlns:go="http://customooxmlschemas.google.com/" r:id="rId35" roundtripDataSignature="AMtx7miwSo8olij5aYo56Ji9NhWnsNKzHA=="/>
+      <go:slidesCustomData xmlns:go="http://customooxmlschemas.google.com/" xmlns:ahyp="http://schemas.microsoft.com/office/drawing/2018/hyperlinkcolor" xmlns:p15="http://schemas.microsoft.com/office/powerpoint/2012/main" xmlns:p14="http://schemas.microsoft.com/office/powerpoint/2010/main" xmlns:com="http://schemas.openxmlformats.org/drawingml/2006/compatibility" xmlns:pvml="urn:schemas-microsoft-com:office:powerpoint" xmlns:v="urn:schemas-microsoft-com:vml" xmlns:o="urn:schemas-microsoft-com:office:office" xmlns:dgm="http://schemas.openxmlformats.org/drawingml/2006/diagram" xmlns:c="http://schemas.openxmlformats.org/drawingml/2006/chart" xmlns:mv="urn:schemas-microsoft-com:mac:vml" xmlns:mc="http://schemas.openxmlformats.org/markup-compatibility/2006" xmlns="" r:id="rId35" roundtripDataSignature="AMtx7miwSo8olij5aYo56Ji9NhWnsNKzHA=="/>
     </p:ext>
   </p:extLst>
 </p:presentation>
@@ -26132,7 +26132,7 @@
               <a:buChar char="•"/>
             </a:pPr>
             <a:r>
-              <a:rPr lang="en-US" sz="2400">
+              <a:rPr lang="en-US" sz="2400" dirty="0">
                 <a:solidFill>
                   <a:schemeClr val="dk1"/>
                 </a:solidFill>
@@ -26143,7 +26143,7 @@
               </a:rPr>
               <a:t>Describing a phenomenon/noting an observation</a:t>
             </a:r>
-            <a:endParaRPr/>
+            <a:endParaRPr dirty="0"/>
           </a:p>
           <a:p>
             <a:pPr marL="285750" marR="0" lvl="0" indent="-285750" algn="l" rtl="0">
@@ -26161,7 +26161,7 @@
               <a:buChar char="•"/>
             </a:pPr>
             <a:r>
-              <a:rPr lang="en-US" sz="2400">
+              <a:rPr lang="en-US" sz="2400" dirty="0">
                 <a:solidFill>
                   <a:schemeClr val="dk1"/>
                 </a:solidFill>
@@ -26172,7 +26172,7 @@
               </a:rPr>
               <a:t>Explaining a phenomenon/event</a:t>
             </a:r>
-            <a:endParaRPr/>
+            <a:endParaRPr dirty="0"/>
           </a:p>
           <a:p>
             <a:pPr marL="742950" marR="0" lvl="1" indent="-285750" algn="l" rtl="0">
@@ -26190,7 +26190,7 @@
               <a:buChar char="•"/>
             </a:pPr>
             <a:r>
-              <a:rPr lang="en-US" sz="2400" b="0" i="0" u="none" strike="noStrike" cap="none">
+              <a:rPr lang="en-US" sz="2400" b="0" i="0" u="none" strike="noStrike" cap="none" dirty="0">
                 <a:solidFill>
                   <a:schemeClr val="dk1"/>
                 </a:solidFill>
@@ -26201,7 +26201,7 @@
               </a:rPr>
               <a:t>Relationship between explanandum (dependent variable) and explanans (independent variable) + social mechanism/process</a:t>
             </a:r>
-            <a:endParaRPr/>
+            <a:endParaRPr dirty="0"/>
           </a:p>
           <a:p>
             <a:pPr marL="285750" marR="0" lvl="0" indent="-133350" algn="l" rtl="0">
@@ -26218,7 +26218,7 @@
               <a:buFont typeface="Arial"/>
               <a:buNone/>
             </a:pPr>
-            <a:endParaRPr sz="2400">
+            <a:endParaRPr sz="2400" dirty="0">
               <a:solidFill>
                 <a:schemeClr val="dk1"/>
               </a:solidFill>
@@ -26421,7 +26421,7 @@
               <a:buNone/>
             </a:pPr>
             <a:r>
-              <a:rPr lang="en-US" sz="2600">
+              <a:rPr lang="en-US" sz="2600" dirty="0">
                 <a:solidFill>
                   <a:schemeClr val="dk1"/>
                 </a:solidFill>
@@ -26432,7 +26432,7 @@
               </a:rPr>
               <a:t>1. “value-free” and Verstehen (Max Weber)</a:t>
             </a:r>
-            <a:endParaRPr/>
+            <a:endParaRPr dirty="0"/>
           </a:p>
           <a:p>
             <a:pPr marL="800100" marR="0" lvl="1" indent="-342900" algn="l" rtl="0">
@@ -26450,7 +26450,7 @@
               <a:buChar char="•"/>
             </a:pPr>
             <a:r>
-              <a:rPr lang="en-US" sz="2600" b="0" i="0" u="none" strike="noStrike" cap="none">
+              <a:rPr lang="en-US" sz="2600" b="0" i="0" u="none" strike="noStrike" cap="none" dirty="0">
                 <a:solidFill>
                   <a:srgbClr val="FF0000"/>
                 </a:solidFill>
@@ -26462,7 +26462,7 @@
               <a:t>Why did this happen </a:t>
             </a:r>
             <a:r>
-              <a:rPr lang="en-US" sz="2600" b="0" i="0" u="none" strike="noStrike" cap="none">
+              <a:rPr lang="en-US" sz="2600" b="0" i="0" u="none" strike="noStrike" cap="none" dirty="0">
                 <a:solidFill>
                   <a:schemeClr val="dk1"/>
                 </a:solidFill>
@@ -26471,9 +26471,33 @@
                 <a:cs typeface="Arial"/>
                 <a:sym typeface="Arial"/>
               </a:rPr>
-              <a:t>vs how can I persuade people of what I believe in? vs how can I enact (使发生）a social change?</a:t>
+              <a:t>vs how can I persuade people of what I believe in? vs how can I enact (</a:t>
             </a:r>
-            <a:endParaRPr/>
+            <a:r>
+              <a:rPr lang="en-US" sz="2600" b="0" i="0" u="none" strike="noStrike" cap="none" dirty="0" err="1">
+                <a:solidFill>
+                  <a:schemeClr val="dk1"/>
+                </a:solidFill>
+                <a:latin typeface="Arial"/>
+                <a:ea typeface="Arial"/>
+                <a:cs typeface="Arial"/>
+                <a:sym typeface="Arial"/>
+              </a:rPr>
+              <a:t>使发生）a</a:t>
+            </a:r>
+            <a:r>
+              <a:rPr lang="en-US" sz="2600" b="0" i="0" u="none" strike="noStrike" cap="none" dirty="0">
+                <a:solidFill>
+                  <a:schemeClr val="dk1"/>
+                </a:solidFill>
+                <a:latin typeface="Arial"/>
+                <a:ea typeface="Arial"/>
+                <a:cs typeface="Arial"/>
+                <a:sym typeface="Arial"/>
+              </a:rPr>
+              <a:t> social change?</a:t>
+            </a:r>
+            <a:endParaRPr dirty="0"/>
           </a:p>
           <a:p>
             <a:pPr marL="800100" marR="0" lvl="1" indent="-342900" algn="l" rtl="0">
@@ -26491,7 +26515,7 @@
               <a:buChar char="•"/>
             </a:pPr>
             <a:r>
-              <a:rPr lang="en-US" sz="2600" b="0" i="0" u="none" strike="noStrike" cap="none">
+              <a:rPr lang="en-US" sz="2600" b="0" i="0" u="none" strike="noStrike" cap="none" dirty="0">
                 <a:solidFill>
                   <a:srgbClr val="FF0000"/>
                 </a:solidFill>
@@ -26503,7 +26527,7 @@
               <a:t>Verstehen</a:t>
             </a:r>
             <a:r>
-              <a:rPr lang="en-US" sz="2600" b="0" i="0" u="none" strike="noStrike" cap="none">
+              <a:rPr lang="en-US" sz="2600" b="0" i="0" u="none" strike="noStrike" cap="none" dirty="0">
                 <a:solidFill>
                   <a:schemeClr val="dk1"/>
                 </a:solidFill>
@@ -26512,10 +26536,34 @@
                 <a:cs typeface="Arial"/>
                 <a:sym typeface="Arial"/>
               </a:rPr>
-              <a:t>: empathetic （有同理心的）understanding of the </a:t>
+              <a:t>: empathetic （</a:t>
             </a:r>
             <a:r>
-              <a:rPr lang="en-US" sz="2600" b="0" i="0" u="none" strike="noStrike" cap="none">
+              <a:rPr lang="en-US" sz="2600" b="0" i="0" u="none" strike="noStrike" cap="none" dirty="0" err="1">
+                <a:solidFill>
+                  <a:schemeClr val="dk1"/>
+                </a:solidFill>
+                <a:latin typeface="Arial"/>
+                <a:ea typeface="Arial"/>
+                <a:cs typeface="Arial"/>
+                <a:sym typeface="Arial"/>
+              </a:rPr>
+              <a:t>有同理心的）understanding</a:t>
+            </a:r>
+            <a:r>
+              <a:rPr lang="en-US" sz="2600" b="0" i="0" u="none" strike="noStrike" cap="none" dirty="0">
+                <a:solidFill>
+                  <a:schemeClr val="dk1"/>
+                </a:solidFill>
+                <a:latin typeface="Arial"/>
+                <a:ea typeface="Arial"/>
+                <a:cs typeface="Arial"/>
+                <a:sym typeface="Arial"/>
+              </a:rPr>
+              <a:t> of the </a:t>
+            </a:r>
+            <a:r>
+              <a:rPr lang="en-US" sz="2600" b="0" i="0" u="none" strike="noStrike" cap="none" dirty="0">
                 <a:solidFill>
                   <a:srgbClr val="FF0000"/>
                 </a:solidFill>
@@ -26527,7 +26575,7 @@
               <a:t>meanings</a:t>
             </a:r>
             <a:r>
-              <a:rPr lang="en-US" sz="2600" b="0" i="0" u="none" strike="noStrike" cap="none">
+              <a:rPr lang="en-US" sz="2600" b="0" i="0" u="none" strike="noStrike" cap="none" dirty="0">
                 <a:solidFill>
                   <a:schemeClr val="dk1"/>
                 </a:solidFill>
@@ -26538,7 +26586,7 @@
               </a:rPr>
               <a:t> of people’s social action (i.e., actions oriented towards others).</a:t>
             </a:r>
-            <a:endParaRPr/>
+            <a:endParaRPr dirty="0"/>
           </a:p>
           <a:p>
             <a:pPr marL="342900" marR="0" lvl="0" indent="-177800" algn="l" rtl="0">
@@ -26555,7 +26603,7 @@
               <a:buFont typeface="Arial"/>
               <a:buNone/>
             </a:pPr>
-            <a:endParaRPr sz="2600">
+            <a:endParaRPr sz="2600" dirty="0">
               <a:solidFill>
                 <a:schemeClr val="dk1"/>
               </a:solidFill>
@@ -34804,8 +34852,8 @@
         </p:nvSpPr>
         <p:spPr>
           <a:xfrm>
-            <a:off x="1257300" y="1936080"/>
-            <a:ext cx="9649260" cy="2985433"/>
+            <a:off x="875071" y="1936080"/>
+            <a:ext cx="10031489" cy="2985392"/>
           </a:xfrm>
           <a:prstGeom prst="rect">
             <a:avLst/>
@@ -34874,7 +34922,7 @@
                 <a:cs typeface="Calibri"/>
                 <a:sym typeface="Calibri"/>
               </a:rPr>
-              <a:t>Group-level variations across populations (observe)</a:t>
+              <a:t>Group-level variations across populations (observe “patterns”)</a:t>
             </a:r>
             <a:endParaRPr dirty="0"/>
           </a:p>
@@ -35397,7 +35445,7 @@
         </p:nvSpPr>
         <p:spPr>
           <a:xfrm>
-            <a:off x="1005840" y="1891877"/>
+            <a:off x="753210" y="1586160"/>
             <a:ext cx="9649260" cy="5232161"/>
           </a:xfrm>
           <a:prstGeom prst="rect">
@@ -37296,7 +37344,7 @@
               <a:buNone/>
             </a:pPr>
             <a:r>
-              <a:rPr lang="en-US" sz="1800">
+              <a:rPr lang="en-US" sz="1800" dirty="0">
                 <a:solidFill>
                   <a:schemeClr val="dk1"/>
                 </a:solidFill>
@@ -37308,7 +37356,7 @@
               <a:t>The sociological imagination enables us to grasp </a:t>
             </a:r>
             <a:r>
-              <a:rPr lang="en-US" sz="1800">
+              <a:rPr lang="en-US" sz="1800" dirty="0">
                 <a:solidFill>
                   <a:srgbClr val="FF0000"/>
                 </a:solidFill>
@@ -37320,7 +37368,7 @@
               <a:t>history and biography </a:t>
             </a:r>
             <a:r>
-              <a:rPr lang="en-US" sz="1800">
+              <a:rPr lang="en-US" sz="1800" dirty="0">
                 <a:solidFill>
                   <a:schemeClr val="dk1"/>
                 </a:solidFill>
@@ -37332,7 +37380,7 @@
               <a:t>and the relations between the two </a:t>
             </a:r>
             <a:r>
-              <a:rPr lang="en-US" sz="1800">
+              <a:rPr lang="en-US" sz="1800" dirty="0">
                 <a:solidFill>
                   <a:srgbClr val="FF0000"/>
                 </a:solidFill>
@@ -37344,7 +37392,7 @@
               <a:t>within society</a:t>
             </a:r>
             <a:r>
-              <a:rPr lang="en-US" sz="1800">
+              <a:rPr lang="en-US" sz="1800" dirty="0">
                 <a:solidFill>
                   <a:schemeClr val="dk1"/>
                 </a:solidFill>
@@ -37356,7 +37404,7 @@
               <a:t>. (Mills 1959) </a:t>
             </a:r>
             <a:r>
-              <a:rPr lang="en-US" sz="1800" i="1">
+              <a:rPr lang="en-US" sz="1800" i="1" dirty="0">
                 <a:solidFill>
                   <a:schemeClr val="dk1"/>
                 </a:solidFill>
@@ -37367,7 +37415,7 @@
               </a:rPr>
               <a:t>The Sociological Imagination</a:t>
             </a:r>
-            <a:endParaRPr/>
+            <a:endParaRPr dirty="0"/>
           </a:p>
           <a:p>
             <a:pPr marL="0" marR="0" lvl="0" indent="0" algn="l" rtl="0">
@@ -37379,7 +37427,7 @@
               </a:spcAft>
               <a:buNone/>
             </a:pPr>
-            <a:endParaRPr sz="1800">
+            <a:endParaRPr sz="1800" dirty="0">
               <a:solidFill>
                 <a:schemeClr val="dk1"/>
               </a:solidFill>
@@ -37399,7 +37447,7 @@
               </a:spcAft>
               <a:buNone/>
             </a:pPr>
-            <a:endParaRPr sz="1800">
+            <a:endParaRPr sz="1800" dirty="0">
               <a:solidFill>
                 <a:schemeClr val="dk1"/>
               </a:solidFill>
@@ -37993,7 +38041,7 @@
               <a:buNone/>
             </a:pPr>
             <a:r>
-              <a:rPr lang="en-US" sz="1800">
+              <a:rPr lang="en-US" sz="1800" dirty="0">
                 <a:solidFill>
                   <a:schemeClr val="dk1"/>
                 </a:solidFill>
@@ -38005,7 +38053,7 @@
               <a:t>Sociology is concerned with the “</a:t>
             </a:r>
             <a:r>
-              <a:rPr lang="en-US" sz="1800">
+              <a:rPr lang="en-US" sz="1800" dirty="0">
                 <a:solidFill>
                   <a:srgbClr val="FF0000"/>
                 </a:solidFill>
@@ -38017,7 +38065,7 @@
               <a:t>interpretive </a:t>
             </a:r>
             <a:r>
-              <a:rPr lang="en-US" sz="1800">
+              <a:rPr lang="en-US" sz="1800" dirty="0">
                 <a:solidFill>
                   <a:schemeClr val="dk1"/>
                 </a:solidFill>
@@ -38029,7 +38077,7 @@
               <a:t>understanding of </a:t>
             </a:r>
             <a:r>
-              <a:rPr lang="en-US" sz="1800">
+              <a:rPr lang="en-US" sz="1800" dirty="0">
                 <a:solidFill>
                   <a:srgbClr val="FF0000"/>
                 </a:solidFill>
@@ -38041,7 +38089,7 @@
               <a:t>social action </a:t>
             </a:r>
             <a:r>
-              <a:rPr lang="en-US" sz="1800">
+              <a:rPr lang="en-US" sz="1800" dirty="0">
                 <a:solidFill>
                   <a:schemeClr val="dk1"/>
                 </a:solidFill>
@@ -38053,7 +38101,7 @@
               <a:t>in order thereby to arrive at </a:t>
             </a:r>
             <a:r>
-              <a:rPr lang="en-US" sz="1800">
+              <a:rPr lang="en-US" sz="1800" dirty="0">
                 <a:solidFill>
                   <a:srgbClr val="FF0000"/>
                 </a:solidFill>
@@ -38065,7 +38113,7 @@
               <a:t>a causal explanation</a:t>
             </a:r>
             <a:r>
-              <a:rPr lang="en-US" sz="1800">
+              <a:rPr lang="en-US" sz="1800" dirty="0">
                 <a:solidFill>
                   <a:schemeClr val="dk1"/>
                 </a:solidFill>
@@ -38077,7 +38125,7 @@
               <a:t> of its </a:t>
             </a:r>
             <a:r>
-              <a:rPr lang="en-US" sz="1800">
+              <a:rPr lang="en-US" sz="1800" dirty="0">
                 <a:solidFill>
                   <a:srgbClr val="FF0000"/>
                 </a:solidFill>
@@ -38089,7 +38137,7 @@
               <a:t>course and effects</a:t>
             </a:r>
             <a:r>
-              <a:rPr lang="en-US" sz="1800">
+              <a:rPr lang="en-US" sz="1800" dirty="0">
                 <a:solidFill>
                   <a:schemeClr val="dk1"/>
                 </a:solidFill>
@@ -38101,7 +38149,7 @@
               <a:t>. […] (Weber, 1922 </a:t>
             </a:r>
             <a:r>
-              <a:rPr lang="en-US" sz="1800" i="1">
+              <a:rPr lang="en-US" sz="1800" i="1" dirty="0">
                 <a:solidFill>
                   <a:schemeClr val="dk1"/>
                 </a:solidFill>
@@ -38113,7 +38161,7 @@
               <a:t>Economy and Society</a:t>
             </a:r>
             <a:r>
-              <a:rPr lang="en-US" sz="1800">
+              <a:rPr lang="en-US" sz="1800" dirty="0">
                 <a:solidFill>
                   <a:schemeClr val="dk1"/>
                 </a:solidFill>
@@ -38122,9 +38170,57 @@
                 <a:cs typeface="Arial"/>
                 <a:sym typeface="Arial"/>
               </a:rPr>
-              <a:t>, p4) 韦伯，《社会学的基本概念》 Calvinism methodism, science as a vocation, politics as a vocation</a:t>
+              <a:t>, p4) </a:t>
             </a:r>
-            <a:endParaRPr/>
+            <a:r>
+              <a:rPr lang="en-US" sz="1800" dirty="0" err="1">
+                <a:solidFill>
+                  <a:schemeClr val="dk1"/>
+                </a:solidFill>
+                <a:latin typeface="Arial"/>
+                <a:ea typeface="Arial"/>
+                <a:cs typeface="Arial"/>
+                <a:sym typeface="Arial"/>
+              </a:rPr>
+              <a:t>韦伯</a:t>
+            </a:r>
+            <a:r>
+              <a:rPr lang="en-US" sz="1800" dirty="0">
+                <a:solidFill>
+                  <a:schemeClr val="dk1"/>
+                </a:solidFill>
+                <a:latin typeface="Arial"/>
+                <a:ea typeface="Arial"/>
+                <a:cs typeface="Arial"/>
+                <a:sym typeface="Arial"/>
+              </a:rPr>
+              <a:t>，《</a:t>
+            </a:r>
+            <a:r>
+              <a:rPr lang="en-US" sz="1800" dirty="0" err="1">
+                <a:solidFill>
+                  <a:schemeClr val="dk1"/>
+                </a:solidFill>
+                <a:latin typeface="Arial"/>
+                <a:ea typeface="Arial"/>
+                <a:cs typeface="Arial"/>
+                <a:sym typeface="Arial"/>
+              </a:rPr>
+              <a:t>社会学的基本概念</a:t>
+            </a:r>
+            <a:r>
+              <a:rPr lang="en-US" sz="1800" dirty="0">
+                <a:solidFill>
+                  <a:schemeClr val="dk1"/>
+                </a:solidFill>
+                <a:latin typeface="Arial"/>
+                <a:ea typeface="Arial"/>
+                <a:cs typeface="Arial"/>
+                <a:sym typeface="Arial"/>
+              </a:rPr>
+              <a:t>》 Calvinism methodism, science as a vocation, politics as a vocation</a:t>
+            </a:r>
+            <a:endParaRPr dirty="0"/>
           </a:p>
         </p:txBody>
       </p:sp>

--- a/Meetings 1 & 2.pptx
+++ b/Meetings 1 & 2.pptx
@@ -6,7 +6,7 @@
     <p:sldMasterId id="2147483661" r:id="rId2"/>
   </p:sldMasterIdLst>
   <p:notesMasterIdLst>
-    <p:notesMasterId r:id="rId33"/>
+    <p:notesMasterId r:id="rId27"/>
   </p:notesMasterIdLst>
   <p:sldIdLst>
     <p:sldId id="256" r:id="rId3"/>
@@ -18,27 +18,21 @@
     <p:sldId id="260" r:id="rId9"/>
     <p:sldId id="261" r:id="rId10"/>
     <p:sldId id="262" r:id="rId11"/>
-    <p:sldId id="263" r:id="rId12"/>
-    <p:sldId id="264" r:id="rId13"/>
-    <p:sldId id="265" r:id="rId14"/>
-    <p:sldId id="266" r:id="rId15"/>
-    <p:sldId id="267" r:id="rId16"/>
-    <p:sldId id="268" r:id="rId17"/>
-    <p:sldId id="269" r:id="rId18"/>
-    <p:sldId id="270" r:id="rId19"/>
-    <p:sldId id="271" r:id="rId20"/>
-    <p:sldId id="272" r:id="rId21"/>
-    <p:sldId id="273" r:id="rId22"/>
-    <p:sldId id="274" r:id="rId23"/>
-    <p:sldId id="275" r:id="rId24"/>
-    <p:sldId id="276" r:id="rId25"/>
-    <p:sldId id="277" r:id="rId26"/>
-    <p:sldId id="278" r:id="rId27"/>
-    <p:sldId id="279" r:id="rId28"/>
-    <p:sldId id="280" r:id="rId29"/>
-    <p:sldId id="281" r:id="rId30"/>
-    <p:sldId id="282" r:id="rId31"/>
-    <p:sldId id="283" r:id="rId32"/>
+    <p:sldId id="264" r:id="rId12"/>
+    <p:sldId id="268" r:id="rId13"/>
+    <p:sldId id="269" r:id="rId14"/>
+    <p:sldId id="270" r:id="rId15"/>
+    <p:sldId id="271" r:id="rId16"/>
+    <p:sldId id="272" r:id="rId17"/>
+    <p:sldId id="275" r:id="rId18"/>
+    <p:sldId id="276" r:id="rId19"/>
+    <p:sldId id="277" r:id="rId20"/>
+    <p:sldId id="278" r:id="rId21"/>
+    <p:sldId id="279" r:id="rId22"/>
+    <p:sldId id="280" r:id="rId23"/>
+    <p:sldId id="281" r:id="rId24"/>
+    <p:sldId id="282" r:id="rId25"/>
+    <p:sldId id="283" r:id="rId26"/>
   </p:sldIdLst>
   <p:sldSz cx="12192000" cy="6858000"/>
   <p:notesSz cx="6858000" cy="9144000"/>
@@ -276,7 +270,7 @@
       <p15:sldGuideLst xmlns:p15="http://schemas.microsoft.com/office/powerpoint/2012/main"/>
     </p:ext>
     <p:ext uri="http://customooxmlschemas.google.com/">
-      <go:slidesCustomData xmlns:go="http://customooxmlschemas.google.com/" xmlns:ahyp="http://schemas.microsoft.com/office/drawing/2018/hyperlinkcolor" xmlns:p15="http://schemas.microsoft.com/office/powerpoint/2012/main" xmlns:p14="http://schemas.microsoft.com/office/powerpoint/2010/main" xmlns:com="http://schemas.openxmlformats.org/drawingml/2006/compatibility" xmlns:pvml="urn:schemas-microsoft-com:office:powerpoint" xmlns:v="urn:schemas-microsoft-com:vml" xmlns:o="urn:schemas-microsoft-com:office:office" xmlns:dgm="http://schemas.openxmlformats.org/drawingml/2006/diagram" xmlns:c="http://schemas.openxmlformats.org/drawingml/2006/chart" xmlns:mv="urn:schemas-microsoft-com:mac:vml" xmlns:mc="http://schemas.openxmlformats.org/markup-compatibility/2006" xmlns="" r:id="rId35" roundtripDataSignature="AMtx7miwSo8olij5aYo56Ji9NhWnsNKzHA=="/>
+      <go:slidesCustomData xmlns="" xmlns:mc="http://schemas.openxmlformats.org/markup-compatibility/2006" xmlns:mv="urn:schemas-microsoft-com:mac:vml" xmlns:c="http://schemas.openxmlformats.org/drawingml/2006/chart" xmlns:dgm="http://schemas.openxmlformats.org/drawingml/2006/diagram" xmlns:o="urn:schemas-microsoft-com:office:office" xmlns:v="urn:schemas-microsoft-com:vml" xmlns:pvml="urn:schemas-microsoft-com:office:powerpoint" xmlns:com="http://schemas.openxmlformats.org/drawingml/2006/compatibility" xmlns:p14="http://schemas.microsoft.com/office/powerpoint/2010/main" xmlns:p15="http://schemas.microsoft.com/office/powerpoint/2012/main" xmlns:ahyp="http://schemas.microsoft.com/office/drawing/2018/hyperlinkcolor" xmlns:go="http://customooxmlschemas.google.com/" r:id="rId35" roundtripDataSignature="AMtx7miwSo8olij5aYo56Ji9NhWnsNKzHA=="/>
     </p:ext>
   </p:extLst>
 </p:presentation>
@@ -1707,480 +1701,6 @@
   <p:cSld>
     <p:spTree>
       <p:nvGrpSpPr>
-        <p:cNvPr id="1" name="Shape 257"/>
-        <p:cNvGrpSpPr/>
-        <p:nvPr/>
-      </p:nvGrpSpPr>
-      <p:grpSpPr>
-        <a:xfrm>
-          <a:off x="0" y="0"/>
-          <a:ext cx="0" cy="0"/>
-          <a:chOff x="0" y="0"/>
-          <a:chExt cx="0" cy="0"/>
-        </a:xfrm>
-      </p:grpSpPr>
-      <p:sp>
-        <p:nvSpPr>
-          <p:cNvPr id="258" name="Google Shape;258;p10:notes"/>
-          <p:cNvSpPr txBox="1">
-            <a:spLocks noGrp="1"/>
-          </p:cNvSpPr>
-          <p:nvPr>
-            <p:ph type="body" idx="1"/>
-          </p:nvPr>
-        </p:nvSpPr>
-        <p:spPr>
-          <a:xfrm>
-            <a:off x="777240" y="4777560"/>
-            <a:ext cx="6217560" cy="4525920"/>
-          </a:xfrm>
-          <a:prstGeom prst="rect">
-            <a:avLst/>
-          </a:prstGeom>
-        </p:spPr>
-        <p:txBody>
-          <a:bodyPr spcFirstLastPara="1" wrap="square" lIns="0" tIns="0" rIns="0" bIns="0" anchor="t" anchorCtr="0">
-            <a:noAutofit/>
-          </a:bodyPr>
-          <a:lstStyle/>
-          <a:p>
-            <a:pPr marL="0" lvl="0" indent="0" algn="l" rtl="0">
-              <a:spcBef>
-                <a:spcPts val="0"/>
-              </a:spcBef>
-              <a:spcAft>
-                <a:spcPts val="0"/>
-              </a:spcAft>
-              <a:buNone/>
-            </a:pPr>
-            <a:endParaRPr/>
-          </a:p>
-        </p:txBody>
-      </p:sp>
-      <p:sp>
-        <p:nvSpPr>
-          <p:cNvPr id="259" name="Google Shape;259;p10:notes"/>
-          <p:cNvSpPr>
-            <a:spLocks noGrp="1" noRot="1" noChangeAspect="1"/>
-          </p:cNvSpPr>
-          <p:nvPr>
-            <p:ph type="sldImg" idx="2"/>
-          </p:nvPr>
-        </p:nvSpPr>
-        <p:spPr>
-          <a:xfrm>
-            <a:off x="533400" y="763588"/>
-            <a:ext cx="6704013" cy="3771900"/>
-          </a:xfrm>
-          <a:custGeom>
-            <a:avLst/>
-            <a:gdLst/>
-            <a:ahLst/>
-            <a:cxnLst/>
-            <a:rect l="l" t="t" r="r" b="b"/>
-            <a:pathLst>
-              <a:path w="120000" h="120000" extrusionOk="0">
-                <a:moveTo>
-                  <a:pt x="0" y="0"/>
-                </a:moveTo>
-                <a:lnTo>
-                  <a:pt x="120000" y="0"/>
-                </a:lnTo>
-                <a:lnTo>
-                  <a:pt x="120000" y="120000"/>
-                </a:lnTo>
-                <a:lnTo>
-                  <a:pt x="0" y="120000"/>
-                </a:lnTo>
-                <a:close/>
-              </a:path>
-            </a:pathLst>
-          </a:custGeom>
-        </p:spPr>
-      </p:sp>
-    </p:spTree>
-  </p:cSld>
-  <p:clrMapOvr>
-    <a:masterClrMapping/>
-  </p:clrMapOvr>
-</p:notes>
-</file>
-
-<file path=ppt/notesSlides/notesSlide11.xml><?xml version="1.0" encoding="utf-8"?>
-<p:notes xmlns:a="http://schemas.openxmlformats.org/drawingml/2006/main" xmlns:r="http://schemas.openxmlformats.org/officeDocument/2006/relationships" xmlns:p="http://schemas.openxmlformats.org/presentationml/2006/main" showMasterSp="0" showMasterPhAnim="0">
-  <p:cSld>
-    <p:spTree>
-      <p:nvGrpSpPr>
-        <p:cNvPr id="1" name="Shape 267"/>
-        <p:cNvGrpSpPr/>
-        <p:nvPr/>
-      </p:nvGrpSpPr>
-      <p:grpSpPr>
-        <a:xfrm>
-          <a:off x="0" y="0"/>
-          <a:ext cx="0" cy="0"/>
-          <a:chOff x="0" y="0"/>
-          <a:chExt cx="0" cy="0"/>
-        </a:xfrm>
-      </p:grpSpPr>
-      <p:sp>
-        <p:nvSpPr>
-          <p:cNvPr id="268" name="Google Shape;268;p11:notes"/>
-          <p:cNvSpPr txBox="1">
-            <a:spLocks noGrp="1"/>
-          </p:cNvSpPr>
-          <p:nvPr>
-            <p:ph type="body" idx="1"/>
-          </p:nvPr>
-        </p:nvSpPr>
-        <p:spPr>
-          <a:xfrm>
-            <a:off x="777240" y="4777560"/>
-            <a:ext cx="6217560" cy="4525920"/>
-          </a:xfrm>
-          <a:prstGeom prst="rect">
-            <a:avLst/>
-          </a:prstGeom>
-        </p:spPr>
-        <p:txBody>
-          <a:bodyPr spcFirstLastPara="1" wrap="square" lIns="0" tIns="0" rIns="0" bIns="0" anchor="t" anchorCtr="0">
-            <a:noAutofit/>
-          </a:bodyPr>
-          <a:lstStyle/>
-          <a:p>
-            <a:pPr marL="0" lvl="0" indent="0" algn="l" rtl="0">
-              <a:spcBef>
-                <a:spcPts val="0"/>
-              </a:spcBef>
-              <a:spcAft>
-                <a:spcPts val="0"/>
-              </a:spcAft>
-              <a:buNone/>
-            </a:pPr>
-            <a:endParaRPr/>
-          </a:p>
-        </p:txBody>
-      </p:sp>
-      <p:sp>
-        <p:nvSpPr>
-          <p:cNvPr id="269" name="Google Shape;269;p11:notes"/>
-          <p:cNvSpPr>
-            <a:spLocks noGrp="1" noRot="1" noChangeAspect="1"/>
-          </p:cNvSpPr>
-          <p:nvPr>
-            <p:ph type="sldImg" idx="2"/>
-          </p:nvPr>
-        </p:nvSpPr>
-        <p:spPr>
-          <a:xfrm>
-            <a:off x="533400" y="763588"/>
-            <a:ext cx="6704013" cy="3771900"/>
-          </a:xfrm>
-          <a:custGeom>
-            <a:avLst/>
-            <a:gdLst/>
-            <a:ahLst/>
-            <a:cxnLst/>
-            <a:rect l="l" t="t" r="r" b="b"/>
-            <a:pathLst>
-              <a:path w="120000" h="120000" extrusionOk="0">
-                <a:moveTo>
-                  <a:pt x="0" y="0"/>
-                </a:moveTo>
-                <a:lnTo>
-                  <a:pt x="120000" y="0"/>
-                </a:lnTo>
-                <a:lnTo>
-                  <a:pt x="120000" y="120000"/>
-                </a:lnTo>
-                <a:lnTo>
-                  <a:pt x="0" y="120000"/>
-                </a:lnTo>
-                <a:close/>
-              </a:path>
-            </a:pathLst>
-          </a:custGeom>
-        </p:spPr>
-      </p:sp>
-    </p:spTree>
-  </p:cSld>
-  <p:clrMapOvr>
-    <a:masterClrMapping/>
-  </p:clrMapOvr>
-</p:notes>
-</file>
-
-<file path=ppt/notesSlides/notesSlide12.xml><?xml version="1.0" encoding="utf-8"?>
-<p:notes xmlns:a="http://schemas.openxmlformats.org/drawingml/2006/main" xmlns:r="http://schemas.openxmlformats.org/officeDocument/2006/relationships" xmlns:p="http://schemas.openxmlformats.org/presentationml/2006/main" showMasterSp="0" showMasterPhAnim="0">
-  <p:cSld>
-    <p:spTree>
-      <p:nvGrpSpPr>
-        <p:cNvPr id="1" name="Shape 277"/>
-        <p:cNvGrpSpPr/>
-        <p:nvPr/>
-      </p:nvGrpSpPr>
-      <p:grpSpPr>
-        <a:xfrm>
-          <a:off x="0" y="0"/>
-          <a:ext cx="0" cy="0"/>
-          <a:chOff x="0" y="0"/>
-          <a:chExt cx="0" cy="0"/>
-        </a:xfrm>
-      </p:grpSpPr>
-      <p:sp>
-        <p:nvSpPr>
-          <p:cNvPr id="278" name="Google Shape;278;p12:notes"/>
-          <p:cNvSpPr txBox="1">
-            <a:spLocks noGrp="1"/>
-          </p:cNvSpPr>
-          <p:nvPr>
-            <p:ph type="body" idx="1"/>
-          </p:nvPr>
-        </p:nvSpPr>
-        <p:spPr>
-          <a:xfrm>
-            <a:off x="777240" y="4777560"/>
-            <a:ext cx="6217560" cy="4525920"/>
-          </a:xfrm>
-          <a:prstGeom prst="rect">
-            <a:avLst/>
-          </a:prstGeom>
-        </p:spPr>
-        <p:txBody>
-          <a:bodyPr spcFirstLastPara="1" wrap="square" lIns="0" tIns="0" rIns="0" bIns="0" anchor="t" anchorCtr="0">
-            <a:noAutofit/>
-          </a:bodyPr>
-          <a:lstStyle/>
-          <a:p>
-            <a:pPr marL="0" lvl="0" indent="0" algn="l" rtl="0">
-              <a:spcBef>
-                <a:spcPts val="0"/>
-              </a:spcBef>
-              <a:spcAft>
-                <a:spcPts val="0"/>
-              </a:spcAft>
-              <a:buNone/>
-            </a:pPr>
-            <a:endParaRPr/>
-          </a:p>
-        </p:txBody>
-      </p:sp>
-      <p:sp>
-        <p:nvSpPr>
-          <p:cNvPr id="279" name="Google Shape;279;p12:notes"/>
-          <p:cNvSpPr>
-            <a:spLocks noGrp="1" noRot="1" noChangeAspect="1"/>
-          </p:cNvSpPr>
-          <p:nvPr>
-            <p:ph type="sldImg" idx="2"/>
-          </p:nvPr>
-        </p:nvSpPr>
-        <p:spPr>
-          <a:xfrm>
-            <a:off x="533400" y="763588"/>
-            <a:ext cx="6704013" cy="3771900"/>
-          </a:xfrm>
-          <a:custGeom>
-            <a:avLst/>
-            <a:gdLst/>
-            <a:ahLst/>
-            <a:cxnLst/>
-            <a:rect l="l" t="t" r="r" b="b"/>
-            <a:pathLst>
-              <a:path w="120000" h="120000" extrusionOk="0">
-                <a:moveTo>
-                  <a:pt x="0" y="0"/>
-                </a:moveTo>
-                <a:lnTo>
-                  <a:pt x="120000" y="0"/>
-                </a:lnTo>
-                <a:lnTo>
-                  <a:pt x="120000" y="120000"/>
-                </a:lnTo>
-                <a:lnTo>
-                  <a:pt x="0" y="120000"/>
-                </a:lnTo>
-                <a:close/>
-              </a:path>
-            </a:pathLst>
-          </a:custGeom>
-        </p:spPr>
-      </p:sp>
-    </p:spTree>
-  </p:cSld>
-  <p:clrMapOvr>
-    <a:masterClrMapping/>
-  </p:clrMapOvr>
-</p:notes>
-</file>
-
-<file path=ppt/notesSlides/notesSlide13.xml><?xml version="1.0" encoding="utf-8"?>
-<p:notes xmlns:a="http://schemas.openxmlformats.org/drawingml/2006/main" xmlns:r="http://schemas.openxmlformats.org/officeDocument/2006/relationships" xmlns:p="http://schemas.openxmlformats.org/presentationml/2006/main" showMasterSp="0" showMasterPhAnim="0">
-  <p:cSld>
-    <p:spTree>
-      <p:nvGrpSpPr>
-        <p:cNvPr id="1" name="Shape 288"/>
-        <p:cNvGrpSpPr/>
-        <p:nvPr/>
-      </p:nvGrpSpPr>
-      <p:grpSpPr>
-        <a:xfrm>
-          <a:off x="0" y="0"/>
-          <a:ext cx="0" cy="0"/>
-          <a:chOff x="0" y="0"/>
-          <a:chExt cx="0" cy="0"/>
-        </a:xfrm>
-      </p:grpSpPr>
-      <p:sp>
-        <p:nvSpPr>
-          <p:cNvPr id="289" name="Google Shape;289;p13:notes"/>
-          <p:cNvSpPr>
-            <a:spLocks noGrp="1" noRot="1" noChangeAspect="1"/>
-          </p:cNvSpPr>
-          <p:nvPr>
-            <p:ph type="sldImg" idx="2"/>
-          </p:nvPr>
-        </p:nvSpPr>
-        <p:spPr>
-          <a:xfrm>
-            <a:off x="533400" y="763588"/>
-            <a:ext cx="6704013" cy="3771900"/>
-          </a:xfrm>
-          <a:custGeom>
-            <a:avLst/>
-            <a:gdLst/>
-            <a:ahLst/>
-            <a:cxnLst/>
-            <a:rect l="l" t="t" r="r" b="b"/>
-            <a:pathLst>
-              <a:path w="120000" h="120000" extrusionOk="0">
-                <a:moveTo>
-                  <a:pt x="0" y="0"/>
-                </a:moveTo>
-                <a:lnTo>
-                  <a:pt x="120000" y="0"/>
-                </a:lnTo>
-                <a:lnTo>
-                  <a:pt x="120000" y="120000"/>
-                </a:lnTo>
-                <a:lnTo>
-                  <a:pt x="0" y="120000"/>
-                </a:lnTo>
-                <a:close/>
-              </a:path>
-            </a:pathLst>
-          </a:custGeom>
-          <a:noFill/>
-          <a:ln>
-            <a:noFill/>
-          </a:ln>
-        </p:spPr>
-      </p:sp>
-      <p:sp>
-        <p:nvSpPr>
-          <p:cNvPr id="290" name="Google Shape;290;p13:notes"/>
-          <p:cNvSpPr txBox="1">
-            <a:spLocks noGrp="1"/>
-          </p:cNvSpPr>
-          <p:nvPr>
-            <p:ph type="body" idx="1"/>
-          </p:nvPr>
-        </p:nvSpPr>
-        <p:spPr>
-          <a:xfrm>
-            <a:off x="777240" y="4777560"/>
-            <a:ext cx="6217560" cy="4525920"/>
-          </a:xfrm>
-          <a:prstGeom prst="rect">
-            <a:avLst/>
-          </a:prstGeom>
-          <a:noFill/>
-          <a:ln>
-            <a:noFill/>
-          </a:ln>
-        </p:spPr>
-        <p:txBody>
-          <a:bodyPr spcFirstLastPara="1" wrap="square" lIns="0" tIns="0" rIns="0" bIns="0" anchor="t" anchorCtr="0">
-            <a:noAutofit/>
-          </a:bodyPr>
-          <a:lstStyle/>
-          <a:p>
-            <a:pPr marL="0" lvl="0" indent="0" algn="l" rtl="0">
-              <a:spcBef>
-                <a:spcPts val="0"/>
-              </a:spcBef>
-              <a:spcAft>
-                <a:spcPts val="0"/>
-              </a:spcAft>
-              <a:buNone/>
-            </a:pPr>
-            <a:r>
-              <a:rPr lang="en-US"/>
-              <a:t>Show the student how to use google citation</a:t>
-            </a:r>
-            <a:endParaRPr/>
-          </a:p>
-        </p:txBody>
-      </p:sp>
-      <p:sp>
-        <p:nvSpPr>
-          <p:cNvPr id="291" name="Google Shape;291;p13:notes"/>
-          <p:cNvSpPr txBox="1">
-            <a:spLocks noGrp="1"/>
-          </p:cNvSpPr>
-          <p:nvPr>
-            <p:ph type="sldNum" idx="12"/>
-          </p:nvPr>
-        </p:nvSpPr>
-        <p:spPr>
-          <a:xfrm>
-            <a:off x="4399200" y="9555480"/>
-            <a:ext cx="3372840" cy="502560"/>
-          </a:xfrm>
-          <a:prstGeom prst="rect">
-            <a:avLst/>
-          </a:prstGeom>
-          <a:noFill/>
-          <a:ln>
-            <a:noFill/>
-          </a:ln>
-        </p:spPr>
-        <p:txBody>
-          <a:bodyPr spcFirstLastPara="1" wrap="square" lIns="0" tIns="0" rIns="0" bIns="0" anchor="b" anchorCtr="0">
-            <a:noAutofit/>
-          </a:bodyPr>
-          <a:lstStyle/>
-          <a:p>
-            <a:pPr marL="0" lvl="0" indent="0" algn="l" rtl="0">
-              <a:spcBef>
-                <a:spcPts val="0"/>
-              </a:spcBef>
-              <a:spcAft>
-                <a:spcPts val="0"/>
-              </a:spcAft>
-              <a:buNone/>
-            </a:pPr>
-            <a:fld id="{00000000-1234-1234-1234-123412341234}" type="slidenum">
-              <a:rPr lang="en-US"/>
-              <a:t>15</a:t>
-            </a:fld>
-            <a:endParaRPr/>
-          </a:p>
-        </p:txBody>
-      </p:sp>
-    </p:spTree>
-  </p:cSld>
-  <p:clrMapOvr>
-    <a:masterClrMapping/>
-  </p:clrMapOvr>
-</p:notes>
-</file>
-
-<file path=ppt/notesSlides/notesSlide14.xml><?xml version="1.0" encoding="utf-8"?>
-<p:notes xmlns:a="http://schemas.openxmlformats.org/drawingml/2006/main" xmlns:r="http://schemas.openxmlformats.org/officeDocument/2006/relationships" xmlns:p="http://schemas.openxmlformats.org/presentationml/2006/main" showMasterSp="0" showMasterPhAnim="0">
-  <p:cSld>
-    <p:spTree>
-      <p:nvGrpSpPr>
         <p:cNvPr id="1" name="Shape 299"/>
         <p:cNvGrpSpPr/>
         <p:nvPr/>
@@ -2324,7 +1844,7 @@
             </a:pPr>
             <a:fld id="{00000000-1234-1234-1234-123412341234}" type="slidenum">
               <a:rPr lang="en-US"/>
-              <a:t>16</a:t>
+              <a:t>12</a:t>
             </a:fld>
             <a:endParaRPr/>
           </a:p>
@@ -2338,7 +1858,7 @@
 </p:notes>
 </file>
 
-<file path=ppt/notesSlides/notesSlide15.xml><?xml version="1.0" encoding="utf-8"?>
+<file path=ppt/notesSlides/notesSlide11.xml><?xml version="1.0" encoding="utf-8"?>
 <p:notes xmlns:a="http://schemas.openxmlformats.org/drawingml/2006/main" xmlns:r="http://schemas.openxmlformats.org/officeDocument/2006/relationships" xmlns:p="http://schemas.openxmlformats.org/presentationml/2006/main" showMasterSp="0" showMasterPhAnim="0">
   <p:cSld>
     <p:spTree>
@@ -2442,7 +1962,7 @@
 </p:notes>
 </file>
 
-<file path=ppt/notesSlides/notesSlide16.xml><?xml version="1.0" encoding="utf-8"?>
+<file path=ppt/notesSlides/notesSlide12.xml><?xml version="1.0" encoding="utf-8"?>
 <p:notes xmlns:a="http://schemas.openxmlformats.org/drawingml/2006/main" xmlns:r="http://schemas.openxmlformats.org/officeDocument/2006/relationships" xmlns:p="http://schemas.openxmlformats.org/presentationml/2006/main" showMasterSp="0" showMasterPhAnim="0">
   <p:cSld>
     <p:spTree>
@@ -2546,7 +2066,7 @@
 </p:notes>
 </file>
 
-<file path=ppt/notesSlides/notesSlide17.xml><?xml version="1.0" encoding="utf-8"?>
+<file path=ppt/notesSlides/notesSlide13.xml><?xml version="1.0" encoding="utf-8"?>
 <p:notes xmlns:a="http://schemas.openxmlformats.org/drawingml/2006/main" xmlns:r="http://schemas.openxmlformats.org/officeDocument/2006/relationships" xmlns:p="http://schemas.openxmlformats.org/presentationml/2006/main" showMasterSp="0" showMasterPhAnim="0">
   <p:cSld>
     <p:spTree>
@@ -2846,11 +2366,427 @@
             </a:pPr>
             <a:fld id="{00000000-1234-1234-1234-123412341234}" type="slidenum">
               <a:rPr lang="en-US"/>
-              <a:t>19</a:t>
+              <a:t>15</a:t>
             </a:fld>
             <a:endParaRPr/>
           </a:p>
         </p:txBody>
+      </p:sp>
+    </p:spTree>
+  </p:cSld>
+  <p:clrMapOvr>
+    <a:masterClrMapping/>
+  </p:clrMapOvr>
+</p:notes>
+</file>
+
+<file path=ppt/notesSlides/notesSlide14.xml><?xml version="1.0" encoding="utf-8"?>
+<p:notes xmlns:a="http://schemas.openxmlformats.org/drawingml/2006/main" xmlns:r="http://schemas.openxmlformats.org/officeDocument/2006/relationships" xmlns:p="http://schemas.openxmlformats.org/presentationml/2006/main" showMasterSp="0" showMasterPhAnim="0">
+  <p:cSld>
+    <p:spTree>
+      <p:nvGrpSpPr>
+        <p:cNvPr id="1" name="Shape 371"/>
+        <p:cNvGrpSpPr/>
+        <p:nvPr/>
+      </p:nvGrpSpPr>
+      <p:grpSpPr>
+        <a:xfrm>
+          <a:off x="0" y="0"/>
+          <a:ext cx="0" cy="0"/>
+          <a:chOff x="0" y="0"/>
+          <a:chExt cx="0" cy="0"/>
+        </a:xfrm>
+      </p:grpSpPr>
+      <p:sp>
+        <p:nvSpPr>
+          <p:cNvPr id="372" name="Google Shape;372;p20:notes"/>
+          <p:cNvSpPr txBox="1">
+            <a:spLocks noGrp="1"/>
+          </p:cNvSpPr>
+          <p:nvPr>
+            <p:ph type="body" idx="1"/>
+          </p:nvPr>
+        </p:nvSpPr>
+        <p:spPr>
+          <a:xfrm>
+            <a:off x="777240" y="4777560"/>
+            <a:ext cx="6217560" cy="4525920"/>
+          </a:xfrm>
+          <a:prstGeom prst="rect">
+            <a:avLst/>
+          </a:prstGeom>
+        </p:spPr>
+        <p:txBody>
+          <a:bodyPr spcFirstLastPara="1" wrap="square" lIns="0" tIns="0" rIns="0" bIns="0" anchor="t" anchorCtr="0">
+            <a:noAutofit/>
+          </a:bodyPr>
+          <a:lstStyle/>
+          <a:p>
+            <a:pPr marL="0" lvl="0" indent="0" algn="l" rtl="0">
+              <a:spcBef>
+                <a:spcPts val="0"/>
+              </a:spcBef>
+              <a:spcAft>
+                <a:spcPts val="0"/>
+              </a:spcAft>
+              <a:buNone/>
+            </a:pPr>
+            <a:endParaRPr/>
+          </a:p>
+        </p:txBody>
+      </p:sp>
+      <p:sp>
+        <p:nvSpPr>
+          <p:cNvPr id="373" name="Google Shape;373;p20:notes"/>
+          <p:cNvSpPr>
+            <a:spLocks noGrp="1" noRot="1" noChangeAspect="1"/>
+          </p:cNvSpPr>
+          <p:nvPr>
+            <p:ph type="sldImg" idx="2"/>
+          </p:nvPr>
+        </p:nvSpPr>
+        <p:spPr>
+          <a:xfrm>
+            <a:off x="533400" y="763588"/>
+            <a:ext cx="6704013" cy="3771900"/>
+          </a:xfrm>
+          <a:custGeom>
+            <a:avLst/>
+            <a:gdLst/>
+            <a:ahLst/>
+            <a:cxnLst/>
+            <a:rect l="l" t="t" r="r" b="b"/>
+            <a:pathLst>
+              <a:path w="120000" h="120000" extrusionOk="0">
+                <a:moveTo>
+                  <a:pt x="0" y="0"/>
+                </a:moveTo>
+                <a:lnTo>
+                  <a:pt x="120000" y="0"/>
+                </a:lnTo>
+                <a:lnTo>
+                  <a:pt x="120000" y="120000"/>
+                </a:lnTo>
+                <a:lnTo>
+                  <a:pt x="0" y="120000"/>
+                </a:lnTo>
+                <a:close/>
+              </a:path>
+            </a:pathLst>
+          </a:custGeom>
+        </p:spPr>
+      </p:sp>
+    </p:spTree>
+  </p:cSld>
+  <p:clrMapOvr>
+    <a:masterClrMapping/>
+  </p:clrMapOvr>
+</p:notes>
+</file>
+
+<file path=ppt/notesSlides/notesSlide15.xml><?xml version="1.0" encoding="utf-8"?>
+<p:notes xmlns:a="http://schemas.openxmlformats.org/drawingml/2006/main" xmlns:r="http://schemas.openxmlformats.org/officeDocument/2006/relationships" xmlns:p="http://schemas.openxmlformats.org/presentationml/2006/main" showMasterSp="0" showMasterPhAnim="0">
+  <p:cSld>
+    <p:spTree>
+      <p:nvGrpSpPr>
+        <p:cNvPr id="1" name="Shape 381"/>
+        <p:cNvGrpSpPr/>
+        <p:nvPr/>
+      </p:nvGrpSpPr>
+      <p:grpSpPr>
+        <a:xfrm>
+          <a:off x="0" y="0"/>
+          <a:ext cx="0" cy="0"/>
+          <a:chOff x="0" y="0"/>
+          <a:chExt cx="0" cy="0"/>
+        </a:xfrm>
+      </p:grpSpPr>
+      <p:sp>
+        <p:nvSpPr>
+          <p:cNvPr id="382" name="Google Shape;382;p21:notes"/>
+          <p:cNvSpPr txBox="1">
+            <a:spLocks noGrp="1"/>
+          </p:cNvSpPr>
+          <p:nvPr>
+            <p:ph type="body" idx="1"/>
+          </p:nvPr>
+        </p:nvSpPr>
+        <p:spPr>
+          <a:xfrm>
+            <a:off x="777240" y="4777560"/>
+            <a:ext cx="6217560" cy="4525920"/>
+          </a:xfrm>
+          <a:prstGeom prst="rect">
+            <a:avLst/>
+          </a:prstGeom>
+        </p:spPr>
+        <p:txBody>
+          <a:bodyPr spcFirstLastPara="1" wrap="square" lIns="0" tIns="0" rIns="0" bIns="0" anchor="t" anchorCtr="0">
+            <a:noAutofit/>
+          </a:bodyPr>
+          <a:lstStyle/>
+          <a:p>
+            <a:pPr marL="0" lvl="0" indent="0" algn="l" rtl="0">
+              <a:spcBef>
+                <a:spcPts val="0"/>
+              </a:spcBef>
+              <a:spcAft>
+                <a:spcPts val="0"/>
+              </a:spcAft>
+              <a:buNone/>
+            </a:pPr>
+            <a:endParaRPr/>
+          </a:p>
+        </p:txBody>
+      </p:sp>
+      <p:sp>
+        <p:nvSpPr>
+          <p:cNvPr id="383" name="Google Shape;383;p21:notes"/>
+          <p:cNvSpPr>
+            <a:spLocks noGrp="1" noRot="1" noChangeAspect="1"/>
+          </p:cNvSpPr>
+          <p:nvPr>
+            <p:ph type="sldImg" idx="2"/>
+          </p:nvPr>
+        </p:nvSpPr>
+        <p:spPr>
+          <a:xfrm>
+            <a:off x="533400" y="763588"/>
+            <a:ext cx="6704013" cy="3771900"/>
+          </a:xfrm>
+          <a:custGeom>
+            <a:avLst/>
+            <a:gdLst/>
+            <a:ahLst/>
+            <a:cxnLst/>
+            <a:rect l="l" t="t" r="r" b="b"/>
+            <a:pathLst>
+              <a:path w="120000" h="120000" extrusionOk="0">
+                <a:moveTo>
+                  <a:pt x="0" y="0"/>
+                </a:moveTo>
+                <a:lnTo>
+                  <a:pt x="120000" y="0"/>
+                </a:lnTo>
+                <a:lnTo>
+                  <a:pt x="120000" y="120000"/>
+                </a:lnTo>
+                <a:lnTo>
+                  <a:pt x="0" y="120000"/>
+                </a:lnTo>
+                <a:close/>
+              </a:path>
+            </a:pathLst>
+          </a:custGeom>
+        </p:spPr>
+      </p:sp>
+    </p:spTree>
+  </p:cSld>
+  <p:clrMapOvr>
+    <a:masterClrMapping/>
+  </p:clrMapOvr>
+</p:notes>
+</file>
+
+<file path=ppt/notesSlides/notesSlide16.xml><?xml version="1.0" encoding="utf-8"?>
+<p:notes xmlns:a="http://schemas.openxmlformats.org/drawingml/2006/main" xmlns:r="http://schemas.openxmlformats.org/officeDocument/2006/relationships" xmlns:p="http://schemas.openxmlformats.org/presentationml/2006/main" showMasterSp="0" showMasterPhAnim="0">
+  <p:cSld>
+    <p:spTree>
+      <p:nvGrpSpPr>
+        <p:cNvPr id="1" name="Shape 390"/>
+        <p:cNvGrpSpPr/>
+        <p:nvPr/>
+      </p:nvGrpSpPr>
+      <p:grpSpPr>
+        <a:xfrm>
+          <a:off x="0" y="0"/>
+          <a:ext cx="0" cy="0"/>
+          <a:chOff x="0" y="0"/>
+          <a:chExt cx="0" cy="0"/>
+        </a:xfrm>
+      </p:grpSpPr>
+      <p:sp>
+        <p:nvSpPr>
+          <p:cNvPr id="391" name="Google Shape;391;p22:notes"/>
+          <p:cNvSpPr txBox="1">
+            <a:spLocks noGrp="1"/>
+          </p:cNvSpPr>
+          <p:nvPr>
+            <p:ph type="body" idx="1"/>
+          </p:nvPr>
+        </p:nvSpPr>
+        <p:spPr>
+          <a:xfrm>
+            <a:off x="777240" y="4777560"/>
+            <a:ext cx="6217560" cy="4525920"/>
+          </a:xfrm>
+          <a:prstGeom prst="rect">
+            <a:avLst/>
+          </a:prstGeom>
+        </p:spPr>
+        <p:txBody>
+          <a:bodyPr spcFirstLastPara="1" wrap="square" lIns="0" tIns="0" rIns="0" bIns="0" anchor="t" anchorCtr="0">
+            <a:noAutofit/>
+          </a:bodyPr>
+          <a:lstStyle/>
+          <a:p>
+            <a:pPr marL="0" lvl="0" indent="0" algn="l" rtl="0">
+              <a:spcBef>
+                <a:spcPts val="0"/>
+              </a:spcBef>
+              <a:spcAft>
+                <a:spcPts val="0"/>
+              </a:spcAft>
+              <a:buNone/>
+            </a:pPr>
+            <a:endParaRPr/>
+          </a:p>
+        </p:txBody>
+      </p:sp>
+      <p:sp>
+        <p:nvSpPr>
+          <p:cNvPr id="392" name="Google Shape;392;p22:notes"/>
+          <p:cNvSpPr>
+            <a:spLocks noGrp="1" noRot="1" noChangeAspect="1"/>
+          </p:cNvSpPr>
+          <p:nvPr>
+            <p:ph type="sldImg" idx="2"/>
+          </p:nvPr>
+        </p:nvSpPr>
+        <p:spPr>
+          <a:xfrm>
+            <a:off x="533520" y="764280"/>
+            <a:ext cx="6704640" cy="3771360"/>
+          </a:xfrm>
+          <a:custGeom>
+            <a:avLst/>
+            <a:gdLst/>
+            <a:ahLst/>
+            <a:cxnLst/>
+            <a:rect l="l" t="t" r="r" b="b"/>
+            <a:pathLst>
+              <a:path w="120000" h="120000" extrusionOk="0">
+                <a:moveTo>
+                  <a:pt x="0" y="0"/>
+                </a:moveTo>
+                <a:lnTo>
+                  <a:pt x="120000" y="0"/>
+                </a:lnTo>
+                <a:lnTo>
+                  <a:pt x="120000" y="120000"/>
+                </a:lnTo>
+                <a:lnTo>
+                  <a:pt x="0" y="120000"/>
+                </a:lnTo>
+                <a:close/>
+              </a:path>
+            </a:pathLst>
+          </a:custGeom>
+        </p:spPr>
+      </p:sp>
+    </p:spTree>
+  </p:cSld>
+  <p:clrMapOvr>
+    <a:masterClrMapping/>
+  </p:clrMapOvr>
+</p:notes>
+</file>
+
+<file path=ppt/notesSlides/notesSlide17.xml><?xml version="1.0" encoding="utf-8"?>
+<p:notes xmlns:a="http://schemas.openxmlformats.org/drawingml/2006/main" xmlns:r="http://schemas.openxmlformats.org/officeDocument/2006/relationships" xmlns:p="http://schemas.openxmlformats.org/presentationml/2006/main" showMasterSp="0" showMasterPhAnim="0">
+  <p:cSld>
+    <p:spTree>
+      <p:nvGrpSpPr>
+        <p:cNvPr id="1" name="Shape 399"/>
+        <p:cNvGrpSpPr/>
+        <p:nvPr/>
+      </p:nvGrpSpPr>
+      <p:grpSpPr>
+        <a:xfrm>
+          <a:off x="0" y="0"/>
+          <a:ext cx="0" cy="0"/>
+          <a:chOff x="0" y="0"/>
+          <a:chExt cx="0" cy="0"/>
+        </a:xfrm>
+      </p:grpSpPr>
+      <p:sp>
+        <p:nvSpPr>
+          <p:cNvPr id="400" name="Google Shape;400;p23:notes"/>
+          <p:cNvSpPr txBox="1">
+            <a:spLocks noGrp="1"/>
+          </p:cNvSpPr>
+          <p:nvPr>
+            <p:ph type="body" idx="1"/>
+          </p:nvPr>
+        </p:nvSpPr>
+        <p:spPr>
+          <a:xfrm>
+            <a:off x="777240" y="4777560"/>
+            <a:ext cx="6217560" cy="4525920"/>
+          </a:xfrm>
+          <a:prstGeom prst="rect">
+            <a:avLst/>
+          </a:prstGeom>
+        </p:spPr>
+        <p:txBody>
+          <a:bodyPr spcFirstLastPara="1" wrap="square" lIns="0" tIns="0" rIns="0" bIns="0" anchor="t" anchorCtr="0">
+            <a:noAutofit/>
+          </a:bodyPr>
+          <a:lstStyle/>
+          <a:p>
+            <a:pPr marL="0" lvl="0" indent="0" algn="l" rtl="0">
+              <a:spcBef>
+                <a:spcPts val="0"/>
+              </a:spcBef>
+              <a:spcAft>
+                <a:spcPts val="0"/>
+              </a:spcAft>
+              <a:buNone/>
+            </a:pPr>
+            <a:endParaRPr/>
+          </a:p>
+        </p:txBody>
+      </p:sp>
+      <p:sp>
+        <p:nvSpPr>
+          <p:cNvPr id="401" name="Google Shape;401;p23:notes"/>
+          <p:cNvSpPr>
+            <a:spLocks noGrp="1" noRot="1" noChangeAspect="1"/>
+          </p:cNvSpPr>
+          <p:nvPr>
+            <p:ph type="sldImg" idx="2"/>
+          </p:nvPr>
+        </p:nvSpPr>
+        <p:spPr>
+          <a:xfrm>
+            <a:off x="533520" y="764280"/>
+            <a:ext cx="6704640" cy="3771360"/>
+          </a:xfrm>
+          <a:custGeom>
+            <a:avLst/>
+            <a:gdLst/>
+            <a:ahLst/>
+            <a:cxnLst/>
+            <a:rect l="l" t="t" r="r" b="b"/>
+            <a:pathLst>
+              <a:path w="120000" h="120000" extrusionOk="0">
+                <a:moveTo>
+                  <a:pt x="0" y="0"/>
+                </a:moveTo>
+                <a:lnTo>
+                  <a:pt x="120000" y="0"/>
+                </a:lnTo>
+                <a:lnTo>
+                  <a:pt x="120000" y="120000"/>
+                </a:lnTo>
+                <a:lnTo>
+                  <a:pt x="0" y="120000"/>
+                </a:lnTo>
+                <a:close/>
+              </a:path>
+            </a:pathLst>
+          </a:custGeom>
+        </p:spPr>
       </p:sp>
     </p:spTree>
   </p:cSld>
@@ -2865,7 +2801,7 @@
   <p:cSld>
     <p:spTree>
       <p:nvGrpSpPr>
-        <p:cNvPr id="1" name="Shape 348"/>
+        <p:cNvPr id="1" name="Shape 409"/>
         <p:cNvGrpSpPr/>
         <p:nvPr/>
       </p:nvGrpSpPr>
@@ -2879,7 +2815,111 @@
       </p:grpSpPr>
       <p:sp>
         <p:nvSpPr>
-          <p:cNvPr id="349" name="Google Shape;349;p18:notes"/>
+          <p:cNvPr id="410" name="Google Shape;410;p24:notes"/>
+          <p:cNvSpPr txBox="1">
+            <a:spLocks noGrp="1"/>
+          </p:cNvSpPr>
+          <p:nvPr>
+            <p:ph type="body" idx="1"/>
+          </p:nvPr>
+        </p:nvSpPr>
+        <p:spPr>
+          <a:xfrm>
+            <a:off x="777240" y="4777560"/>
+            <a:ext cx="6217560" cy="4525920"/>
+          </a:xfrm>
+          <a:prstGeom prst="rect">
+            <a:avLst/>
+          </a:prstGeom>
+        </p:spPr>
+        <p:txBody>
+          <a:bodyPr spcFirstLastPara="1" wrap="square" lIns="0" tIns="0" rIns="0" bIns="0" anchor="t" anchorCtr="0">
+            <a:noAutofit/>
+          </a:bodyPr>
+          <a:lstStyle/>
+          <a:p>
+            <a:pPr marL="0" lvl="0" indent="0" algn="l" rtl="0">
+              <a:spcBef>
+                <a:spcPts val="0"/>
+              </a:spcBef>
+              <a:spcAft>
+                <a:spcPts val="0"/>
+              </a:spcAft>
+              <a:buNone/>
+            </a:pPr>
+            <a:endParaRPr/>
+          </a:p>
+        </p:txBody>
+      </p:sp>
+      <p:sp>
+        <p:nvSpPr>
+          <p:cNvPr id="411" name="Google Shape;411;p24:notes"/>
+          <p:cNvSpPr>
+            <a:spLocks noGrp="1" noRot="1" noChangeAspect="1"/>
+          </p:cNvSpPr>
+          <p:nvPr>
+            <p:ph type="sldImg" idx="2"/>
+          </p:nvPr>
+        </p:nvSpPr>
+        <p:spPr>
+          <a:xfrm>
+            <a:off x="533520" y="764280"/>
+            <a:ext cx="6704640" cy="3771360"/>
+          </a:xfrm>
+          <a:custGeom>
+            <a:avLst/>
+            <a:gdLst/>
+            <a:ahLst/>
+            <a:cxnLst/>
+            <a:rect l="l" t="t" r="r" b="b"/>
+            <a:pathLst>
+              <a:path w="120000" h="120000" extrusionOk="0">
+                <a:moveTo>
+                  <a:pt x="0" y="0"/>
+                </a:moveTo>
+                <a:lnTo>
+                  <a:pt x="120000" y="0"/>
+                </a:lnTo>
+                <a:lnTo>
+                  <a:pt x="120000" y="120000"/>
+                </a:lnTo>
+                <a:lnTo>
+                  <a:pt x="0" y="120000"/>
+                </a:lnTo>
+                <a:close/>
+              </a:path>
+            </a:pathLst>
+          </a:custGeom>
+        </p:spPr>
+      </p:sp>
+    </p:spTree>
+  </p:cSld>
+  <p:clrMapOvr>
+    <a:masterClrMapping/>
+  </p:clrMapOvr>
+</p:notes>
+</file>
+
+<file path=ppt/notesSlides/notesSlide19.xml><?xml version="1.0" encoding="utf-8"?>
+<p:notes xmlns:a="http://schemas.openxmlformats.org/drawingml/2006/main" xmlns:r="http://schemas.openxmlformats.org/officeDocument/2006/relationships" xmlns:p="http://schemas.openxmlformats.org/presentationml/2006/main" showMasterSp="0" showMasterPhAnim="0">
+  <p:cSld>
+    <p:spTree>
+      <p:nvGrpSpPr>
+        <p:cNvPr id="1" name="Shape 417"/>
+        <p:cNvGrpSpPr/>
+        <p:nvPr/>
+      </p:nvGrpSpPr>
+      <p:grpSpPr>
+        <a:xfrm>
+          <a:off x="0" y="0"/>
+          <a:ext cx="0" cy="0"/>
+          <a:chOff x="0" y="0"/>
+          <a:chExt cx="0" cy="0"/>
+        </a:xfrm>
+      </p:grpSpPr>
+      <p:sp>
+        <p:nvSpPr>
+          <p:cNvPr id="418" name="Google Shape;418;p25:notes"/>
           <p:cNvSpPr>
             <a:spLocks noGrp="1" noRot="1" noChangeAspect="1"/>
           </p:cNvSpPr>
@@ -2924,7 +2964,7 @@
       </p:sp>
       <p:sp>
         <p:nvSpPr>
-          <p:cNvPr id="350" name="Google Shape;350;p18:notes"/>
+          <p:cNvPr id="419" name="Google Shape;419;p25:notes"/>
           <p:cNvSpPr txBox="1">
             <a:spLocks noGrp="1"/>
           </p:cNvSpPr>
@@ -2960,171 +3000,17 @@
               </a:spcAft>
               <a:buNone/>
             </a:pPr>
+            <a:r>
+              <a:rPr lang="en-US"/>
+              <a:t>Show the student how to use google citation</a:t>
+            </a:r>
             <a:endParaRPr/>
           </a:p>
         </p:txBody>
       </p:sp>
       <p:sp>
         <p:nvSpPr>
-          <p:cNvPr id="351" name="Google Shape;351;p18:notes"/>
-          <p:cNvSpPr txBox="1">
-            <a:spLocks noGrp="1"/>
-          </p:cNvSpPr>
-          <p:nvPr>
-            <p:ph type="sldNum" idx="12"/>
-          </p:nvPr>
-        </p:nvSpPr>
-        <p:spPr>
-          <a:xfrm>
-            <a:off x="4399200" y="9555480"/>
-            <a:ext cx="3372840" cy="502560"/>
-          </a:xfrm>
-          <a:prstGeom prst="rect">
-            <a:avLst/>
-          </a:prstGeom>
-          <a:noFill/>
-          <a:ln>
-            <a:noFill/>
-          </a:ln>
-        </p:spPr>
-        <p:txBody>
-          <a:bodyPr spcFirstLastPara="1" wrap="square" lIns="0" tIns="0" rIns="0" bIns="0" anchor="b" anchorCtr="0">
-            <a:noAutofit/>
-          </a:bodyPr>
-          <a:lstStyle/>
-          <a:p>
-            <a:pPr marL="0" lvl="0" indent="0" algn="l" rtl="0">
-              <a:spcBef>
-                <a:spcPts val="0"/>
-              </a:spcBef>
-              <a:spcAft>
-                <a:spcPts val="0"/>
-              </a:spcAft>
-              <a:buNone/>
-            </a:pPr>
-            <a:fld id="{00000000-1234-1234-1234-123412341234}" type="slidenum">
-              <a:rPr lang="en-US"/>
-              <a:t>20</a:t>
-            </a:fld>
-            <a:endParaRPr/>
-          </a:p>
-        </p:txBody>
-      </p:sp>
-    </p:spTree>
-  </p:cSld>
-  <p:clrMapOvr>
-    <a:masterClrMapping/>
-  </p:clrMapOvr>
-</p:notes>
-</file>
-
-<file path=ppt/notesSlides/notesSlide19.xml><?xml version="1.0" encoding="utf-8"?>
-<p:notes xmlns:a="http://schemas.openxmlformats.org/drawingml/2006/main" xmlns:r="http://schemas.openxmlformats.org/officeDocument/2006/relationships" xmlns:p="http://schemas.openxmlformats.org/presentationml/2006/main" showMasterSp="0" showMasterPhAnim="0">
-  <p:cSld>
-    <p:spTree>
-      <p:nvGrpSpPr>
-        <p:cNvPr id="1" name="Shape 359"/>
-        <p:cNvGrpSpPr/>
-        <p:nvPr/>
-      </p:nvGrpSpPr>
-      <p:grpSpPr>
-        <a:xfrm>
-          <a:off x="0" y="0"/>
-          <a:ext cx="0" cy="0"/>
-          <a:chOff x="0" y="0"/>
-          <a:chExt cx="0" cy="0"/>
-        </a:xfrm>
-      </p:grpSpPr>
-      <p:sp>
-        <p:nvSpPr>
-          <p:cNvPr id="360" name="Google Shape;360;p19:notes"/>
-          <p:cNvSpPr>
-            <a:spLocks noGrp="1" noRot="1" noChangeAspect="1"/>
-          </p:cNvSpPr>
-          <p:nvPr>
-            <p:ph type="sldImg" idx="2"/>
-          </p:nvPr>
-        </p:nvSpPr>
-        <p:spPr>
-          <a:xfrm>
-            <a:off x="533400" y="763588"/>
-            <a:ext cx="6704013" cy="3771900"/>
-          </a:xfrm>
-          <a:custGeom>
-            <a:avLst/>
-            <a:gdLst/>
-            <a:ahLst/>
-            <a:cxnLst/>
-            <a:rect l="l" t="t" r="r" b="b"/>
-            <a:pathLst>
-              <a:path w="120000" h="120000" extrusionOk="0">
-                <a:moveTo>
-                  <a:pt x="0" y="0"/>
-                </a:moveTo>
-                <a:lnTo>
-                  <a:pt x="120000" y="0"/>
-                </a:lnTo>
-                <a:lnTo>
-                  <a:pt x="120000" y="120000"/>
-                </a:lnTo>
-                <a:lnTo>
-                  <a:pt x="0" y="120000"/>
-                </a:lnTo>
-                <a:close/>
-              </a:path>
-            </a:pathLst>
-          </a:custGeom>
-          <a:noFill/>
-          <a:ln>
-            <a:noFill/>
-          </a:ln>
-        </p:spPr>
-      </p:sp>
-      <p:sp>
-        <p:nvSpPr>
-          <p:cNvPr id="361" name="Google Shape;361;p19:notes"/>
-          <p:cNvSpPr txBox="1">
-            <a:spLocks noGrp="1"/>
-          </p:cNvSpPr>
-          <p:nvPr>
-            <p:ph type="body" idx="1"/>
-          </p:nvPr>
-        </p:nvSpPr>
-        <p:spPr>
-          <a:xfrm>
-            <a:off x="777240" y="4777560"/>
-            <a:ext cx="6217560" cy="4525920"/>
-          </a:xfrm>
-          <a:prstGeom prst="rect">
-            <a:avLst/>
-          </a:prstGeom>
-          <a:noFill/>
-          <a:ln>
-            <a:noFill/>
-          </a:ln>
-        </p:spPr>
-        <p:txBody>
-          <a:bodyPr spcFirstLastPara="1" wrap="square" lIns="0" tIns="0" rIns="0" bIns="0" anchor="t" anchorCtr="0">
-            <a:noAutofit/>
-          </a:bodyPr>
-          <a:lstStyle/>
-          <a:p>
-            <a:pPr marL="0" lvl="0" indent="0" algn="l" rtl="0">
-              <a:spcBef>
-                <a:spcPts val="0"/>
-              </a:spcBef>
-              <a:spcAft>
-                <a:spcPts val="0"/>
-              </a:spcAft>
-              <a:buNone/>
-            </a:pPr>
-            <a:endParaRPr/>
-          </a:p>
-        </p:txBody>
-      </p:sp>
-      <p:sp>
-        <p:nvSpPr>
-          <p:cNvPr id="362" name="Google Shape;362;p19:notes"/>
+          <p:cNvPr id="420" name="Google Shape;420;p25:notes"/>
           <p:cNvSpPr txBox="1">
             <a:spLocks noGrp="1"/>
           </p:cNvSpPr>
@@ -3359,688 +3245,6 @@
   <p:cSld>
     <p:spTree>
       <p:nvGrpSpPr>
-        <p:cNvPr id="1" name="Shape 371"/>
-        <p:cNvGrpSpPr/>
-        <p:nvPr/>
-      </p:nvGrpSpPr>
-      <p:grpSpPr>
-        <a:xfrm>
-          <a:off x="0" y="0"/>
-          <a:ext cx="0" cy="0"/>
-          <a:chOff x="0" y="0"/>
-          <a:chExt cx="0" cy="0"/>
-        </a:xfrm>
-      </p:grpSpPr>
-      <p:sp>
-        <p:nvSpPr>
-          <p:cNvPr id="372" name="Google Shape;372;p20:notes"/>
-          <p:cNvSpPr txBox="1">
-            <a:spLocks noGrp="1"/>
-          </p:cNvSpPr>
-          <p:nvPr>
-            <p:ph type="body" idx="1"/>
-          </p:nvPr>
-        </p:nvSpPr>
-        <p:spPr>
-          <a:xfrm>
-            <a:off x="777240" y="4777560"/>
-            <a:ext cx="6217560" cy="4525920"/>
-          </a:xfrm>
-          <a:prstGeom prst="rect">
-            <a:avLst/>
-          </a:prstGeom>
-        </p:spPr>
-        <p:txBody>
-          <a:bodyPr spcFirstLastPara="1" wrap="square" lIns="0" tIns="0" rIns="0" bIns="0" anchor="t" anchorCtr="0">
-            <a:noAutofit/>
-          </a:bodyPr>
-          <a:lstStyle/>
-          <a:p>
-            <a:pPr marL="0" lvl="0" indent="0" algn="l" rtl="0">
-              <a:spcBef>
-                <a:spcPts val="0"/>
-              </a:spcBef>
-              <a:spcAft>
-                <a:spcPts val="0"/>
-              </a:spcAft>
-              <a:buNone/>
-            </a:pPr>
-            <a:endParaRPr/>
-          </a:p>
-        </p:txBody>
-      </p:sp>
-      <p:sp>
-        <p:nvSpPr>
-          <p:cNvPr id="373" name="Google Shape;373;p20:notes"/>
-          <p:cNvSpPr>
-            <a:spLocks noGrp="1" noRot="1" noChangeAspect="1"/>
-          </p:cNvSpPr>
-          <p:nvPr>
-            <p:ph type="sldImg" idx="2"/>
-          </p:nvPr>
-        </p:nvSpPr>
-        <p:spPr>
-          <a:xfrm>
-            <a:off x="533400" y="763588"/>
-            <a:ext cx="6704013" cy="3771900"/>
-          </a:xfrm>
-          <a:custGeom>
-            <a:avLst/>
-            <a:gdLst/>
-            <a:ahLst/>
-            <a:cxnLst/>
-            <a:rect l="l" t="t" r="r" b="b"/>
-            <a:pathLst>
-              <a:path w="120000" h="120000" extrusionOk="0">
-                <a:moveTo>
-                  <a:pt x="0" y="0"/>
-                </a:moveTo>
-                <a:lnTo>
-                  <a:pt x="120000" y="0"/>
-                </a:lnTo>
-                <a:lnTo>
-                  <a:pt x="120000" y="120000"/>
-                </a:lnTo>
-                <a:lnTo>
-                  <a:pt x="0" y="120000"/>
-                </a:lnTo>
-                <a:close/>
-              </a:path>
-            </a:pathLst>
-          </a:custGeom>
-        </p:spPr>
-      </p:sp>
-    </p:spTree>
-  </p:cSld>
-  <p:clrMapOvr>
-    <a:masterClrMapping/>
-  </p:clrMapOvr>
-</p:notes>
-</file>
-
-<file path=ppt/notesSlides/notesSlide21.xml><?xml version="1.0" encoding="utf-8"?>
-<p:notes xmlns:a="http://schemas.openxmlformats.org/drawingml/2006/main" xmlns:r="http://schemas.openxmlformats.org/officeDocument/2006/relationships" xmlns:p="http://schemas.openxmlformats.org/presentationml/2006/main" showMasterSp="0" showMasterPhAnim="0">
-  <p:cSld>
-    <p:spTree>
-      <p:nvGrpSpPr>
-        <p:cNvPr id="1" name="Shape 381"/>
-        <p:cNvGrpSpPr/>
-        <p:nvPr/>
-      </p:nvGrpSpPr>
-      <p:grpSpPr>
-        <a:xfrm>
-          <a:off x="0" y="0"/>
-          <a:ext cx="0" cy="0"/>
-          <a:chOff x="0" y="0"/>
-          <a:chExt cx="0" cy="0"/>
-        </a:xfrm>
-      </p:grpSpPr>
-      <p:sp>
-        <p:nvSpPr>
-          <p:cNvPr id="382" name="Google Shape;382;p21:notes"/>
-          <p:cNvSpPr txBox="1">
-            <a:spLocks noGrp="1"/>
-          </p:cNvSpPr>
-          <p:nvPr>
-            <p:ph type="body" idx="1"/>
-          </p:nvPr>
-        </p:nvSpPr>
-        <p:spPr>
-          <a:xfrm>
-            <a:off x="777240" y="4777560"/>
-            <a:ext cx="6217560" cy="4525920"/>
-          </a:xfrm>
-          <a:prstGeom prst="rect">
-            <a:avLst/>
-          </a:prstGeom>
-        </p:spPr>
-        <p:txBody>
-          <a:bodyPr spcFirstLastPara="1" wrap="square" lIns="0" tIns="0" rIns="0" bIns="0" anchor="t" anchorCtr="0">
-            <a:noAutofit/>
-          </a:bodyPr>
-          <a:lstStyle/>
-          <a:p>
-            <a:pPr marL="0" lvl="0" indent="0" algn="l" rtl="0">
-              <a:spcBef>
-                <a:spcPts val="0"/>
-              </a:spcBef>
-              <a:spcAft>
-                <a:spcPts val="0"/>
-              </a:spcAft>
-              <a:buNone/>
-            </a:pPr>
-            <a:endParaRPr/>
-          </a:p>
-        </p:txBody>
-      </p:sp>
-      <p:sp>
-        <p:nvSpPr>
-          <p:cNvPr id="383" name="Google Shape;383;p21:notes"/>
-          <p:cNvSpPr>
-            <a:spLocks noGrp="1" noRot="1" noChangeAspect="1"/>
-          </p:cNvSpPr>
-          <p:nvPr>
-            <p:ph type="sldImg" idx="2"/>
-          </p:nvPr>
-        </p:nvSpPr>
-        <p:spPr>
-          <a:xfrm>
-            <a:off x="533400" y="763588"/>
-            <a:ext cx="6704013" cy="3771900"/>
-          </a:xfrm>
-          <a:custGeom>
-            <a:avLst/>
-            <a:gdLst/>
-            <a:ahLst/>
-            <a:cxnLst/>
-            <a:rect l="l" t="t" r="r" b="b"/>
-            <a:pathLst>
-              <a:path w="120000" h="120000" extrusionOk="0">
-                <a:moveTo>
-                  <a:pt x="0" y="0"/>
-                </a:moveTo>
-                <a:lnTo>
-                  <a:pt x="120000" y="0"/>
-                </a:lnTo>
-                <a:lnTo>
-                  <a:pt x="120000" y="120000"/>
-                </a:lnTo>
-                <a:lnTo>
-                  <a:pt x="0" y="120000"/>
-                </a:lnTo>
-                <a:close/>
-              </a:path>
-            </a:pathLst>
-          </a:custGeom>
-        </p:spPr>
-      </p:sp>
-    </p:spTree>
-  </p:cSld>
-  <p:clrMapOvr>
-    <a:masterClrMapping/>
-  </p:clrMapOvr>
-</p:notes>
-</file>
-
-<file path=ppt/notesSlides/notesSlide22.xml><?xml version="1.0" encoding="utf-8"?>
-<p:notes xmlns:a="http://schemas.openxmlformats.org/drawingml/2006/main" xmlns:r="http://schemas.openxmlformats.org/officeDocument/2006/relationships" xmlns:p="http://schemas.openxmlformats.org/presentationml/2006/main" showMasterSp="0" showMasterPhAnim="0">
-  <p:cSld>
-    <p:spTree>
-      <p:nvGrpSpPr>
-        <p:cNvPr id="1" name="Shape 390"/>
-        <p:cNvGrpSpPr/>
-        <p:nvPr/>
-      </p:nvGrpSpPr>
-      <p:grpSpPr>
-        <a:xfrm>
-          <a:off x="0" y="0"/>
-          <a:ext cx="0" cy="0"/>
-          <a:chOff x="0" y="0"/>
-          <a:chExt cx="0" cy="0"/>
-        </a:xfrm>
-      </p:grpSpPr>
-      <p:sp>
-        <p:nvSpPr>
-          <p:cNvPr id="391" name="Google Shape;391;p22:notes"/>
-          <p:cNvSpPr txBox="1">
-            <a:spLocks noGrp="1"/>
-          </p:cNvSpPr>
-          <p:nvPr>
-            <p:ph type="body" idx="1"/>
-          </p:nvPr>
-        </p:nvSpPr>
-        <p:spPr>
-          <a:xfrm>
-            <a:off x="777240" y="4777560"/>
-            <a:ext cx="6217560" cy="4525920"/>
-          </a:xfrm>
-          <a:prstGeom prst="rect">
-            <a:avLst/>
-          </a:prstGeom>
-        </p:spPr>
-        <p:txBody>
-          <a:bodyPr spcFirstLastPara="1" wrap="square" lIns="0" tIns="0" rIns="0" bIns="0" anchor="t" anchorCtr="0">
-            <a:noAutofit/>
-          </a:bodyPr>
-          <a:lstStyle/>
-          <a:p>
-            <a:pPr marL="0" lvl="0" indent="0" algn="l" rtl="0">
-              <a:spcBef>
-                <a:spcPts val="0"/>
-              </a:spcBef>
-              <a:spcAft>
-                <a:spcPts val="0"/>
-              </a:spcAft>
-              <a:buNone/>
-            </a:pPr>
-            <a:endParaRPr/>
-          </a:p>
-        </p:txBody>
-      </p:sp>
-      <p:sp>
-        <p:nvSpPr>
-          <p:cNvPr id="392" name="Google Shape;392;p22:notes"/>
-          <p:cNvSpPr>
-            <a:spLocks noGrp="1" noRot="1" noChangeAspect="1"/>
-          </p:cNvSpPr>
-          <p:nvPr>
-            <p:ph type="sldImg" idx="2"/>
-          </p:nvPr>
-        </p:nvSpPr>
-        <p:spPr>
-          <a:xfrm>
-            <a:off x="533520" y="764280"/>
-            <a:ext cx="6704640" cy="3771360"/>
-          </a:xfrm>
-          <a:custGeom>
-            <a:avLst/>
-            <a:gdLst/>
-            <a:ahLst/>
-            <a:cxnLst/>
-            <a:rect l="l" t="t" r="r" b="b"/>
-            <a:pathLst>
-              <a:path w="120000" h="120000" extrusionOk="0">
-                <a:moveTo>
-                  <a:pt x="0" y="0"/>
-                </a:moveTo>
-                <a:lnTo>
-                  <a:pt x="120000" y="0"/>
-                </a:lnTo>
-                <a:lnTo>
-                  <a:pt x="120000" y="120000"/>
-                </a:lnTo>
-                <a:lnTo>
-                  <a:pt x="0" y="120000"/>
-                </a:lnTo>
-                <a:close/>
-              </a:path>
-            </a:pathLst>
-          </a:custGeom>
-        </p:spPr>
-      </p:sp>
-    </p:spTree>
-  </p:cSld>
-  <p:clrMapOvr>
-    <a:masterClrMapping/>
-  </p:clrMapOvr>
-</p:notes>
-</file>
-
-<file path=ppt/notesSlides/notesSlide23.xml><?xml version="1.0" encoding="utf-8"?>
-<p:notes xmlns:a="http://schemas.openxmlformats.org/drawingml/2006/main" xmlns:r="http://schemas.openxmlformats.org/officeDocument/2006/relationships" xmlns:p="http://schemas.openxmlformats.org/presentationml/2006/main" showMasterSp="0" showMasterPhAnim="0">
-  <p:cSld>
-    <p:spTree>
-      <p:nvGrpSpPr>
-        <p:cNvPr id="1" name="Shape 399"/>
-        <p:cNvGrpSpPr/>
-        <p:nvPr/>
-      </p:nvGrpSpPr>
-      <p:grpSpPr>
-        <a:xfrm>
-          <a:off x="0" y="0"/>
-          <a:ext cx="0" cy="0"/>
-          <a:chOff x="0" y="0"/>
-          <a:chExt cx="0" cy="0"/>
-        </a:xfrm>
-      </p:grpSpPr>
-      <p:sp>
-        <p:nvSpPr>
-          <p:cNvPr id="400" name="Google Shape;400;p23:notes"/>
-          <p:cNvSpPr txBox="1">
-            <a:spLocks noGrp="1"/>
-          </p:cNvSpPr>
-          <p:nvPr>
-            <p:ph type="body" idx="1"/>
-          </p:nvPr>
-        </p:nvSpPr>
-        <p:spPr>
-          <a:xfrm>
-            <a:off x="777240" y="4777560"/>
-            <a:ext cx="6217560" cy="4525920"/>
-          </a:xfrm>
-          <a:prstGeom prst="rect">
-            <a:avLst/>
-          </a:prstGeom>
-        </p:spPr>
-        <p:txBody>
-          <a:bodyPr spcFirstLastPara="1" wrap="square" lIns="0" tIns="0" rIns="0" bIns="0" anchor="t" anchorCtr="0">
-            <a:noAutofit/>
-          </a:bodyPr>
-          <a:lstStyle/>
-          <a:p>
-            <a:pPr marL="0" lvl="0" indent="0" algn="l" rtl="0">
-              <a:spcBef>
-                <a:spcPts val="0"/>
-              </a:spcBef>
-              <a:spcAft>
-                <a:spcPts val="0"/>
-              </a:spcAft>
-              <a:buNone/>
-            </a:pPr>
-            <a:endParaRPr/>
-          </a:p>
-        </p:txBody>
-      </p:sp>
-      <p:sp>
-        <p:nvSpPr>
-          <p:cNvPr id="401" name="Google Shape;401;p23:notes"/>
-          <p:cNvSpPr>
-            <a:spLocks noGrp="1" noRot="1" noChangeAspect="1"/>
-          </p:cNvSpPr>
-          <p:nvPr>
-            <p:ph type="sldImg" idx="2"/>
-          </p:nvPr>
-        </p:nvSpPr>
-        <p:spPr>
-          <a:xfrm>
-            <a:off x="533520" y="764280"/>
-            <a:ext cx="6704640" cy="3771360"/>
-          </a:xfrm>
-          <a:custGeom>
-            <a:avLst/>
-            <a:gdLst/>
-            <a:ahLst/>
-            <a:cxnLst/>
-            <a:rect l="l" t="t" r="r" b="b"/>
-            <a:pathLst>
-              <a:path w="120000" h="120000" extrusionOk="0">
-                <a:moveTo>
-                  <a:pt x="0" y="0"/>
-                </a:moveTo>
-                <a:lnTo>
-                  <a:pt x="120000" y="0"/>
-                </a:lnTo>
-                <a:lnTo>
-                  <a:pt x="120000" y="120000"/>
-                </a:lnTo>
-                <a:lnTo>
-                  <a:pt x="0" y="120000"/>
-                </a:lnTo>
-                <a:close/>
-              </a:path>
-            </a:pathLst>
-          </a:custGeom>
-        </p:spPr>
-      </p:sp>
-    </p:spTree>
-  </p:cSld>
-  <p:clrMapOvr>
-    <a:masterClrMapping/>
-  </p:clrMapOvr>
-</p:notes>
-</file>
-
-<file path=ppt/notesSlides/notesSlide24.xml><?xml version="1.0" encoding="utf-8"?>
-<p:notes xmlns:a="http://schemas.openxmlformats.org/drawingml/2006/main" xmlns:r="http://schemas.openxmlformats.org/officeDocument/2006/relationships" xmlns:p="http://schemas.openxmlformats.org/presentationml/2006/main" showMasterSp="0" showMasterPhAnim="0">
-  <p:cSld>
-    <p:spTree>
-      <p:nvGrpSpPr>
-        <p:cNvPr id="1" name="Shape 409"/>
-        <p:cNvGrpSpPr/>
-        <p:nvPr/>
-      </p:nvGrpSpPr>
-      <p:grpSpPr>
-        <a:xfrm>
-          <a:off x="0" y="0"/>
-          <a:ext cx="0" cy="0"/>
-          <a:chOff x="0" y="0"/>
-          <a:chExt cx="0" cy="0"/>
-        </a:xfrm>
-      </p:grpSpPr>
-      <p:sp>
-        <p:nvSpPr>
-          <p:cNvPr id="410" name="Google Shape;410;p24:notes"/>
-          <p:cNvSpPr txBox="1">
-            <a:spLocks noGrp="1"/>
-          </p:cNvSpPr>
-          <p:nvPr>
-            <p:ph type="body" idx="1"/>
-          </p:nvPr>
-        </p:nvSpPr>
-        <p:spPr>
-          <a:xfrm>
-            <a:off x="777240" y="4777560"/>
-            <a:ext cx="6217560" cy="4525920"/>
-          </a:xfrm>
-          <a:prstGeom prst="rect">
-            <a:avLst/>
-          </a:prstGeom>
-        </p:spPr>
-        <p:txBody>
-          <a:bodyPr spcFirstLastPara="1" wrap="square" lIns="0" tIns="0" rIns="0" bIns="0" anchor="t" anchorCtr="0">
-            <a:noAutofit/>
-          </a:bodyPr>
-          <a:lstStyle/>
-          <a:p>
-            <a:pPr marL="0" lvl="0" indent="0" algn="l" rtl="0">
-              <a:spcBef>
-                <a:spcPts val="0"/>
-              </a:spcBef>
-              <a:spcAft>
-                <a:spcPts val="0"/>
-              </a:spcAft>
-              <a:buNone/>
-            </a:pPr>
-            <a:endParaRPr/>
-          </a:p>
-        </p:txBody>
-      </p:sp>
-      <p:sp>
-        <p:nvSpPr>
-          <p:cNvPr id="411" name="Google Shape;411;p24:notes"/>
-          <p:cNvSpPr>
-            <a:spLocks noGrp="1" noRot="1" noChangeAspect="1"/>
-          </p:cNvSpPr>
-          <p:nvPr>
-            <p:ph type="sldImg" idx="2"/>
-          </p:nvPr>
-        </p:nvSpPr>
-        <p:spPr>
-          <a:xfrm>
-            <a:off x="533520" y="764280"/>
-            <a:ext cx="6704640" cy="3771360"/>
-          </a:xfrm>
-          <a:custGeom>
-            <a:avLst/>
-            <a:gdLst/>
-            <a:ahLst/>
-            <a:cxnLst/>
-            <a:rect l="l" t="t" r="r" b="b"/>
-            <a:pathLst>
-              <a:path w="120000" h="120000" extrusionOk="0">
-                <a:moveTo>
-                  <a:pt x="0" y="0"/>
-                </a:moveTo>
-                <a:lnTo>
-                  <a:pt x="120000" y="0"/>
-                </a:lnTo>
-                <a:lnTo>
-                  <a:pt x="120000" y="120000"/>
-                </a:lnTo>
-                <a:lnTo>
-                  <a:pt x="0" y="120000"/>
-                </a:lnTo>
-                <a:close/>
-              </a:path>
-            </a:pathLst>
-          </a:custGeom>
-        </p:spPr>
-      </p:sp>
-    </p:spTree>
-  </p:cSld>
-  <p:clrMapOvr>
-    <a:masterClrMapping/>
-  </p:clrMapOvr>
-</p:notes>
-</file>
-
-<file path=ppt/notesSlides/notesSlide25.xml><?xml version="1.0" encoding="utf-8"?>
-<p:notes xmlns:a="http://schemas.openxmlformats.org/drawingml/2006/main" xmlns:r="http://schemas.openxmlformats.org/officeDocument/2006/relationships" xmlns:p="http://schemas.openxmlformats.org/presentationml/2006/main" showMasterSp="0" showMasterPhAnim="0">
-  <p:cSld>
-    <p:spTree>
-      <p:nvGrpSpPr>
-        <p:cNvPr id="1" name="Shape 417"/>
-        <p:cNvGrpSpPr/>
-        <p:nvPr/>
-      </p:nvGrpSpPr>
-      <p:grpSpPr>
-        <a:xfrm>
-          <a:off x="0" y="0"/>
-          <a:ext cx="0" cy="0"/>
-          <a:chOff x="0" y="0"/>
-          <a:chExt cx="0" cy="0"/>
-        </a:xfrm>
-      </p:grpSpPr>
-      <p:sp>
-        <p:nvSpPr>
-          <p:cNvPr id="418" name="Google Shape;418;p25:notes"/>
-          <p:cNvSpPr>
-            <a:spLocks noGrp="1" noRot="1" noChangeAspect="1"/>
-          </p:cNvSpPr>
-          <p:nvPr>
-            <p:ph type="sldImg" idx="2"/>
-          </p:nvPr>
-        </p:nvSpPr>
-        <p:spPr>
-          <a:xfrm>
-            <a:off x="533400" y="763588"/>
-            <a:ext cx="6704013" cy="3771900"/>
-          </a:xfrm>
-          <a:custGeom>
-            <a:avLst/>
-            <a:gdLst/>
-            <a:ahLst/>
-            <a:cxnLst/>
-            <a:rect l="l" t="t" r="r" b="b"/>
-            <a:pathLst>
-              <a:path w="120000" h="120000" extrusionOk="0">
-                <a:moveTo>
-                  <a:pt x="0" y="0"/>
-                </a:moveTo>
-                <a:lnTo>
-                  <a:pt x="120000" y="0"/>
-                </a:lnTo>
-                <a:lnTo>
-                  <a:pt x="120000" y="120000"/>
-                </a:lnTo>
-                <a:lnTo>
-                  <a:pt x="0" y="120000"/>
-                </a:lnTo>
-                <a:close/>
-              </a:path>
-            </a:pathLst>
-          </a:custGeom>
-          <a:noFill/>
-          <a:ln>
-            <a:noFill/>
-          </a:ln>
-        </p:spPr>
-      </p:sp>
-      <p:sp>
-        <p:nvSpPr>
-          <p:cNvPr id="419" name="Google Shape;419;p25:notes"/>
-          <p:cNvSpPr txBox="1">
-            <a:spLocks noGrp="1"/>
-          </p:cNvSpPr>
-          <p:nvPr>
-            <p:ph type="body" idx="1"/>
-          </p:nvPr>
-        </p:nvSpPr>
-        <p:spPr>
-          <a:xfrm>
-            <a:off x="777240" y="4777560"/>
-            <a:ext cx="6217560" cy="4525920"/>
-          </a:xfrm>
-          <a:prstGeom prst="rect">
-            <a:avLst/>
-          </a:prstGeom>
-          <a:noFill/>
-          <a:ln>
-            <a:noFill/>
-          </a:ln>
-        </p:spPr>
-        <p:txBody>
-          <a:bodyPr spcFirstLastPara="1" wrap="square" lIns="0" tIns="0" rIns="0" bIns="0" anchor="t" anchorCtr="0">
-            <a:noAutofit/>
-          </a:bodyPr>
-          <a:lstStyle/>
-          <a:p>
-            <a:pPr marL="0" lvl="0" indent="0" algn="l" rtl="0">
-              <a:spcBef>
-                <a:spcPts val="0"/>
-              </a:spcBef>
-              <a:spcAft>
-                <a:spcPts val="0"/>
-              </a:spcAft>
-              <a:buNone/>
-            </a:pPr>
-            <a:r>
-              <a:rPr lang="en-US"/>
-              <a:t>Show the student how to use google citation</a:t>
-            </a:r>
-            <a:endParaRPr/>
-          </a:p>
-        </p:txBody>
-      </p:sp>
-      <p:sp>
-        <p:nvSpPr>
-          <p:cNvPr id="420" name="Google Shape;420;p25:notes"/>
-          <p:cNvSpPr txBox="1">
-            <a:spLocks noGrp="1"/>
-          </p:cNvSpPr>
-          <p:nvPr>
-            <p:ph type="sldNum" idx="12"/>
-          </p:nvPr>
-        </p:nvSpPr>
-        <p:spPr>
-          <a:xfrm>
-            <a:off x="4399200" y="9555480"/>
-            <a:ext cx="3372840" cy="502560"/>
-          </a:xfrm>
-          <a:prstGeom prst="rect">
-            <a:avLst/>
-          </a:prstGeom>
-          <a:noFill/>
-          <a:ln>
-            <a:noFill/>
-          </a:ln>
-        </p:spPr>
-        <p:txBody>
-          <a:bodyPr spcFirstLastPara="1" wrap="square" lIns="0" tIns="0" rIns="0" bIns="0" anchor="b" anchorCtr="0">
-            <a:noAutofit/>
-          </a:bodyPr>
-          <a:lstStyle/>
-          <a:p>
-            <a:pPr marL="0" lvl="0" indent="0" algn="l" rtl="0">
-              <a:spcBef>
-                <a:spcPts val="0"/>
-              </a:spcBef>
-              <a:spcAft>
-                <a:spcPts val="0"/>
-              </a:spcAft>
-              <a:buNone/>
-            </a:pPr>
-            <a:fld id="{00000000-1234-1234-1234-123412341234}" type="slidenum">
-              <a:rPr lang="en-US"/>
-              <a:t>27</a:t>
-            </a:fld>
-            <a:endParaRPr/>
-          </a:p>
-        </p:txBody>
-      </p:sp>
-    </p:spTree>
-  </p:cSld>
-  <p:clrMapOvr>
-    <a:masterClrMapping/>
-  </p:clrMapOvr>
-</p:notes>
-</file>
-
-<file path=ppt/notesSlides/notesSlide26.xml><?xml version="1.0" encoding="utf-8"?>
-<p:notes xmlns:a="http://schemas.openxmlformats.org/drawingml/2006/main" xmlns:r="http://schemas.openxmlformats.org/officeDocument/2006/relationships" xmlns:p="http://schemas.openxmlformats.org/presentationml/2006/main" showMasterSp="0" showMasterPhAnim="0">
-  <p:cSld>
-    <p:spTree>
-      <p:nvGrpSpPr>
         <p:cNvPr id="1" name="Shape 430"/>
         <p:cNvGrpSpPr/>
         <p:nvPr/>
@@ -4140,7 +3344,7 @@
 </p:notes>
 </file>
 
-<file path=ppt/notesSlides/notesSlide27.xml><?xml version="1.0" encoding="utf-8"?>
+<file path=ppt/notesSlides/notesSlide21.xml><?xml version="1.0" encoding="utf-8"?>
 <p:notes xmlns:a="http://schemas.openxmlformats.org/drawingml/2006/main" xmlns:r="http://schemas.openxmlformats.org/officeDocument/2006/relationships" xmlns:p="http://schemas.openxmlformats.org/presentationml/2006/main" showMasterSp="0" showMasterPhAnim="0">
   <p:cSld>
     <p:spTree>
@@ -4288,7 +3492,7 @@
             </a:pPr>
             <a:fld id="{00000000-1234-1234-1234-123412341234}" type="slidenum">
               <a:rPr lang="en-US"/>
-              <a:t>29</a:t>
+              <a:t>23</a:t>
             </a:fld>
             <a:endParaRPr/>
           </a:p>
@@ -4302,7 +3506,7 @@
 </p:notes>
 </file>
 
-<file path=ppt/notesSlides/notesSlide28.xml><?xml version="1.0" encoding="utf-8"?>
+<file path=ppt/notesSlides/notesSlide22.xml><?xml version="1.0" encoding="utf-8"?>
 <p:notes xmlns:a="http://schemas.openxmlformats.org/drawingml/2006/main" xmlns:r="http://schemas.openxmlformats.org/officeDocument/2006/relationships" xmlns:p="http://schemas.openxmlformats.org/presentationml/2006/main" showMasterSp="0" showMasterPhAnim="0">
   <p:cSld>
     <p:spTree>
@@ -5161,7 +4365,7 @@
   <p:cSld>
     <p:spTree>
       <p:nvGrpSpPr>
-        <p:cNvPr id="1" name="Shape 236"/>
+        <p:cNvPr id="1" name="Shape 247"/>
         <p:cNvGrpSpPr/>
         <p:nvPr/>
       </p:nvGrpSpPr>
@@ -5175,7 +4379,7 @@
       </p:grpSpPr>
       <p:sp>
         <p:nvSpPr>
-          <p:cNvPr id="237" name="Google Shape;237;p8:notes"/>
+          <p:cNvPr id="248" name="Google Shape;248;p9:notes"/>
           <p:cNvSpPr txBox="1">
             <a:spLocks noGrp="1"/>
           </p:cNvSpPr>
@@ -5213,7 +4417,7 @@
       </p:sp>
       <p:sp>
         <p:nvSpPr>
-          <p:cNvPr id="238" name="Google Shape;238;p8:notes"/>
+          <p:cNvPr id="249" name="Google Shape;249;p9:notes"/>
           <p:cNvSpPr>
             <a:spLocks noGrp="1" noRot="1" noChangeAspect="1"/>
           </p:cNvSpPr>
@@ -5265,7 +4469,7 @@
   <p:cSld>
     <p:spTree>
       <p:nvGrpSpPr>
-        <p:cNvPr id="1" name="Shape 247"/>
+        <p:cNvPr id="1" name="Shape 288"/>
         <p:cNvGrpSpPr/>
         <p:nvPr/>
       </p:nvGrpSpPr>
@@ -5279,45 +4483,7 @@
       </p:grpSpPr>
       <p:sp>
         <p:nvSpPr>
-          <p:cNvPr id="248" name="Google Shape;248;p9:notes"/>
-          <p:cNvSpPr txBox="1">
-            <a:spLocks noGrp="1"/>
-          </p:cNvSpPr>
-          <p:nvPr>
-            <p:ph type="body" idx="1"/>
-          </p:nvPr>
-        </p:nvSpPr>
-        <p:spPr>
-          <a:xfrm>
-            <a:off x="777240" y="4777560"/>
-            <a:ext cx="6217560" cy="4525920"/>
-          </a:xfrm>
-          <a:prstGeom prst="rect">
-            <a:avLst/>
-          </a:prstGeom>
-        </p:spPr>
-        <p:txBody>
-          <a:bodyPr spcFirstLastPara="1" wrap="square" lIns="0" tIns="0" rIns="0" bIns="0" anchor="t" anchorCtr="0">
-            <a:noAutofit/>
-          </a:bodyPr>
-          <a:lstStyle/>
-          <a:p>
-            <a:pPr marL="0" lvl="0" indent="0" algn="l" rtl="0">
-              <a:spcBef>
-                <a:spcPts val="0"/>
-              </a:spcBef>
-              <a:spcAft>
-                <a:spcPts val="0"/>
-              </a:spcAft>
-              <a:buNone/>
-            </a:pPr>
-            <a:endParaRPr/>
-          </a:p>
-        </p:txBody>
-      </p:sp>
-      <p:sp>
-        <p:nvSpPr>
-          <p:cNvPr id="249" name="Google Shape;249;p9:notes"/>
+          <p:cNvPr id="289" name="Google Shape;289;p13:notes"/>
           <p:cNvSpPr>
             <a:spLocks noGrp="1" noRot="1" noChangeAspect="1"/>
           </p:cNvSpPr>
@@ -5354,7 +4520,103 @@
               </a:path>
             </a:pathLst>
           </a:custGeom>
+          <a:noFill/>
+          <a:ln>
+            <a:noFill/>
+          </a:ln>
         </p:spPr>
+      </p:sp>
+      <p:sp>
+        <p:nvSpPr>
+          <p:cNvPr id="290" name="Google Shape;290;p13:notes"/>
+          <p:cNvSpPr txBox="1">
+            <a:spLocks noGrp="1"/>
+          </p:cNvSpPr>
+          <p:nvPr>
+            <p:ph type="body" idx="1"/>
+          </p:nvPr>
+        </p:nvSpPr>
+        <p:spPr>
+          <a:xfrm>
+            <a:off x="777240" y="4777560"/>
+            <a:ext cx="6217560" cy="4525920"/>
+          </a:xfrm>
+          <a:prstGeom prst="rect">
+            <a:avLst/>
+          </a:prstGeom>
+          <a:noFill/>
+          <a:ln>
+            <a:noFill/>
+          </a:ln>
+        </p:spPr>
+        <p:txBody>
+          <a:bodyPr spcFirstLastPara="1" wrap="square" lIns="0" tIns="0" rIns="0" bIns="0" anchor="t" anchorCtr="0">
+            <a:noAutofit/>
+          </a:bodyPr>
+          <a:lstStyle/>
+          <a:p>
+            <a:pPr marL="0" lvl="0" indent="0" algn="l" rtl="0">
+              <a:spcBef>
+                <a:spcPts val="0"/>
+              </a:spcBef>
+              <a:spcAft>
+                <a:spcPts val="0"/>
+              </a:spcAft>
+              <a:buNone/>
+            </a:pPr>
+            <a:r>
+              <a:rPr lang="en-US"/>
+              <a:t>Show the student how to use google citation</a:t>
+            </a:r>
+            <a:endParaRPr/>
+          </a:p>
+        </p:txBody>
+      </p:sp>
+      <p:sp>
+        <p:nvSpPr>
+          <p:cNvPr id="291" name="Google Shape;291;p13:notes"/>
+          <p:cNvSpPr txBox="1">
+            <a:spLocks noGrp="1"/>
+          </p:cNvSpPr>
+          <p:nvPr>
+            <p:ph type="sldNum" idx="12"/>
+          </p:nvPr>
+        </p:nvSpPr>
+        <p:spPr>
+          <a:xfrm>
+            <a:off x="4399200" y="9555480"/>
+            <a:ext cx="3372840" cy="502560"/>
+          </a:xfrm>
+          <a:prstGeom prst="rect">
+            <a:avLst/>
+          </a:prstGeom>
+          <a:noFill/>
+          <a:ln>
+            <a:noFill/>
+          </a:ln>
+        </p:spPr>
+        <p:txBody>
+          <a:bodyPr spcFirstLastPara="1" wrap="square" lIns="0" tIns="0" rIns="0" bIns="0" anchor="b" anchorCtr="0">
+            <a:noAutofit/>
+          </a:bodyPr>
+          <a:lstStyle/>
+          <a:p>
+            <a:pPr marL="0" lvl="0" indent="0" algn="l" rtl="0">
+              <a:spcBef>
+                <a:spcPts val="0"/>
+              </a:spcBef>
+              <a:spcAft>
+                <a:spcPts val="0"/>
+              </a:spcAft>
+              <a:buNone/>
+            </a:pPr>
+            <a:fld id="{00000000-1234-1234-1234-123412341234}" type="slidenum">
+              <a:rPr lang="en-US"/>
+              <a:t>11</a:t>
+            </a:fld>
+            <a:endParaRPr/>
+          </a:p>
+        </p:txBody>
       </p:sp>
     </p:spTree>
   </p:cSld>
@@ -25460,361 +24722,6 @@
   <p:cSld>
     <p:spTree>
       <p:nvGrpSpPr>
-        <p:cNvPr id="1" name="Shape 239"/>
-        <p:cNvGrpSpPr/>
-        <p:nvPr/>
-      </p:nvGrpSpPr>
-      <p:grpSpPr>
-        <a:xfrm>
-          <a:off x="0" y="0"/>
-          <a:ext cx="0" cy="0"/>
-          <a:chOff x="0" y="0"/>
-          <a:chExt cx="0" cy="0"/>
-        </a:xfrm>
-      </p:grpSpPr>
-      <p:sp>
-        <p:nvSpPr>
-          <p:cNvPr id="240" name="Google Shape;240;p8"/>
-          <p:cNvSpPr/>
-          <p:nvPr/>
-        </p:nvSpPr>
-        <p:spPr>
-          <a:xfrm>
-            <a:off x="0" y="6596640"/>
-            <a:ext cx="12191760" cy="261000"/>
-          </a:xfrm>
-          <a:prstGeom prst="rect">
-            <a:avLst/>
-          </a:prstGeom>
-          <a:gradFill>
-            <a:gsLst>
-              <a:gs pos="0">
-                <a:srgbClr val="FFAA49"/>
-              </a:gs>
-              <a:gs pos="21000">
-                <a:srgbClr val="FE9364"/>
-              </a:gs>
-              <a:gs pos="63000">
-                <a:srgbClr val="F9656A"/>
-              </a:gs>
-              <a:gs pos="100000">
-                <a:srgbClr val="F96566"/>
-              </a:gs>
-            </a:gsLst>
-            <a:lin ang="6600000" scaled="0"/>
-          </a:gradFill>
-          <a:ln>
-            <a:noFill/>
-          </a:ln>
-        </p:spPr>
-        <p:txBody>
-          <a:bodyPr spcFirstLastPara="1" wrap="square" lIns="91425" tIns="91425" rIns="91425" bIns="91425" anchor="ctr" anchorCtr="0">
-            <a:noAutofit/>
-          </a:bodyPr>
-          <a:lstStyle/>
-          <a:p>
-            <a:pPr marL="0" lvl="0" indent="0" algn="l" rtl="0">
-              <a:spcBef>
-                <a:spcPts val="0"/>
-              </a:spcBef>
-              <a:spcAft>
-                <a:spcPts val="0"/>
-              </a:spcAft>
-              <a:buNone/>
-            </a:pPr>
-            <a:endParaRPr/>
-          </a:p>
-        </p:txBody>
-      </p:sp>
-      <p:sp>
-        <p:nvSpPr>
-          <p:cNvPr id="243" name="Google Shape;243;p8"/>
-          <p:cNvSpPr/>
-          <p:nvPr/>
-        </p:nvSpPr>
-        <p:spPr>
-          <a:xfrm>
-            <a:off x="1517640" y="456120"/>
-            <a:ext cx="3995640" cy="945360"/>
-          </a:xfrm>
-          <a:prstGeom prst="rect">
-            <a:avLst/>
-          </a:prstGeom>
-          <a:noFill/>
-          <a:ln>
-            <a:noFill/>
-          </a:ln>
-        </p:spPr>
-        <p:txBody>
-          <a:bodyPr spcFirstLastPara="1" wrap="square" lIns="91425" tIns="45700" rIns="91425" bIns="45700" anchor="ctr" anchorCtr="0">
-            <a:normAutofit fontScale="92500"/>
-          </a:bodyPr>
-          <a:lstStyle/>
-          <a:p>
-            <a:pPr marL="0" marR="0" lvl="0" indent="0" algn="ctr" rtl="0">
-              <a:lnSpc>
-                <a:spcPct val="70000"/>
-              </a:lnSpc>
-              <a:spcBef>
-                <a:spcPts val="0"/>
-              </a:spcBef>
-              <a:spcAft>
-                <a:spcPts val="0"/>
-              </a:spcAft>
-              <a:buNone/>
-            </a:pPr>
-            <a:r>
-              <a:rPr lang="en-US" sz="3080" b="0" strike="noStrike">
-                <a:solidFill>
-                  <a:srgbClr val="808080"/>
-                </a:solidFill>
-                <a:latin typeface="Arial"/>
-                <a:ea typeface="Arial"/>
-                <a:cs typeface="Arial"/>
-                <a:sym typeface="Arial"/>
-              </a:rPr>
-              <a:t>What counts as</a:t>
-            </a:r>
-            <a:endParaRPr/>
-          </a:p>
-          <a:p>
-            <a:pPr marL="0" marR="0" lvl="0" indent="0" algn="ctr" rtl="0">
-              <a:lnSpc>
-                <a:spcPct val="70000"/>
-              </a:lnSpc>
-              <a:spcBef>
-                <a:spcPts val="1001"/>
-              </a:spcBef>
-              <a:spcAft>
-                <a:spcPts val="0"/>
-              </a:spcAft>
-              <a:buNone/>
-            </a:pPr>
-            <a:r>
-              <a:rPr lang="en-US" sz="3080" b="0" strike="noStrike">
-                <a:solidFill>
-                  <a:srgbClr val="808080"/>
-                </a:solidFill>
-                <a:latin typeface="Arial"/>
-                <a:ea typeface="Arial"/>
-                <a:cs typeface="Arial"/>
-                <a:sym typeface="Arial"/>
-              </a:rPr>
-              <a:t>sociological research?</a:t>
-            </a:r>
-            <a:endParaRPr sz="3080">
-              <a:solidFill>
-                <a:schemeClr val="dk1"/>
-              </a:solidFill>
-              <a:latin typeface="Arial"/>
-              <a:ea typeface="Arial"/>
-              <a:cs typeface="Arial"/>
-              <a:sym typeface="Arial"/>
-            </a:endParaRPr>
-          </a:p>
-        </p:txBody>
-      </p:sp>
-      <p:sp>
-        <p:nvSpPr>
-          <p:cNvPr id="244" name="Google Shape;244;p8"/>
-          <p:cNvSpPr/>
-          <p:nvPr/>
-        </p:nvSpPr>
-        <p:spPr>
-          <a:xfrm>
-            <a:off x="440280" y="456120"/>
-            <a:ext cx="1131120" cy="1130040"/>
-          </a:xfrm>
-          <a:prstGeom prst="ellipse">
-            <a:avLst/>
-          </a:prstGeom>
-          <a:gradFill>
-            <a:gsLst>
-              <a:gs pos="0">
-                <a:srgbClr val="FFAA49"/>
-              </a:gs>
-              <a:gs pos="21000">
-                <a:srgbClr val="FE9364"/>
-              </a:gs>
-              <a:gs pos="63000">
-                <a:srgbClr val="F9656A"/>
-              </a:gs>
-              <a:gs pos="100000">
-                <a:srgbClr val="F96566"/>
-              </a:gs>
-            </a:gsLst>
-            <a:lin ang="10800000" scaled="0"/>
-          </a:gradFill>
-          <a:ln>
-            <a:noFill/>
-          </a:ln>
-        </p:spPr>
-        <p:txBody>
-          <a:bodyPr spcFirstLastPara="1" wrap="square" lIns="90000" tIns="45000" rIns="90000" bIns="45000" anchor="ctr" anchorCtr="0">
-            <a:noAutofit/>
-          </a:bodyPr>
-          <a:lstStyle/>
-          <a:p>
-            <a:pPr marL="0" marR="0" lvl="0" indent="0" algn="ctr" rtl="0">
-              <a:lnSpc>
-                <a:spcPct val="100000"/>
-              </a:lnSpc>
-              <a:spcBef>
-                <a:spcPts val="0"/>
-              </a:spcBef>
-              <a:spcAft>
-                <a:spcPts val="0"/>
-              </a:spcAft>
-              <a:buNone/>
-            </a:pPr>
-            <a:r>
-              <a:rPr lang="en-US" sz="6000">
-                <a:solidFill>
-                  <a:srgbClr val="FFFFFF"/>
-                </a:solidFill>
-                <a:latin typeface="Arial"/>
-                <a:ea typeface="Arial"/>
-                <a:cs typeface="Arial"/>
-                <a:sym typeface="Arial"/>
-              </a:rPr>
-              <a:t>2</a:t>
-            </a:r>
-            <a:endParaRPr sz="6000" b="0" strike="noStrike">
-              <a:solidFill>
-                <a:schemeClr val="dk1"/>
-              </a:solidFill>
-              <a:latin typeface="Arial"/>
-              <a:ea typeface="Arial"/>
-              <a:cs typeface="Arial"/>
-              <a:sym typeface="Arial"/>
-            </a:endParaRPr>
-          </a:p>
-        </p:txBody>
-      </p:sp>
-      <p:pic>
-        <p:nvPicPr>
-          <p:cNvPr id="245" name="Google Shape;245;p8"/>
-          <p:cNvPicPr preferRelativeResize="0"/>
-          <p:nvPr/>
-        </p:nvPicPr>
-        <p:blipFill rotWithShape="1">
-          <a:blip r:embed="rId3">
-            <a:alphaModFix/>
-          </a:blip>
-          <a:srcRect/>
-          <a:stretch/>
-        </p:blipFill>
-        <p:spPr>
-          <a:xfrm>
-            <a:off x="479741" y="1906903"/>
-            <a:ext cx="9756710" cy="4024457"/>
-          </a:xfrm>
-          <a:prstGeom prst="rect">
-            <a:avLst/>
-          </a:prstGeom>
-          <a:noFill/>
-          <a:ln>
-            <a:noFill/>
-          </a:ln>
-        </p:spPr>
-      </p:pic>
-      <p:sp>
-        <p:nvSpPr>
-          <p:cNvPr id="246" name="Google Shape;246;p8"/>
-          <p:cNvSpPr txBox="1"/>
-          <p:nvPr/>
-        </p:nvSpPr>
-        <p:spPr>
-          <a:xfrm>
-            <a:off x="7183315" y="3640015"/>
-            <a:ext cx="4070839" cy="923330"/>
-          </a:xfrm>
-          <a:prstGeom prst="rect">
-            <a:avLst/>
-          </a:prstGeom>
-          <a:noFill/>
-          <a:ln>
-            <a:noFill/>
-          </a:ln>
-        </p:spPr>
-        <p:txBody>
-          <a:bodyPr spcFirstLastPara="1" wrap="square" lIns="91425" tIns="45700" rIns="91425" bIns="45700" anchor="t" anchorCtr="0">
-            <a:spAutoFit/>
-          </a:bodyPr>
-          <a:lstStyle/>
-          <a:p>
-            <a:pPr marL="342900" marR="0" lvl="0" indent="-342900" algn="l" rtl="0">
-              <a:spcBef>
-                <a:spcPts val="0"/>
-              </a:spcBef>
-              <a:spcAft>
-                <a:spcPts val="0"/>
-              </a:spcAft>
-              <a:buClr>
-                <a:schemeClr val="dk1"/>
-              </a:buClr>
-              <a:buSzPts val="1800"/>
-              <a:buFont typeface="Arial"/>
-              <a:buAutoNum type="arabicPeriod"/>
-            </a:pPr>
-            <a:r>
-              <a:rPr lang="en-US" sz="1800">
-                <a:solidFill>
-                  <a:schemeClr val="dk1"/>
-                </a:solidFill>
-                <a:latin typeface="Arial"/>
-                <a:ea typeface="Arial"/>
-                <a:cs typeface="Arial"/>
-                <a:sym typeface="Arial"/>
-              </a:rPr>
-              <a:t>Exploratory, descriptive, explanatory</a:t>
-            </a:r>
-            <a:endParaRPr/>
-          </a:p>
-          <a:p>
-            <a:pPr marL="342900" marR="0" lvl="0" indent="-342900" algn="l" rtl="0">
-              <a:spcBef>
-                <a:spcPts val="0"/>
-              </a:spcBef>
-              <a:spcAft>
-                <a:spcPts val="0"/>
-              </a:spcAft>
-              <a:buClr>
-                <a:schemeClr val="dk1"/>
-              </a:buClr>
-              <a:buSzPts val="1800"/>
-              <a:buFont typeface="Arial"/>
-              <a:buAutoNum type="arabicPeriod"/>
-            </a:pPr>
-            <a:r>
-              <a:rPr lang="en-US" sz="1800">
-                <a:solidFill>
-                  <a:schemeClr val="dk1"/>
-                </a:solidFill>
-                <a:latin typeface="Arial"/>
-                <a:ea typeface="Arial"/>
-                <a:cs typeface="Arial"/>
-                <a:sym typeface="Arial"/>
-              </a:rPr>
-              <a:t>Building theory from observations</a:t>
-            </a:r>
-            <a:endParaRPr/>
-          </a:p>
-        </p:txBody>
-      </p:sp>
-    </p:spTree>
-  </p:cSld>
-  <p:clrMapOvr>
-    <a:masterClrMapping/>
-  </p:clrMapOvr>
-</p:sld>
-</file>
-
-<file path=ppt/slides/slide11.xml><?xml version="1.0" encoding="utf-8"?>
-<p:sld xmlns:a="http://schemas.openxmlformats.org/drawingml/2006/main" xmlns:r="http://schemas.openxmlformats.org/officeDocument/2006/relationships" xmlns:p="http://schemas.openxmlformats.org/presentationml/2006/main">
-  <p:cSld>
-    <p:spTree>
-      <p:nvGrpSpPr>
         <p:cNvPr id="1" name="Shape 250"/>
         <p:cNvGrpSpPr/>
         <p:nvPr/>
@@ -26238,1662 +25145,7 @@
 </p:sld>
 </file>
 
-<file path=ppt/slides/slide12.xml><?xml version="1.0" encoding="utf-8"?>
-<p:sld xmlns:a="http://schemas.openxmlformats.org/drawingml/2006/main" xmlns:r="http://schemas.openxmlformats.org/officeDocument/2006/relationships" xmlns:p="http://schemas.openxmlformats.org/presentationml/2006/main">
-  <p:cSld>
-    <p:spTree>
-      <p:nvGrpSpPr>
-        <p:cNvPr id="1" name="Shape 260"/>
-        <p:cNvGrpSpPr/>
-        <p:nvPr/>
-      </p:nvGrpSpPr>
-      <p:grpSpPr>
-        <a:xfrm>
-          <a:off x="0" y="0"/>
-          <a:ext cx="0" cy="0"/>
-          <a:chOff x="0" y="0"/>
-          <a:chExt cx="0" cy="0"/>
-        </a:xfrm>
-      </p:grpSpPr>
-      <p:sp>
-        <p:nvSpPr>
-          <p:cNvPr id="261" name="Google Shape;261;p10"/>
-          <p:cNvSpPr/>
-          <p:nvPr/>
-        </p:nvSpPr>
-        <p:spPr>
-          <a:xfrm>
-            <a:off x="0" y="6596640"/>
-            <a:ext cx="12191760" cy="261000"/>
-          </a:xfrm>
-          <a:prstGeom prst="rect">
-            <a:avLst/>
-          </a:prstGeom>
-          <a:gradFill>
-            <a:gsLst>
-              <a:gs pos="0">
-                <a:srgbClr val="FFAA49"/>
-              </a:gs>
-              <a:gs pos="21000">
-                <a:srgbClr val="FE9364"/>
-              </a:gs>
-              <a:gs pos="63000">
-                <a:srgbClr val="F9656A"/>
-              </a:gs>
-              <a:gs pos="100000">
-                <a:srgbClr val="F96566"/>
-              </a:gs>
-            </a:gsLst>
-            <a:lin ang="6600000" scaled="0"/>
-          </a:gradFill>
-          <a:ln>
-            <a:noFill/>
-          </a:ln>
-        </p:spPr>
-        <p:txBody>
-          <a:bodyPr spcFirstLastPara="1" wrap="square" lIns="91425" tIns="91425" rIns="91425" bIns="91425" anchor="ctr" anchorCtr="0">
-            <a:noAutofit/>
-          </a:bodyPr>
-          <a:lstStyle/>
-          <a:p>
-            <a:pPr marL="0" lvl="0" indent="0" algn="l" rtl="0">
-              <a:spcBef>
-                <a:spcPts val="0"/>
-              </a:spcBef>
-              <a:spcAft>
-                <a:spcPts val="0"/>
-              </a:spcAft>
-              <a:buNone/>
-            </a:pPr>
-            <a:endParaRPr/>
-          </a:p>
-        </p:txBody>
-      </p:sp>
-      <p:sp>
-        <p:nvSpPr>
-          <p:cNvPr id="264" name="Google Shape;264;p10"/>
-          <p:cNvSpPr/>
-          <p:nvPr/>
-        </p:nvSpPr>
-        <p:spPr>
-          <a:xfrm>
-            <a:off x="440280" y="456120"/>
-            <a:ext cx="1131120" cy="1130040"/>
-          </a:xfrm>
-          <a:prstGeom prst="ellipse">
-            <a:avLst/>
-          </a:prstGeom>
-          <a:gradFill>
-            <a:gsLst>
-              <a:gs pos="0">
-                <a:srgbClr val="FFAA49"/>
-              </a:gs>
-              <a:gs pos="21000">
-                <a:srgbClr val="FE9364"/>
-              </a:gs>
-              <a:gs pos="63000">
-                <a:srgbClr val="F9656A"/>
-              </a:gs>
-              <a:gs pos="100000">
-                <a:srgbClr val="F96566"/>
-              </a:gs>
-            </a:gsLst>
-            <a:lin ang="10800000" scaled="0"/>
-          </a:gradFill>
-          <a:ln>
-            <a:noFill/>
-          </a:ln>
-        </p:spPr>
-        <p:txBody>
-          <a:bodyPr spcFirstLastPara="1" wrap="square" lIns="90000" tIns="45000" rIns="90000" bIns="45000" anchor="ctr" anchorCtr="0">
-            <a:noAutofit/>
-          </a:bodyPr>
-          <a:lstStyle/>
-          <a:p>
-            <a:pPr marL="0" marR="0" lvl="0" indent="0" algn="ctr" rtl="0">
-              <a:lnSpc>
-                <a:spcPct val="100000"/>
-              </a:lnSpc>
-              <a:spcBef>
-                <a:spcPts val="0"/>
-              </a:spcBef>
-              <a:spcAft>
-                <a:spcPts val="0"/>
-              </a:spcAft>
-              <a:buNone/>
-            </a:pPr>
-            <a:r>
-              <a:rPr lang="en-US" sz="6000">
-                <a:solidFill>
-                  <a:srgbClr val="FFFFFF"/>
-                </a:solidFill>
-                <a:latin typeface="Arial"/>
-                <a:ea typeface="Arial"/>
-                <a:cs typeface="Arial"/>
-                <a:sym typeface="Arial"/>
-              </a:rPr>
-              <a:t>2</a:t>
-            </a:r>
-            <a:endParaRPr sz="6000" b="0" strike="noStrike">
-              <a:solidFill>
-                <a:schemeClr val="dk1"/>
-              </a:solidFill>
-              <a:latin typeface="Arial"/>
-              <a:ea typeface="Arial"/>
-              <a:cs typeface="Arial"/>
-              <a:sym typeface="Arial"/>
-            </a:endParaRPr>
-          </a:p>
-        </p:txBody>
-      </p:sp>
-      <p:sp>
-        <p:nvSpPr>
-          <p:cNvPr id="265" name="Google Shape;265;p10"/>
-          <p:cNvSpPr txBox="1"/>
-          <p:nvPr/>
-        </p:nvSpPr>
-        <p:spPr>
-          <a:xfrm>
-            <a:off x="690465" y="1810139"/>
-            <a:ext cx="10235682" cy="2893100"/>
-          </a:xfrm>
-          <a:prstGeom prst="rect">
-            <a:avLst/>
-          </a:prstGeom>
-          <a:noFill/>
-          <a:ln>
-            <a:noFill/>
-          </a:ln>
-        </p:spPr>
-        <p:txBody>
-          <a:bodyPr spcFirstLastPara="1" wrap="square" lIns="91425" tIns="45700" rIns="91425" bIns="45700" anchor="t" anchorCtr="0">
-            <a:spAutoFit/>
-          </a:bodyPr>
-          <a:lstStyle/>
-          <a:p>
-            <a:pPr marL="0" marR="0" lvl="0" indent="0" algn="l" rtl="0">
-              <a:spcBef>
-                <a:spcPts val="0"/>
-              </a:spcBef>
-              <a:spcAft>
-                <a:spcPts val="0"/>
-              </a:spcAft>
-              <a:buNone/>
-            </a:pPr>
-            <a:r>
-              <a:rPr lang="en-US" sz="2600" dirty="0">
-                <a:solidFill>
-                  <a:schemeClr val="dk1"/>
-                </a:solidFill>
-                <a:latin typeface="Arial"/>
-                <a:ea typeface="Arial"/>
-                <a:cs typeface="Arial"/>
-                <a:sym typeface="Arial"/>
-              </a:rPr>
-              <a:t>1. “value-free” and Verstehen (Max Weber)</a:t>
-            </a:r>
-            <a:endParaRPr dirty="0"/>
-          </a:p>
-          <a:p>
-            <a:pPr marL="800100" marR="0" lvl="1" indent="-342900" algn="l" rtl="0">
-              <a:spcBef>
-                <a:spcPts val="0"/>
-              </a:spcBef>
-              <a:spcAft>
-                <a:spcPts val="0"/>
-              </a:spcAft>
-              <a:buClr>
-                <a:srgbClr val="FF0000"/>
-              </a:buClr>
-              <a:buSzPts val="2600"/>
-              <a:buFont typeface="Arial"/>
-              <a:buChar char="•"/>
-            </a:pPr>
-            <a:r>
-              <a:rPr lang="en-US" sz="2600" b="0" i="0" u="none" strike="noStrike" cap="none" dirty="0">
-                <a:solidFill>
-                  <a:srgbClr val="FF0000"/>
-                </a:solidFill>
-                <a:latin typeface="Arial"/>
-                <a:ea typeface="Arial"/>
-                <a:cs typeface="Arial"/>
-                <a:sym typeface="Arial"/>
-              </a:rPr>
-              <a:t>Why did this happen </a:t>
-            </a:r>
-            <a:r>
-              <a:rPr lang="en-US" sz="2600" b="0" i="0" u="none" strike="noStrike" cap="none" dirty="0">
-                <a:solidFill>
-                  <a:schemeClr val="dk1"/>
-                </a:solidFill>
-                <a:latin typeface="Arial"/>
-                <a:ea typeface="Arial"/>
-                <a:cs typeface="Arial"/>
-                <a:sym typeface="Arial"/>
-              </a:rPr>
-              <a:t>vs how can I persuade people of what I believe in? vs how can I enact (</a:t>
-            </a:r>
-            <a:r>
-              <a:rPr lang="en-US" sz="2600" b="0" i="0" u="none" strike="noStrike" cap="none" dirty="0" err="1">
-                <a:solidFill>
-                  <a:schemeClr val="dk1"/>
-                </a:solidFill>
-                <a:latin typeface="Arial"/>
-                <a:ea typeface="Arial"/>
-                <a:cs typeface="Arial"/>
-                <a:sym typeface="Arial"/>
-              </a:rPr>
-              <a:t>使发生）a</a:t>
-            </a:r>
-            <a:r>
-              <a:rPr lang="en-US" sz="2600" b="0" i="0" u="none" strike="noStrike" cap="none" dirty="0">
-                <a:solidFill>
-                  <a:schemeClr val="dk1"/>
-                </a:solidFill>
-                <a:latin typeface="Arial"/>
-                <a:ea typeface="Arial"/>
-                <a:cs typeface="Arial"/>
-                <a:sym typeface="Arial"/>
-              </a:rPr>
-              <a:t> social change?</a:t>
-            </a:r>
-            <a:endParaRPr dirty="0"/>
-          </a:p>
-          <a:p>
-            <a:pPr marL="800100" marR="0" lvl="1" indent="-342900" algn="l" rtl="0">
-              <a:spcBef>
-                <a:spcPts val="0"/>
-              </a:spcBef>
-              <a:spcAft>
-                <a:spcPts val="0"/>
-              </a:spcAft>
-              <a:buClr>
-                <a:srgbClr val="FF0000"/>
-              </a:buClr>
-              <a:buSzPts val="2600"/>
-              <a:buFont typeface="Arial"/>
-              <a:buChar char="•"/>
-            </a:pPr>
-            <a:r>
-              <a:rPr lang="en-US" sz="2600" b="0" i="0" u="none" strike="noStrike" cap="none" dirty="0">
-                <a:solidFill>
-                  <a:srgbClr val="FF0000"/>
-                </a:solidFill>
-                <a:latin typeface="Arial"/>
-                <a:ea typeface="Arial"/>
-                <a:cs typeface="Arial"/>
-                <a:sym typeface="Arial"/>
-              </a:rPr>
-              <a:t>Verstehen</a:t>
-            </a:r>
-            <a:r>
-              <a:rPr lang="en-US" sz="2600" b="0" i="0" u="none" strike="noStrike" cap="none" dirty="0">
-                <a:solidFill>
-                  <a:schemeClr val="dk1"/>
-                </a:solidFill>
-                <a:latin typeface="Arial"/>
-                <a:ea typeface="Arial"/>
-                <a:cs typeface="Arial"/>
-                <a:sym typeface="Arial"/>
-              </a:rPr>
-              <a:t>: empathetic （</a:t>
-            </a:r>
-            <a:r>
-              <a:rPr lang="en-US" sz="2600" b="0" i="0" u="none" strike="noStrike" cap="none" dirty="0" err="1">
-                <a:solidFill>
-                  <a:schemeClr val="dk1"/>
-                </a:solidFill>
-                <a:latin typeface="Arial"/>
-                <a:ea typeface="Arial"/>
-                <a:cs typeface="Arial"/>
-                <a:sym typeface="Arial"/>
-              </a:rPr>
-              <a:t>有同理心的）understanding</a:t>
-            </a:r>
-            <a:r>
-              <a:rPr lang="en-US" sz="2600" b="0" i="0" u="none" strike="noStrike" cap="none" dirty="0">
-                <a:solidFill>
-                  <a:schemeClr val="dk1"/>
-                </a:solidFill>
-                <a:latin typeface="Arial"/>
-                <a:ea typeface="Arial"/>
-                <a:cs typeface="Arial"/>
-                <a:sym typeface="Arial"/>
-              </a:rPr>
-              <a:t> of the </a:t>
-            </a:r>
-            <a:r>
-              <a:rPr lang="en-US" sz="2600" b="0" i="0" u="none" strike="noStrike" cap="none" dirty="0">
-                <a:solidFill>
-                  <a:srgbClr val="FF0000"/>
-                </a:solidFill>
-                <a:latin typeface="Arial"/>
-                <a:ea typeface="Arial"/>
-                <a:cs typeface="Arial"/>
-                <a:sym typeface="Arial"/>
-              </a:rPr>
-              <a:t>meanings</a:t>
-            </a:r>
-            <a:r>
-              <a:rPr lang="en-US" sz="2600" b="0" i="0" u="none" strike="noStrike" cap="none" dirty="0">
-                <a:solidFill>
-                  <a:schemeClr val="dk1"/>
-                </a:solidFill>
-                <a:latin typeface="Arial"/>
-                <a:ea typeface="Arial"/>
-                <a:cs typeface="Arial"/>
-                <a:sym typeface="Arial"/>
-              </a:rPr>
-              <a:t> of people’s social action (i.e., actions oriented towards others).</a:t>
-            </a:r>
-            <a:endParaRPr dirty="0"/>
-          </a:p>
-          <a:p>
-            <a:pPr marL="342900" marR="0" lvl="0" indent="-177800" algn="l" rtl="0">
-              <a:spcBef>
-                <a:spcPts val="0"/>
-              </a:spcBef>
-              <a:spcAft>
-                <a:spcPts val="0"/>
-              </a:spcAft>
-              <a:buClr>
-                <a:schemeClr val="dk1"/>
-              </a:buClr>
-              <a:buSzPts val="2600"/>
-              <a:buFont typeface="Arial"/>
-              <a:buNone/>
-            </a:pPr>
-            <a:endParaRPr sz="2600" dirty="0">
-              <a:solidFill>
-                <a:schemeClr val="dk1"/>
-              </a:solidFill>
-              <a:latin typeface="Arial"/>
-              <a:ea typeface="Arial"/>
-              <a:cs typeface="Arial"/>
-              <a:sym typeface="Arial"/>
-            </a:endParaRPr>
-          </a:p>
-        </p:txBody>
-      </p:sp>
-      <p:sp>
-        <p:nvSpPr>
-          <p:cNvPr id="266" name="Google Shape;266;p10"/>
-          <p:cNvSpPr/>
-          <p:nvPr/>
-        </p:nvSpPr>
-        <p:spPr>
-          <a:xfrm>
-            <a:off x="1571400" y="455040"/>
-            <a:ext cx="5226810" cy="1284120"/>
-          </a:xfrm>
-          <a:prstGeom prst="rect">
-            <a:avLst/>
-          </a:prstGeom>
-          <a:noFill/>
-          <a:ln>
-            <a:noFill/>
-          </a:ln>
-        </p:spPr>
-        <p:txBody>
-          <a:bodyPr spcFirstLastPara="1" wrap="square" lIns="91425" tIns="45700" rIns="91425" bIns="45700" anchor="ctr" anchorCtr="0">
-            <a:normAutofit/>
-          </a:bodyPr>
-          <a:lstStyle/>
-          <a:p>
-            <a:pPr marL="0" marR="0" lvl="0" indent="0" algn="l" rtl="0">
-              <a:lnSpc>
-                <a:spcPct val="70000"/>
-              </a:lnSpc>
-              <a:spcBef>
-                <a:spcPts val="0"/>
-              </a:spcBef>
-              <a:spcAft>
-                <a:spcPts val="0"/>
-              </a:spcAft>
-              <a:buNone/>
-            </a:pPr>
-            <a:r>
-              <a:rPr lang="en-US" sz="2750" b="0" strike="noStrike">
-                <a:solidFill>
-                  <a:srgbClr val="808080"/>
-                </a:solidFill>
-                <a:latin typeface="Arial"/>
-                <a:ea typeface="Arial"/>
-                <a:cs typeface="Arial"/>
-                <a:sym typeface="Arial"/>
-              </a:rPr>
-              <a:t>What counts as</a:t>
-            </a:r>
-            <a:endParaRPr/>
-          </a:p>
-          <a:p>
-            <a:pPr marL="0" marR="0" lvl="0" indent="0" algn="l" rtl="0">
-              <a:lnSpc>
-                <a:spcPct val="70000"/>
-              </a:lnSpc>
-              <a:spcBef>
-                <a:spcPts val="1001"/>
-              </a:spcBef>
-              <a:spcAft>
-                <a:spcPts val="0"/>
-              </a:spcAft>
-              <a:buNone/>
-            </a:pPr>
-            <a:r>
-              <a:rPr lang="en-US" sz="2750" b="0" strike="noStrike">
-                <a:solidFill>
-                  <a:srgbClr val="808080"/>
-                </a:solidFill>
-                <a:latin typeface="Arial"/>
-                <a:ea typeface="Arial"/>
-                <a:cs typeface="Arial"/>
-                <a:sym typeface="Arial"/>
-              </a:rPr>
-              <a:t>sociological research?</a:t>
-            </a:r>
-            <a:endParaRPr/>
-          </a:p>
-          <a:p>
-            <a:pPr marL="0" marR="0" lvl="0" indent="0" algn="l" rtl="0">
-              <a:lnSpc>
-                <a:spcPct val="70000"/>
-              </a:lnSpc>
-              <a:spcBef>
-                <a:spcPts val="1001"/>
-              </a:spcBef>
-              <a:spcAft>
-                <a:spcPts val="0"/>
-              </a:spcAft>
-              <a:buNone/>
-            </a:pPr>
-            <a:r>
-              <a:rPr lang="en-US" sz="2375">
-                <a:solidFill>
-                  <a:schemeClr val="dk1"/>
-                </a:solidFill>
-                <a:latin typeface="Arial"/>
-                <a:ea typeface="Arial"/>
-                <a:cs typeface="Arial"/>
-                <a:sym typeface="Arial"/>
-              </a:rPr>
-              <a:t>Research = ‘scientific’ study?</a:t>
-            </a:r>
-            <a:endParaRPr/>
-          </a:p>
-        </p:txBody>
-      </p:sp>
-    </p:spTree>
-  </p:cSld>
-  <p:clrMapOvr>
-    <a:masterClrMapping/>
-  </p:clrMapOvr>
-</p:sld>
-</file>
-
-<file path=ppt/slides/slide13.xml><?xml version="1.0" encoding="utf-8"?>
-<p:sld xmlns:a="http://schemas.openxmlformats.org/drawingml/2006/main" xmlns:r="http://schemas.openxmlformats.org/officeDocument/2006/relationships" xmlns:p="http://schemas.openxmlformats.org/presentationml/2006/main">
-  <p:cSld>
-    <p:spTree>
-      <p:nvGrpSpPr>
-        <p:cNvPr id="1" name="Shape 270"/>
-        <p:cNvGrpSpPr/>
-        <p:nvPr/>
-      </p:nvGrpSpPr>
-      <p:grpSpPr>
-        <a:xfrm>
-          <a:off x="0" y="0"/>
-          <a:ext cx="0" cy="0"/>
-          <a:chOff x="0" y="0"/>
-          <a:chExt cx="0" cy="0"/>
-        </a:xfrm>
-      </p:grpSpPr>
-      <p:sp>
-        <p:nvSpPr>
-          <p:cNvPr id="271" name="Google Shape;271;p11"/>
-          <p:cNvSpPr/>
-          <p:nvPr/>
-        </p:nvSpPr>
-        <p:spPr>
-          <a:xfrm>
-            <a:off x="0" y="6596640"/>
-            <a:ext cx="12191760" cy="261000"/>
-          </a:xfrm>
-          <a:prstGeom prst="rect">
-            <a:avLst/>
-          </a:prstGeom>
-          <a:gradFill>
-            <a:gsLst>
-              <a:gs pos="0">
-                <a:srgbClr val="FFAA49"/>
-              </a:gs>
-              <a:gs pos="21000">
-                <a:srgbClr val="FE9364"/>
-              </a:gs>
-              <a:gs pos="63000">
-                <a:srgbClr val="F9656A"/>
-              </a:gs>
-              <a:gs pos="100000">
-                <a:srgbClr val="F96566"/>
-              </a:gs>
-            </a:gsLst>
-            <a:lin ang="6600000" scaled="0"/>
-          </a:gradFill>
-          <a:ln>
-            <a:noFill/>
-          </a:ln>
-        </p:spPr>
-        <p:txBody>
-          <a:bodyPr spcFirstLastPara="1" wrap="square" lIns="91425" tIns="91425" rIns="91425" bIns="91425" anchor="ctr" anchorCtr="0">
-            <a:noAutofit/>
-          </a:bodyPr>
-          <a:lstStyle/>
-          <a:p>
-            <a:pPr marL="0" lvl="0" indent="0" algn="l" rtl="0">
-              <a:spcBef>
-                <a:spcPts val="0"/>
-              </a:spcBef>
-              <a:spcAft>
-                <a:spcPts val="0"/>
-              </a:spcAft>
-              <a:buNone/>
-            </a:pPr>
-            <a:endParaRPr/>
-          </a:p>
-        </p:txBody>
-      </p:sp>
-      <p:sp>
-        <p:nvSpPr>
-          <p:cNvPr id="274" name="Google Shape;274;p11"/>
-          <p:cNvSpPr/>
-          <p:nvPr/>
-        </p:nvSpPr>
-        <p:spPr>
-          <a:xfrm>
-            <a:off x="440280" y="456120"/>
-            <a:ext cx="1131120" cy="1130040"/>
-          </a:xfrm>
-          <a:prstGeom prst="ellipse">
-            <a:avLst/>
-          </a:prstGeom>
-          <a:gradFill>
-            <a:gsLst>
-              <a:gs pos="0">
-                <a:srgbClr val="FFAA49"/>
-              </a:gs>
-              <a:gs pos="21000">
-                <a:srgbClr val="FE9364"/>
-              </a:gs>
-              <a:gs pos="63000">
-                <a:srgbClr val="F9656A"/>
-              </a:gs>
-              <a:gs pos="100000">
-                <a:srgbClr val="F96566"/>
-              </a:gs>
-            </a:gsLst>
-            <a:lin ang="10800000" scaled="0"/>
-          </a:gradFill>
-          <a:ln>
-            <a:noFill/>
-          </a:ln>
-        </p:spPr>
-        <p:txBody>
-          <a:bodyPr spcFirstLastPara="1" wrap="square" lIns="90000" tIns="45000" rIns="90000" bIns="45000" anchor="ctr" anchorCtr="0">
-            <a:noAutofit/>
-          </a:bodyPr>
-          <a:lstStyle/>
-          <a:p>
-            <a:pPr marL="0" marR="0" lvl="0" indent="0" algn="ctr" rtl="0">
-              <a:lnSpc>
-                <a:spcPct val="100000"/>
-              </a:lnSpc>
-              <a:spcBef>
-                <a:spcPts val="0"/>
-              </a:spcBef>
-              <a:spcAft>
-                <a:spcPts val="0"/>
-              </a:spcAft>
-              <a:buNone/>
-            </a:pPr>
-            <a:r>
-              <a:rPr lang="en-US" sz="6000">
-                <a:solidFill>
-                  <a:srgbClr val="FFFFFF"/>
-                </a:solidFill>
-                <a:latin typeface="Arial"/>
-                <a:ea typeface="Arial"/>
-                <a:cs typeface="Arial"/>
-                <a:sym typeface="Arial"/>
-              </a:rPr>
-              <a:t>2</a:t>
-            </a:r>
-            <a:endParaRPr sz="6000" b="0" strike="noStrike">
-              <a:solidFill>
-                <a:schemeClr val="dk1"/>
-              </a:solidFill>
-              <a:latin typeface="Arial"/>
-              <a:ea typeface="Arial"/>
-              <a:cs typeface="Arial"/>
-              <a:sym typeface="Arial"/>
-            </a:endParaRPr>
-          </a:p>
-        </p:txBody>
-      </p:sp>
-      <p:sp>
-        <p:nvSpPr>
-          <p:cNvPr id="275" name="Google Shape;275;p11"/>
-          <p:cNvSpPr txBox="1"/>
-          <p:nvPr/>
-        </p:nvSpPr>
-        <p:spPr>
-          <a:xfrm>
-            <a:off x="690465" y="1739160"/>
-            <a:ext cx="10235682" cy="5293757"/>
-          </a:xfrm>
-          <a:prstGeom prst="rect">
-            <a:avLst/>
-          </a:prstGeom>
-          <a:noFill/>
-          <a:ln>
-            <a:noFill/>
-          </a:ln>
-        </p:spPr>
-        <p:txBody>
-          <a:bodyPr spcFirstLastPara="1" wrap="square" lIns="91425" tIns="45700" rIns="91425" bIns="45700" anchor="t" anchorCtr="0">
-            <a:spAutoFit/>
-          </a:bodyPr>
-          <a:lstStyle/>
-          <a:p>
-            <a:pPr marL="0" marR="0" lvl="0" indent="0" algn="l" rtl="0">
-              <a:spcBef>
-                <a:spcPts val="0"/>
-              </a:spcBef>
-              <a:spcAft>
-                <a:spcPts val="0"/>
-              </a:spcAft>
-              <a:buNone/>
-            </a:pPr>
-            <a:r>
-              <a:rPr lang="en-US" sz="2600">
-                <a:solidFill>
-                  <a:schemeClr val="dk1"/>
-                </a:solidFill>
-                <a:latin typeface="Arial"/>
-                <a:ea typeface="Arial"/>
-                <a:cs typeface="Arial"/>
-                <a:sym typeface="Arial"/>
-              </a:rPr>
-              <a:t>1. “value-free” and Verstehen (Max Weber)</a:t>
-            </a:r>
-            <a:endParaRPr/>
-          </a:p>
-          <a:p>
-            <a:pPr marL="800100" marR="0" lvl="1" indent="-342900" algn="l" rtl="0">
-              <a:spcBef>
-                <a:spcPts val="0"/>
-              </a:spcBef>
-              <a:spcAft>
-                <a:spcPts val="0"/>
-              </a:spcAft>
-              <a:buClr>
-                <a:srgbClr val="FF0000"/>
-              </a:buClr>
-              <a:buSzPts val="2600"/>
-              <a:buFont typeface="Arial"/>
-              <a:buChar char="•"/>
-            </a:pPr>
-            <a:r>
-              <a:rPr lang="en-US" sz="2600" b="0" i="0" u="none" strike="noStrike" cap="none">
-                <a:solidFill>
-                  <a:srgbClr val="FF0000"/>
-                </a:solidFill>
-                <a:latin typeface="Arial"/>
-                <a:ea typeface="Arial"/>
-                <a:cs typeface="Arial"/>
-                <a:sym typeface="Arial"/>
-              </a:rPr>
-              <a:t>Why did this happen </a:t>
-            </a:r>
-            <a:r>
-              <a:rPr lang="en-US" sz="2600" b="0" i="0" u="none" strike="noStrike" cap="none">
-                <a:solidFill>
-                  <a:schemeClr val="dk1"/>
-                </a:solidFill>
-                <a:latin typeface="Arial"/>
-                <a:ea typeface="Arial"/>
-                <a:cs typeface="Arial"/>
-                <a:sym typeface="Arial"/>
-              </a:rPr>
-              <a:t>vs how can I persuade people of what I believe in? vs how can I enact (使发生）a social change?</a:t>
-            </a:r>
-            <a:endParaRPr/>
-          </a:p>
-          <a:p>
-            <a:pPr marL="800100" marR="0" lvl="1" indent="-342900" algn="l" rtl="0">
-              <a:spcBef>
-                <a:spcPts val="0"/>
-              </a:spcBef>
-              <a:spcAft>
-                <a:spcPts val="0"/>
-              </a:spcAft>
-              <a:buClr>
-                <a:srgbClr val="FF0000"/>
-              </a:buClr>
-              <a:buSzPts val="2600"/>
-              <a:buFont typeface="Arial"/>
-              <a:buChar char="•"/>
-            </a:pPr>
-            <a:r>
-              <a:rPr lang="en-US" sz="2600" b="0" i="0" u="none" strike="noStrike" cap="none">
-                <a:solidFill>
-                  <a:srgbClr val="FF0000"/>
-                </a:solidFill>
-                <a:latin typeface="Arial"/>
-                <a:ea typeface="Arial"/>
-                <a:cs typeface="Arial"/>
-                <a:sym typeface="Arial"/>
-              </a:rPr>
-              <a:t>Verstehen</a:t>
-            </a:r>
-            <a:r>
-              <a:rPr lang="en-US" sz="2600" b="0" i="0" u="none" strike="noStrike" cap="none">
-                <a:solidFill>
-                  <a:schemeClr val="dk1"/>
-                </a:solidFill>
-                <a:latin typeface="Arial"/>
-                <a:ea typeface="Arial"/>
-                <a:cs typeface="Arial"/>
-                <a:sym typeface="Arial"/>
-              </a:rPr>
-              <a:t>: empathetic （有同理心的）understanding of the </a:t>
-            </a:r>
-            <a:r>
-              <a:rPr lang="en-US" sz="2600" b="0" i="0" u="none" strike="noStrike" cap="none">
-                <a:solidFill>
-                  <a:srgbClr val="FF0000"/>
-                </a:solidFill>
-                <a:latin typeface="Arial"/>
-                <a:ea typeface="Arial"/>
-                <a:cs typeface="Arial"/>
-                <a:sym typeface="Arial"/>
-              </a:rPr>
-              <a:t>meanings</a:t>
-            </a:r>
-            <a:r>
-              <a:rPr lang="en-US" sz="2600" b="0" i="0" u="none" strike="noStrike" cap="none">
-                <a:solidFill>
-                  <a:schemeClr val="dk1"/>
-                </a:solidFill>
-                <a:latin typeface="Arial"/>
-                <a:ea typeface="Arial"/>
-                <a:cs typeface="Arial"/>
-                <a:sym typeface="Arial"/>
-              </a:rPr>
-              <a:t> of people’s social action (i.e., actions oriented towards others).</a:t>
-            </a:r>
-            <a:endParaRPr/>
-          </a:p>
-          <a:p>
-            <a:pPr marL="0" marR="0" lvl="0" indent="0" algn="l" rtl="0">
-              <a:spcBef>
-                <a:spcPts val="0"/>
-              </a:spcBef>
-              <a:spcAft>
-                <a:spcPts val="0"/>
-              </a:spcAft>
-              <a:buNone/>
-            </a:pPr>
-            <a:r>
-              <a:rPr lang="en-US" sz="2600">
-                <a:solidFill>
-                  <a:schemeClr val="dk1"/>
-                </a:solidFill>
-                <a:latin typeface="Arial"/>
-                <a:ea typeface="Arial"/>
-                <a:cs typeface="Arial"/>
-                <a:sym typeface="Arial"/>
-              </a:rPr>
-              <a:t>2. Systematic methodological procedures</a:t>
-            </a:r>
-            <a:endParaRPr/>
-          </a:p>
-          <a:p>
-            <a:pPr marL="800100" marR="0" lvl="1" indent="-342900" algn="l" rtl="0">
-              <a:spcBef>
-                <a:spcPts val="0"/>
-              </a:spcBef>
-              <a:spcAft>
-                <a:spcPts val="0"/>
-              </a:spcAft>
-              <a:buClr>
-                <a:schemeClr val="dk1"/>
-              </a:buClr>
-              <a:buSzPts val="2600"/>
-              <a:buFont typeface="Arial"/>
-              <a:buChar char="•"/>
-            </a:pPr>
-            <a:r>
-              <a:rPr lang="en-US" sz="2600" b="0" i="0" u="none" strike="noStrike" cap="none">
-                <a:solidFill>
-                  <a:schemeClr val="dk1"/>
-                </a:solidFill>
-                <a:latin typeface="Arial"/>
-                <a:ea typeface="Arial"/>
-                <a:cs typeface="Arial"/>
-                <a:sym typeface="Arial"/>
-              </a:rPr>
-              <a:t>Rule-governed process that restrains the proclivity of the researcher</a:t>
-            </a:r>
-            <a:endParaRPr/>
-          </a:p>
-          <a:p>
-            <a:pPr marL="800100" marR="0" lvl="1" indent="-342900" algn="l" rtl="0">
-              <a:spcBef>
-                <a:spcPts val="0"/>
-              </a:spcBef>
-              <a:spcAft>
-                <a:spcPts val="0"/>
-              </a:spcAft>
-              <a:buClr>
-                <a:schemeClr val="dk1"/>
-              </a:buClr>
-              <a:buSzPts val="2600"/>
-              <a:buFont typeface="Arial"/>
-              <a:buChar char="•"/>
-            </a:pPr>
-            <a:r>
-              <a:rPr lang="en-US" sz="2600" b="0" i="0" u="none" strike="noStrike" cap="none">
-                <a:solidFill>
-                  <a:schemeClr val="dk1"/>
-                </a:solidFill>
-                <a:latin typeface="Arial"/>
-                <a:ea typeface="Arial"/>
-                <a:cs typeface="Arial"/>
-                <a:sym typeface="Arial"/>
-              </a:rPr>
-              <a:t>Transparent to the reader/consumer</a:t>
-            </a:r>
-            <a:endParaRPr/>
-          </a:p>
-          <a:p>
-            <a:pPr marL="800100" marR="0" lvl="1" indent="-342900" algn="l" rtl="0">
-              <a:spcBef>
-                <a:spcPts val="0"/>
-              </a:spcBef>
-              <a:spcAft>
-                <a:spcPts val="0"/>
-              </a:spcAft>
-              <a:buClr>
-                <a:schemeClr val="dk1"/>
-              </a:buClr>
-              <a:buSzPts val="2600"/>
-              <a:buFont typeface="Arial"/>
-              <a:buChar char="•"/>
-            </a:pPr>
-            <a:r>
-              <a:rPr lang="en-US" sz="2600" b="0" i="0" u="none" strike="noStrike" cap="none">
-                <a:solidFill>
-                  <a:schemeClr val="dk1"/>
-                </a:solidFill>
-                <a:latin typeface="Arial"/>
-                <a:ea typeface="Arial"/>
-                <a:cs typeface="Arial"/>
-                <a:sym typeface="Arial"/>
-              </a:rPr>
-              <a:t>Replication</a:t>
-            </a:r>
-            <a:endParaRPr/>
-          </a:p>
-          <a:p>
-            <a:pPr marL="800100" marR="0" lvl="1" indent="-177800" algn="l" rtl="0">
-              <a:spcBef>
-                <a:spcPts val="0"/>
-              </a:spcBef>
-              <a:spcAft>
-                <a:spcPts val="0"/>
-              </a:spcAft>
-              <a:buClr>
-                <a:schemeClr val="dk1"/>
-              </a:buClr>
-              <a:buSzPts val="2600"/>
-              <a:buFont typeface="Arial"/>
-              <a:buNone/>
-            </a:pPr>
-            <a:endParaRPr sz="2600" b="0" i="0" u="none" strike="noStrike" cap="none">
-              <a:solidFill>
-                <a:schemeClr val="dk1"/>
-              </a:solidFill>
-              <a:latin typeface="Arial"/>
-              <a:ea typeface="Arial"/>
-              <a:cs typeface="Arial"/>
-              <a:sym typeface="Arial"/>
-            </a:endParaRPr>
-          </a:p>
-          <a:p>
-            <a:pPr marL="342900" marR="0" lvl="0" indent="-177800" algn="l" rtl="0">
-              <a:spcBef>
-                <a:spcPts val="0"/>
-              </a:spcBef>
-              <a:spcAft>
-                <a:spcPts val="0"/>
-              </a:spcAft>
-              <a:buClr>
-                <a:schemeClr val="dk1"/>
-              </a:buClr>
-              <a:buSzPts val="2600"/>
-              <a:buFont typeface="Arial"/>
-              <a:buNone/>
-            </a:pPr>
-            <a:endParaRPr sz="2600">
-              <a:solidFill>
-                <a:schemeClr val="dk1"/>
-              </a:solidFill>
-              <a:latin typeface="Arial"/>
-              <a:ea typeface="Arial"/>
-              <a:cs typeface="Arial"/>
-              <a:sym typeface="Arial"/>
-            </a:endParaRPr>
-          </a:p>
-        </p:txBody>
-      </p:sp>
-      <p:sp>
-        <p:nvSpPr>
-          <p:cNvPr id="276" name="Google Shape;276;p11"/>
-          <p:cNvSpPr/>
-          <p:nvPr/>
-        </p:nvSpPr>
-        <p:spPr>
-          <a:xfrm>
-            <a:off x="1571400" y="455040"/>
-            <a:ext cx="5226810" cy="1284120"/>
-          </a:xfrm>
-          <a:prstGeom prst="rect">
-            <a:avLst/>
-          </a:prstGeom>
-          <a:noFill/>
-          <a:ln>
-            <a:noFill/>
-          </a:ln>
-        </p:spPr>
-        <p:txBody>
-          <a:bodyPr spcFirstLastPara="1" wrap="square" lIns="91425" tIns="45700" rIns="91425" bIns="45700" anchor="ctr" anchorCtr="0">
-            <a:normAutofit/>
-          </a:bodyPr>
-          <a:lstStyle/>
-          <a:p>
-            <a:pPr marL="0" marR="0" lvl="0" indent="0" algn="l" rtl="0">
-              <a:lnSpc>
-                <a:spcPct val="70000"/>
-              </a:lnSpc>
-              <a:spcBef>
-                <a:spcPts val="0"/>
-              </a:spcBef>
-              <a:spcAft>
-                <a:spcPts val="0"/>
-              </a:spcAft>
-              <a:buNone/>
-            </a:pPr>
-            <a:r>
-              <a:rPr lang="en-US" sz="2750" b="0" strike="noStrike">
-                <a:solidFill>
-                  <a:srgbClr val="808080"/>
-                </a:solidFill>
-                <a:latin typeface="Arial"/>
-                <a:ea typeface="Arial"/>
-                <a:cs typeface="Arial"/>
-                <a:sym typeface="Arial"/>
-              </a:rPr>
-              <a:t>What counts as</a:t>
-            </a:r>
-            <a:endParaRPr/>
-          </a:p>
-          <a:p>
-            <a:pPr marL="0" marR="0" lvl="0" indent="0" algn="l" rtl="0">
-              <a:lnSpc>
-                <a:spcPct val="70000"/>
-              </a:lnSpc>
-              <a:spcBef>
-                <a:spcPts val="1001"/>
-              </a:spcBef>
-              <a:spcAft>
-                <a:spcPts val="0"/>
-              </a:spcAft>
-              <a:buNone/>
-            </a:pPr>
-            <a:r>
-              <a:rPr lang="en-US" sz="2750" b="0" strike="noStrike">
-                <a:solidFill>
-                  <a:srgbClr val="808080"/>
-                </a:solidFill>
-                <a:latin typeface="Arial"/>
-                <a:ea typeface="Arial"/>
-                <a:cs typeface="Arial"/>
-                <a:sym typeface="Arial"/>
-              </a:rPr>
-              <a:t>sociological research?</a:t>
-            </a:r>
-            <a:endParaRPr/>
-          </a:p>
-          <a:p>
-            <a:pPr marL="0" marR="0" lvl="0" indent="0" algn="l" rtl="0">
-              <a:lnSpc>
-                <a:spcPct val="70000"/>
-              </a:lnSpc>
-              <a:spcBef>
-                <a:spcPts val="1001"/>
-              </a:spcBef>
-              <a:spcAft>
-                <a:spcPts val="0"/>
-              </a:spcAft>
-              <a:buNone/>
-            </a:pPr>
-            <a:r>
-              <a:rPr lang="en-US" sz="2375">
-                <a:solidFill>
-                  <a:schemeClr val="dk1"/>
-                </a:solidFill>
-                <a:latin typeface="Arial"/>
-                <a:ea typeface="Arial"/>
-                <a:cs typeface="Arial"/>
-                <a:sym typeface="Arial"/>
-              </a:rPr>
-              <a:t>Research = ‘scientific’ study?</a:t>
-            </a:r>
-            <a:endParaRPr/>
-          </a:p>
-        </p:txBody>
-      </p:sp>
-    </p:spTree>
-  </p:cSld>
-  <p:clrMapOvr>
-    <a:masterClrMapping/>
-  </p:clrMapOvr>
-</p:sld>
-</file>
-
-<file path=ppt/slides/slide14.xml><?xml version="1.0" encoding="utf-8"?>
-<p:sld xmlns:a="http://schemas.openxmlformats.org/drawingml/2006/main" xmlns:r="http://schemas.openxmlformats.org/officeDocument/2006/relationships" xmlns:p="http://schemas.openxmlformats.org/presentationml/2006/main">
-  <p:cSld>
-    <p:spTree>
-      <p:nvGrpSpPr>
-        <p:cNvPr id="1" name="Shape 280"/>
-        <p:cNvGrpSpPr/>
-        <p:nvPr/>
-      </p:nvGrpSpPr>
-      <p:grpSpPr>
-        <a:xfrm>
-          <a:off x="0" y="0"/>
-          <a:ext cx="0" cy="0"/>
-          <a:chOff x="0" y="0"/>
-          <a:chExt cx="0" cy="0"/>
-        </a:xfrm>
-      </p:grpSpPr>
-      <p:sp>
-        <p:nvSpPr>
-          <p:cNvPr id="281" name="Google Shape;281;p12"/>
-          <p:cNvSpPr/>
-          <p:nvPr/>
-        </p:nvSpPr>
-        <p:spPr>
-          <a:xfrm>
-            <a:off x="0" y="6596640"/>
-            <a:ext cx="12191760" cy="261000"/>
-          </a:xfrm>
-          <a:prstGeom prst="rect">
-            <a:avLst/>
-          </a:prstGeom>
-          <a:gradFill>
-            <a:gsLst>
-              <a:gs pos="0">
-                <a:srgbClr val="FFAA49"/>
-              </a:gs>
-              <a:gs pos="21000">
-                <a:srgbClr val="FE9364"/>
-              </a:gs>
-              <a:gs pos="63000">
-                <a:srgbClr val="F9656A"/>
-              </a:gs>
-              <a:gs pos="100000">
-                <a:srgbClr val="F96566"/>
-              </a:gs>
-            </a:gsLst>
-            <a:lin ang="6600000" scaled="0"/>
-          </a:gradFill>
-          <a:ln>
-            <a:noFill/>
-          </a:ln>
-        </p:spPr>
-        <p:txBody>
-          <a:bodyPr spcFirstLastPara="1" wrap="square" lIns="91425" tIns="91425" rIns="91425" bIns="91425" anchor="ctr" anchorCtr="0">
-            <a:noAutofit/>
-          </a:bodyPr>
-          <a:lstStyle/>
-          <a:p>
-            <a:pPr marL="0" lvl="0" indent="0" algn="l" rtl="0">
-              <a:spcBef>
-                <a:spcPts val="0"/>
-              </a:spcBef>
-              <a:spcAft>
-                <a:spcPts val="0"/>
-              </a:spcAft>
-              <a:buNone/>
-            </a:pPr>
-            <a:endParaRPr/>
-          </a:p>
-        </p:txBody>
-      </p:sp>
-      <p:sp>
-        <p:nvSpPr>
-          <p:cNvPr id="284" name="Google Shape;284;p12"/>
-          <p:cNvSpPr/>
-          <p:nvPr/>
-        </p:nvSpPr>
-        <p:spPr>
-          <a:xfrm>
-            <a:off x="440280" y="456120"/>
-            <a:ext cx="1131120" cy="1130040"/>
-          </a:xfrm>
-          <a:prstGeom prst="ellipse">
-            <a:avLst/>
-          </a:prstGeom>
-          <a:gradFill>
-            <a:gsLst>
-              <a:gs pos="0">
-                <a:srgbClr val="FFAA49"/>
-              </a:gs>
-              <a:gs pos="21000">
-                <a:srgbClr val="FE9364"/>
-              </a:gs>
-              <a:gs pos="63000">
-                <a:srgbClr val="F9656A"/>
-              </a:gs>
-              <a:gs pos="100000">
-                <a:srgbClr val="F96566"/>
-              </a:gs>
-            </a:gsLst>
-            <a:lin ang="10800000" scaled="0"/>
-          </a:gradFill>
-          <a:ln>
-            <a:noFill/>
-          </a:ln>
-        </p:spPr>
-        <p:txBody>
-          <a:bodyPr spcFirstLastPara="1" wrap="square" lIns="90000" tIns="45000" rIns="90000" bIns="45000" anchor="ctr" anchorCtr="0">
-            <a:noAutofit/>
-          </a:bodyPr>
-          <a:lstStyle/>
-          <a:p>
-            <a:pPr marL="0" marR="0" lvl="0" indent="0" algn="ctr" rtl="0">
-              <a:lnSpc>
-                <a:spcPct val="100000"/>
-              </a:lnSpc>
-              <a:spcBef>
-                <a:spcPts val="0"/>
-              </a:spcBef>
-              <a:spcAft>
-                <a:spcPts val="0"/>
-              </a:spcAft>
-              <a:buNone/>
-            </a:pPr>
-            <a:r>
-              <a:rPr lang="en-US" sz="6000">
-                <a:solidFill>
-                  <a:srgbClr val="FFFFFF"/>
-                </a:solidFill>
-                <a:latin typeface="Arial"/>
-                <a:ea typeface="Arial"/>
-                <a:cs typeface="Arial"/>
-                <a:sym typeface="Arial"/>
-              </a:rPr>
-              <a:t>2</a:t>
-            </a:r>
-            <a:endParaRPr sz="6000" b="0" strike="noStrike">
-              <a:solidFill>
-                <a:schemeClr val="dk1"/>
-              </a:solidFill>
-              <a:latin typeface="Arial"/>
-              <a:ea typeface="Arial"/>
-              <a:cs typeface="Arial"/>
-              <a:sym typeface="Arial"/>
-            </a:endParaRPr>
-          </a:p>
-        </p:txBody>
-      </p:sp>
-      <p:sp>
-        <p:nvSpPr>
-          <p:cNvPr id="285" name="Google Shape;285;p12"/>
-          <p:cNvSpPr/>
-          <p:nvPr/>
-        </p:nvSpPr>
-        <p:spPr>
-          <a:xfrm>
-            <a:off x="1571400" y="455040"/>
-            <a:ext cx="5226810" cy="1284120"/>
-          </a:xfrm>
-          <a:prstGeom prst="rect">
-            <a:avLst/>
-          </a:prstGeom>
-          <a:noFill/>
-          <a:ln>
-            <a:noFill/>
-          </a:ln>
-        </p:spPr>
-        <p:txBody>
-          <a:bodyPr spcFirstLastPara="1" wrap="square" lIns="91425" tIns="45700" rIns="91425" bIns="45700" anchor="ctr" anchorCtr="0">
-            <a:normAutofit/>
-          </a:bodyPr>
-          <a:lstStyle/>
-          <a:p>
-            <a:pPr marL="0" marR="0" lvl="0" indent="0" algn="l" rtl="0">
-              <a:lnSpc>
-                <a:spcPct val="70000"/>
-              </a:lnSpc>
-              <a:spcBef>
-                <a:spcPts val="0"/>
-              </a:spcBef>
-              <a:spcAft>
-                <a:spcPts val="0"/>
-              </a:spcAft>
-              <a:buNone/>
-            </a:pPr>
-            <a:r>
-              <a:rPr lang="en-US" sz="2750" b="0" strike="noStrike">
-                <a:solidFill>
-                  <a:srgbClr val="808080"/>
-                </a:solidFill>
-                <a:latin typeface="Arial"/>
-                <a:ea typeface="Arial"/>
-                <a:cs typeface="Arial"/>
-                <a:sym typeface="Arial"/>
-              </a:rPr>
-              <a:t>What counts as</a:t>
-            </a:r>
-            <a:endParaRPr/>
-          </a:p>
-          <a:p>
-            <a:pPr marL="0" marR="0" lvl="0" indent="0" algn="l" rtl="0">
-              <a:lnSpc>
-                <a:spcPct val="70000"/>
-              </a:lnSpc>
-              <a:spcBef>
-                <a:spcPts val="1001"/>
-              </a:spcBef>
-              <a:spcAft>
-                <a:spcPts val="0"/>
-              </a:spcAft>
-              <a:buNone/>
-            </a:pPr>
-            <a:r>
-              <a:rPr lang="en-US" sz="2750" b="0" strike="noStrike">
-                <a:solidFill>
-                  <a:srgbClr val="808080"/>
-                </a:solidFill>
-                <a:latin typeface="Arial"/>
-                <a:ea typeface="Arial"/>
-                <a:cs typeface="Arial"/>
-                <a:sym typeface="Arial"/>
-              </a:rPr>
-              <a:t>sociological research?</a:t>
-            </a:r>
-            <a:endParaRPr/>
-          </a:p>
-          <a:p>
-            <a:pPr marL="0" marR="0" lvl="0" indent="0" algn="l" rtl="0">
-              <a:lnSpc>
-                <a:spcPct val="70000"/>
-              </a:lnSpc>
-              <a:spcBef>
-                <a:spcPts val="1001"/>
-              </a:spcBef>
-              <a:spcAft>
-                <a:spcPts val="0"/>
-              </a:spcAft>
-              <a:buNone/>
-            </a:pPr>
-            <a:r>
-              <a:rPr lang="en-US" sz="2375">
-                <a:solidFill>
-                  <a:schemeClr val="dk1"/>
-                </a:solidFill>
-                <a:latin typeface="Arial"/>
-                <a:ea typeface="Arial"/>
-                <a:cs typeface="Arial"/>
-                <a:sym typeface="Arial"/>
-              </a:rPr>
-              <a:t>Research = ‘scientific’ study?</a:t>
-            </a:r>
-            <a:endParaRPr/>
-          </a:p>
-        </p:txBody>
-      </p:sp>
-      <p:sp>
-        <p:nvSpPr>
-          <p:cNvPr id="286" name="Google Shape;286;p12"/>
-          <p:cNvSpPr txBox="1"/>
-          <p:nvPr/>
-        </p:nvSpPr>
-        <p:spPr>
-          <a:xfrm>
-            <a:off x="958054" y="2069267"/>
-            <a:ext cx="10235682" cy="892552"/>
-          </a:xfrm>
-          <a:prstGeom prst="rect">
-            <a:avLst/>
-          </a:prstGeom>
-          <a:noFill/>
-          <a:ln>
-            <a:noFill/>
-          </a:ln>
-        </p:spPr>
-        <p:txBody>
-          <a:bodyPr spcFirstLastPara="1" wrap="square" lIns="91425" tIns="45700" rIns="91425" bIns="45700" anchor="t" anchorCtr="0">
-            <a:spAutoFit/>
-          </a:bodyPr>
-          <a:lstStyle/>
-          <a:p>
-            <a:pPr marL="0" marR="0" lvl="0" indent="0" algn="l" rtl="0">
-              <a:spcBef>
-                <a:spcPts val="0"/>
-              </a:spcBef>
-              <a:spcAft>
-                <a:spcPts val="0"/>
-              </a:spcAft>
-              <a:buNone/>
-            </a:pPr>
-            <a:endParaRPr sz="2600">
-              <a:solidFill>
-                <a:schemeClr val="dk1"/>
-              </a:solidFill>
-              <a:latin typeface="Arial"/>
-              <a:ea typeface="Arial"/>
-              <a:cs typeface="Arial"/>
-              <a:sym typeface="Arial"/>
-            </a:endParaRPr>
-          </a:p>
-          <a:p>
-            <a:pPr marL="342900" marR="0" lvl="0" indent="-177800" algn="l" rtl="0">
-              <a:spcBef>
-                <a:spcPts val="0"/>
-              </a:spcBef>
-              <a:spcAft>
-                <a:spcPts val="0"/>
-              </a:spcAft>
-              <a:buClr>
-                <a:schemeClr val="dk1"/>
-              </a:buClr>
-              <a:buSzPts val="2600"/>
-              <a:buFont typeface="Arial"/>
-              <a:buNone/>
-            </a:pPr>
-            <a:endParaRPr sz="2600">
-              <a:solidFill>
-                <a:schemeClr val="dk1"/>
-              </a:solidFill>
-              <a:latin typeface="Arial"/>
-              <a:ea typeface="Arial"/>
-              <a:cs typeface="Arial"/>
-              <a:sym typeface="Arial"/>
-            </a:endParaRPr>
-          </a:p>
-        </p:txBody>
-      </p:sp>
-      <p:graphicFrame>
-        <p:nvGraphicFramePr>
-          <p:cNvPr id="287" name="Google Shape;287;p12"/>
-          <p:cNvGraphicFramePr/>
-          <p:nvPr/>
-        </p:nvGraphicFramePr>
-        <p:xfrm>
-          <a:off x="1760376" y="1881600"/>
-          <a:ext cx="8128000" cy="1473240"/>
-        </p:xfrm>
-        <a:graphic>
-          <a:graphicData uri="http://schemas.openxmlformats.org/drawingml/2006/table">
-            <a:tbl>
-              <a:tblPr firstRow="1" bandRow="1">
-                <a:noFill/>
-                <a:tableStyleId>{A9B8AA18-36FC-4FC2-A3A5-56E0A0108C31}</a:tableStyleId>
-              </a:tblPr>
-              <a:tblGrid>
-                <a:gridCol w="3734100">
-                  <a:extLst>
-                    <a:ext uri="{9D8B030D-6E8A-4147-A177-3AD203B41FA5}">
-                      <a16:colId xmlns:a16="http://schemas.microsoft.com/office/drawing/2014/main" val="20000"/>
-                    </a:ext>
-                  </a:extLst>
-                </a:gridCol>
-                <a:gridCol w="4393900">
-                  <a:extLst>
-                    <a:ext uri="{9D8B030D-6E8A-4147-A177-3AD203B41FA5}">
-                      <a16:colId xmlns:a16="http://schemas.microsoft.com/office/drawing/2014/main" val="20001"/>
-                    </a:ext>
-                  </a:extLst>
-                </a:gridCol>
-              </a:tblGrid>
-              <a:tr h="370850">
-                <a:tc>
-                  <a:txBody>
-                    <a:bodyPr/>
-                    <a:lstStyle/>
-                    <a:p>
-                      <a:pPr marL="0" marR="0" lvl="0" indent="0" algn="l" rtl="0">
-                        <a:spcBef>
-                          <a:spcPts val="0"/>
-                        </a:spcBef>
-                        <a:spcAft>
-                          <a:spcPts val="0"/>
-                        </a:spcAft>
-                        <a:buNone/>
-                      </a:pPr>
-                      <a:r>
-                        <a:rPr lang="en-US" sz="1800" u="none" strike="noStrike" cap="none"/>
-                        <a:t>Method</a:t>
-                      </a:r>
-                      <a:endParaRPr/>
-                    </a:p>
-                  </a:txBody>
-                  <a:tcPr marL="91450" marR="91450" marT="45725" marB="45725"/>
-                </a:tc>
-                <a:tc>
-                  <a:txBody>
-                    <a:bodyPr/>
-                    <a:lstStyle/>
-                    <a:p>
-                      <a:pPr marL="0" marR="0" lvl="0" indent="0" algn="l" rtl="0">
-                        <a:spcBef>
-                          <a:spcPts val="0"/>
-                        </a:spcBef>
-                        <a:spcAft>
-                          <a:spcPts val="0"/>
-                        </a:spcAft>
-                        <a:buNone/>
-                      </a:pPr>
-                      <a:r>
-                        <a:rPr lang="en-US" sz="1800"/>
-                        <a:t>School of thought学派/philosophy</a:t>
-                      </a:r>
-                      <a:endParaRPr sz="1800"/>
-                    </a:p>
-                  </a:txBody>
-                  <a:tcPr marL="91450" marR="91450" marT="45725" marB="45725"/>
-                </a:tc>
-                <a:extLst>
-                  <a:ext uri="{0D108BD9-81ED-4DB2-BD59-A6C34878D82A}">
-                    <a16:rowId xmlns:a16="http://schemas.microsoft.com/office/drawing/2014/main" val="10000"/>
-                  </a:ext>
-                </a:extLst>
-              </a:tr>
-              <a:tr h="370850">
-                <a:tc>
-                  <a:txBody>
-                    <a:bodyPr/>
-                    <a:lstStyle/>
-                    <a:p>
-                      <a:pPr marL="0" marR="0" lvl="0" indent="0" algn="l" rtl="0">
-                        <a:spcBef>
-                          <a:spcPts val="0"/>
-                        </a:spcBef>
-                        <a:spcAft>
-                          <a:spcPts val="0"/>
-                        </a:spcAft>
-                        <a:buNone/>
-                      </a:pPr>
-                      <a:r>
-                        <a:rPr lang="en-US" sz="1800"/>
-                        <a:t>Quantitative</a:t>
-                      </a:r>
-                      <a:endParaRPr/>
-                    </a:p>
-                  </a:txBody>
-                  <a:tcPr marL="91450" marR="91450" marT="45725" marB="45725"/>
-                </a:tc>
-                <a:tc>
-                  <a:txBody>
-                    <a:bodyPr/>
-                    <a:lstStyle/>
-                    <a:p>
-                      <a:pPr marL="0" marR="0" lvl="0" indent="0" algn="l" rtl="0">
-                        <a:spcBef>
-                          <a:spcPts val="0"/>
-                        </a:spcBef>
-                        <a:spcAft>
-                          <a:spcPts val="0"/>
-                        </a:spcAft>
-                        <a:buNone/>
-                      </a:pPr>
-                      <a:r>
-                        <a:rPr lang="en-US" sz="1800"/>
-                        <a:t>Positivism (实证主义）</a:t>
-                      </a:r>
-                      <a:endParaRPr sz="1800"/>
-                    </a:p>
-                  </a:txBody>
-                  <a:tcPr marL="91450" marR="91450" marT="45725" marB="45725"/>
-                </a:tc>
-                <a:extLst>
-                  <a:ext uri="{0D108BD9-81ED-4DB2-BD59-A6C34878D82A}">
-                    <a16:rowId xmlns:a16="http://schemas.microsoft.com/office/drawing/2014/main" val="10001"/>
-                  </a:ext>
-                </a:extLst>
-              </a:tr>
-              <a:tr h="185425">
-                <a:tc>
-                  <a:txBody>
-                    <a:bodyPr/>
-                    <a:lstStyle/>
-                    <a:p>
-                      <a:pPr marL="0" marR="0" lvl="0" indent="0" algn="l" rtl="0">
-                        <a:spcBef>
-                          <a:spcPts val="0"/>
-                        </a:spcBef>
-                        <a:spcAft>
-                          <a:spcPts val="0"/>
-                        </a:spcAft>
-                        <a:buNone/>
-                      </a:pPr>
-                      <a:r>
-                        <a:rPr lang="en-US" sz="1800"/>
-                        <a:t>Qualitative</a:t>
-                      </a:r>
-                      <a:endParaRPr sz="1800"/>
-                    </a:p>
-                  </a:txBody>
-                  <a:tcPr marL="91450" marR="91450" marT="45725" marB="45725"/>
-                </a:tc>
-                <a:tc>
-                  <a:txBody>
-                    <a:bodyPr/>
-                    <a:lstStyle/>
-                    <a:p>
-                      <a:pPr marL="0" marR="0" lvl="0" indent="0" algn="l" rtl="0">
-                        <a:spcBef>
-                          <a:spcPts val="0"/>
-                        </a:spcBef>
-                        <a:spcAft>
-                          <a:spcPts val="0"/>
-                        </a:spcAft>
-                        <a:buNone/>
-                      </a:pPr>
-                      <a:r>
-                        <a:rPr lang="en-US" sz="1800"/>
-                        <a:t>Interpretivism （阐释主义）</a:t>
-                      </a:r>
-                      <a:endParaRPr sz="1800"/>
-                    </a:p>
-                  </a:txBody>
-                  <a:tcPr marL="91450" marR="91450" marT="45725" marB="45725"/>
-                </a:tc>
-                <a:extLst>
-                  <a:ext uri="{0D108BD9-81ED-4DB2-BD59-A6C34878D82A}">
-                    <a16:rowId xmlns:a16="http://schemas.microsoft.com/office/drawing/2014/main" val="10002"/>
-                  </a:ext>
-                </a:extLst>
-              </a:tr>
-              <a:tr h="185425">
-                <a:tc>
-                  <a:txBody>
-                    <a:bodyPr/>
-                    <a:lstStyle/>
-                    <a:p>
-                      <a:pPr marL="0" marR="0" lvl="0" indent="0" algn="l" rtl="0">
-                        <a:spcBef>
-                          <a:spcPts val="0"/>
-                        </a:spcBef>
-                        <a:spcAft>
-                          <a:spcPts val="0"/>
-                        </a:spcAft>
-                        <a:buNone/>
-                      </a:pPr>
-                      <a:r>
-                        <a:rPr lang="en-US" sz="1800"/>
-                        <a:t>Mixed methods</a:t>
-                      </a:r>
-                      <a:endParaRPr/>
-                    </a:p>
-                  </a:txBody>
-                  <a:tcPr marL="91450" marR="91450" marT="45725" marB="45725"/>
-                </a:tc>
-                <a:tc>
-                  <a:txBody>
-                    <a:bodyPr/>
-                    <a:lstStyle/>
-                    <a:p>
-                      <a:pPr marL="0" marR="0" lvl="0" indent="0" algn="l" rtl="0">
-                        <a:spcBef>
-                          <a:spcPts val="0"/>
-                        </a:spcBef>
-                        <a:spcAft>
-                          <a:spcPts val="0"/>
-                        </a:spcAft>
-                        <a:buNone/>
-                      </a:pPr>
-                      <a:r>
-                        <a:rPr lang="en-US" sz="1800"/>
-                        <a:t>Quanti + Qualitative</a:t>
-                      </a:r>
-                      <a:endParaRPr sz="1800"/>
-                    </a:p>
-                  </a:txBody>
-                  <a:tcPr marL="91450" marR="91450" marT="45725" marB="45725"/>
-                </a:tc>
-                <a:extLst>
-                  <a:ext uri="{0D108BD9-81ED-4DB2-BD59-A6C34878D82A}">
-                    <a16:rowId xmlns:a16="http://schemas.microsoft.com/office/drawing/2014/main" val="10003"/>
-                  </a:ext>
-                </a:extLst>
-              </a:tr>
-            </a:tbl>
-          </a:graphicData>
-        </a:graphic>
-      </p:graphicFrame>
-    </p:spTree>
-  </p:cSld>
-  <p:clrMapOvr>
-    <a:masterClrMapping/>
-  </p:clrMapOvr>
-</p:sld>
-</file>
-
-<file path=ppt/slides/slide15.xml><?xml version="1.0" encoding="utf-8"?>
+<file path=ppt/slides/slide11.xml><?xml version="1.0" encoding="utf-8"?>
 <p:sld xmlns:a="http://schemas.openxmlformats.org/drawingml/2006/main" xmlns:r="http://schemas.openxmlformats.org/officeDocument/2006/relationships" xmlns:p="http://schemas.openxmlformats.org/presentationml/2006/main">
   <p:cSld>
     <p:spTree>
@@ -28147,7 +25399,7 @@
 </p:sld>
 </file>
 
-<file path=ppt/slides/slide16.xml><?xml version="1.0" encoding="utf-8"?>
+<file path=ppt/slides/slide12.xml><?xml version="1.0" encoding="utf-8"?>
 <p:sld xmlns:a="http://schemas.openxmlformats.org/drawingml/2006/main" xmlns:r="http://schemas.openxmlformats.org/officeDocument/2006/relationships" xmlns:p="http://schemas.openxmlformats.org/presentationml/2006/main">
   <p:cSld>
     <p:spTree>
@@ -28753,7 +26005,7 @@
 </p:sld>
 </file>
 
-<file path=ppt/slides/slide17.xml><?xml version="1.0" encoding="utf-8"?>
+<file path=ppt/slides/slide13.xml><?xml version="1.0" encoding="utf-8"?>
 <p:sld xmlns:a="http://schemas.openxmlformats.org/drawingml/2006/main" xmlns:r="http://schemas.openxmlformats.org/officeDocument/2006/relationships" xmlns:p="http://schemas.openxmlformats.org/presentationml/2006/main">
   <p:cSld>
     <p:spTree>
@@ -29236,7 +26488,7 @@
 </p:sld>
 </file>
 
-<file path=ppt/slides/slide18.xml><?xml version="1.0" encoding="utf-8"?>
+<file path=ppt/slides/slide14.xml><?xml version="1.0" encoding="utf-8"?>
 <p:sld xmlns:a="http://schemas.openxmlformats.org/drawingml/2006/main" xmlns:r="http://schemas.openxmlformats.org/officeDocument/2006/relationships" xmlns:p="http://schemas.openxmlformats.org/presentationml/2006/main">
   <p:cSld>
     <p:spTree>
@@ -29562,7 +26814,7 @@
 </p:sld>
 </file>
 
-<file path=ppt/slides/slide19.xml><?xml version="1.0" encoding="utf-8"?>
+<file path=ppt/slides/slide15.xml><?xml version="1.0" encoding="utf-8"?>
 <p:sld xmlns:a="http://schemas.openxmlformats.org/drawingml/2006/main" xmlns:r="http://schemas.openxmlformats.org/officeDocument/2006/relationships" xmlns:p="http://schemas.openxmlformats.org/presentationml/2006/main">
   <p:cSld>
     <p:spTree>
@@ -30154,1080 +27406,7 @@
 </p:sld>
 </file>
 
-<file path=ppt/slides/slide2.xml><?xml version="1.0" encoding="utf-8"?>
-<p:sld xmlns:a="http://schemas.openxmlformats.org/drawingml/2006/main" xmlns:r="http://schemas.openxmlformats.org/officeDocument/2006/relationships" xmlns:p="http://schemas.openxmlformats.org/presentationml/2006/main">
-  <p:cSld>
-    <p:spTree>
-      <p:nvGrpSpPr>
-        <p:cNvPr id="1" name="Shape 158"/>
-        <p:cNvGrpSpPr/>
-        <p:nvPr/>
-      </p:nvGrpSpPr>
-      <p:grpSpPr>
-        <a:xfrm>
-          <a:off x="0" y="0"/>
-          <a:ext cx="0" cy="0"/>
-          <a:chOff x="0" y="0"/>
-          <a:chExt cx="0" cy="0"/>
-        </a:xfrm>
-      </p:grpSpPr>
-      <p:sp>
-        <p:nvSpPr>
-          <p:cNvPr id="159" name="Google Shape;159;p2"/>
-          <p:cNvSpPr txBox="1"/>
-          <p:nvPr/>
-        </p:nvSpPr>
-        <p:spPr>
-          <a:xfrm>
-            <a:off x="1066680" y="1914120"/>
-            <a:ext cx="10058040" cy="488160"/>
-          </a:xfrm>
-          <a:prstGeom prst="rect">
-            <a:avLst/>
-          </a:prstGeom>
-          <a:noFill/>
-          <a:ln>
-            <a:noFill/>
-          </a:ln>
-        </p:spPr>
-        <p:txBody>
-          <a:bodyPr spcFirstLastPara="1" wrap="square" lIns="91425" tIns="45700" rIns="91425" bIns="45700" anchor="ctr" anchorCtr="0">
-            <a:noAutofit/>
-          </a:bodyPr>
-          <a:lstStyle/>
-          <a:p>
-            <a:pPr marL="0" marR="0" lvl="0" indent="0" algn="ctr" rtl="0">
-              <a:lnSpc>
-                <a:spcPct val="90000"/>
-              </a:lnSpc>
-              <a:spcBef>
-                <a:spcPts val="0"/>
-              </a:spcBef>
-              <a:spcAft>
-                <a:spcPts val="0"/>
-              </a:spcAft>
-              <a:buNone/>
-            </a:pPr>
-            <a:r>
-              <a:rPr lang="en-US" sz="4400" b="0" i="0" u="none" strike="noStrike" cap="none">
-                <a:solidFill>
-                  <a:srgbClr val="404040"/>
-                </a:solidFill>
-                <a:latin typeface="Arial"/>
-                <a:ea typeface="Arial"/>
-                <a:cs typeface="Arial"/>
-                <a:sym typeface="Arial"/>
-              </a:rPr>
-              <a:t>课程安排</a:t>
-            </a:r>
-            <a:endParaRPr sz="4400" b="0" i="0" u="none" strike="noStrike" cap="none">
-              <a:solidFill>
-                <a:srgbClr val="000000"/>
-              </a:solidFill>
-              <a:latin typeface="Calibri"/>
-              <a:ea typeface="Calibri"/>
-              <a:cs typeface="Calibri"/>
-              <a:sym typeface="Calibri"/>
-            </a:endParaRPr>
-          </a:p>
-        </p:txBody>
-      </p:sp>
-      <p:sp>
-        <p:nvSpPr>
-          <p:cNvPr id="162" name="Google Shape;162;p2"/>
-          <p:cNvSpPr/>
-          <p:nvPr/>
-        </p:nvSpPr>
-        <p:spPr>
-          <a:xfrm>
-            <a:off x="3506880" y="5327640"/>
-            <a:ext cx="2588820" cy="229320"/>
-          </a:xfrm>
-          <a:prstGeom prst="rect">
-            <a:avLst/>
-          </a:prstGeom>
-          <a:noFill/>
-          <a:ln>
-            <a:noFill/>
-          </a:ln>
-        </p:spPr>
-        <p:txBody>
-          <a:bodyPr spcFirstLastPara="1" wrap="square" lIns="91425" tIns="45700" rIns="91425" bIns="45700" anchor="ctr" anchorCtr="0">
-            <a:noAutofit/>
-          </a:bodyPr>
-          <a:lstStyle/>
-          <a:p>
-            <a:pPr marL="0" marR="0" lvl="0" indent="0" algn="ctr" rtl="0">
-              <a:lnSpc>
-                <a:spcPct val="90000"/>
-              </a:lnSpc>
-              <a:spcBef>
-                <a:spcPts val="0"/>
-              </a:spcBef>
-              <a:spcAft>
-                <a:spcPts val="0"/>
-              </a:spcAft>
-              <a:buNone/>
-            </a:pPr>
-            <a:r>
-              <a:rPr lang="en-US" sz="2800" b="0" i="0" u="none" strike="noStrike" cap="none">
-                <a:solidFill>
-                  <a:srgbClr val="808080"/>
-                </a:solidFill>
-                <a:latin typeface="Arial"/>
-                <a:ea typeface="Arial"/>
-                <a:cs typeface="Arial"/>
-                <a:sym typeface="Arial"/>
-              </a:rPr>
-              <a:t>What counts as</a:t>
-            </a:r>
-            <a:endParaRPr/>
-          </a:p>
-          <a:p>
-            <a:pPr marL="0" marR="0" lvl="0" indent="0" algn="ctr" rtl="0">
-              <a:lnSpc>
-                <a:spcPct val="90000"/>
-              </a:lnSpc>
-              <a:spcBef>
-                <a:spcPts val="1001"/>
-              </a:spcBef>
-              <a:spcAft>
-                <a:spcPts val="0"/>
-              </a:spcAft>
-              <a:buNone/>
-            </a:pPr>
-            <a:r>
-              <a:rPr lang="en-US" sz="2800" b="0" i="0" u="none" strike="noStrike" cap="none">
-                <a:solidFill>
-                  <a:srgbClr val="808080"/>
-                </a:solidFill>
-                <a:latin typeface="Arial"/>
-                <a:ea typeface="Arial"/>
-                <a:cs typeface="Arial"/>
-                <a:sym typeface="Arial"/>
-              </a:rPr>
-              <a:t>sociological research?</a:t>
-            </a:r>
-            <a:endParaRPr sz="2800" b="0" i="0" u="none" strike="noStrike" cap="none">
-              <a:solidFill>
-                <a:schemeClr val="dk1"/>
-              </a:solidFill>
-              <a:latin typeface="Arial"/>
-              <a:ea typeface="Arial"/>
-              <a:cs typeface="Arial"/>
-              <a:sym typeface="Arial"/>
-            </a:endParaRPr>
-          </a:p>
-        </p:txBody>
-      </p:sp>
-      <p:sp>
-        <p:nvSpPr>
-          <p:cNvPr id="163" name="Google Shape;163;p2"/>
-          <p:cNvSpPr/>
-          <p:nvPr/>
-        </p:nvSpPr>
-        <p:spPr>
-          <a:xfrm>
-            <a:off x="1275840" y="3580560"/>
-            <a:ext cx="1131120" cy="1130040"/>
-          </a:xfrm>
-          <a:prstGeom prst="ellipse">
-            <a:avLst/>
-          </a:prstGeom>
-          <a:gradFill>
-            <a:gsLst>
-              <a:gs pos="0">
-                <a:srgbClr val="FFAA49"/>
-              </a:gs>
-              <a:gs pos="21000">
-                <a:srgbClr val="FE9364"/>
-              </a:gs>
-              <a:gs pos="63000">
-                <a:srgbClr val="F9656A"/>
-              </a:gs>
-              <a:gs pos="100000">
-                <a:srgbClr val="F96566"/>
-              </a:gs>
-            </a:gsLst>
-            <a:lin ang="10800000" scaled="0"/>
-          </a:gradFill>
-          <a:ln>
-            <a:noFill/>
-          </a:ln>
-        </p:spPr>
-        <p:txBody>
-          <a:bodyPr spcFirstLastPara="1" wrap="square" lIns="90000" tIns="45000" rIns="90000" bIns="45000" anchor="ctr" anchorCtr="0">
-            <a:noAutofit/>
-          </a:bodyPr>
-          <a:lstStyle/>
-          <a:p>
-            <a:pPr marL="0" marR="0" lvl="0" indent="0" algn="ctr" rtl="0">
-              <a:lnSpc>
-                <a:spcPct val="100000"/>
-              </a:lnSpc>
-              <a:spcBef>
-                <a:spcPts val="0"/>
-              </a:spcBef>
-              <a:spcAft>
-                <a:spcPts val="0"/>
-              </a:spcAft>
-              <a:buNone/>
-            </a:pPr>
-            <a:r>
-              <a:rPr lang="en-US" sz="6000" b="0" i="0" u="none" strike="noStrike" cap="none">
-                <a:solidFill>
-                  <a:srgbClr val="FFFFFF"/>
-                </a:solidFill>
-                <a:latin typeface="Arial"/>
-                <a:ea typeface="Arial"/>
-                <a:cs typeface="Arial"/>
-                <a:sym typeface="Arial"/>
-              </a:rPr>
-              <a:t>1</a:t>
-            </a:r>
-            <a:endParaRPr sz="6000" b="0" i="0" u="none" strike="noStrike" cap="none">
-              <a:solidFill>
-                <a:schemeClr val="dk1"/>
-              </a:solidFill>
-              <a:latin typeface="Arial"/>
-              <a:ea typeface="Arial"/>
-              <a:cs typeface="Arial"/>
-              <a:sym typeface="Arial"/>
-            </a:endParaRPr>
-          </a:p>
-        </p:txBody>
-      </p:sp>
-      <p:sp>
-        <p:nvSpPr>
-          <p:cNvPr id="164" name="Google Shape;164;p2"/>
-          <p:cNvSpPr/>
-          <p:nvPr/>
-        </p:nvSpPr>
-        <p:spPr>
-          <a:xfrm>
-            <a:off x="4125600" y="3580560"/>
-            <a:ext cx="1131120" cy="1130040"/>
-          </a:xfrm>
-          <a:prstGeom prst="ellipse">
-            <a:avLst/>
-          </a:prstGeom>
-          <a:gradFill>
-            <a:gsLst>
-              <a:gs pos="0">
-                <a:srgbClr val="FFAA49"/>
-              </a:gs>
-              <a:gs pos="21000">
-                <a:srgbClr val="FE9364"/>
-              </a:gs>
-              <a:gs pos="63000">
-                <a:srgbClr val="F9656A"/>
-              </a:gs>
-              <a:gs pos="100000">
-                <a:srgbClr val="F96566"/>
-              </a:gs>
-            </a:gsLst>
-            <a:lin ang="10800000" scaled="0"/>
-          </a:gradFill>
-          <a:ln>
-            <a:noFill/>
-          </a:ln>
-        </p:spPr>
-        <p:txBody>
-          <a:bodyPr spcFirstLastPara="1" wrap="square" lIns="90000" tIns="45000" rIns="90000" bIns="45000" anchor="ctr" anchorCtr="0">
-            <a:noAutofit/>
-          </a:bodyPr>
-          <a:lstStyle/>
-          <a:p>
-            <a:pPr marL="0" marR="0" lvl="0" indent="0" algn="ctr" rtl="0">
-              <a:lnSpc>
-                <a:spcPct val="100000"/>
-              </a:lnSpc>
-              <a:spcBef>
-                <a:spcPts val="0"/>
-              </a:spcBef>
-              <a:spcAft>
-                <a:spcPts val="0"/>
-              </a:spcAft>
-              <a:buNone/>
-            </a:pPr>
-            <a:r>
-              <a:rPr lang="en-US" sz="6000" b="0" i="0" u="none" strike="noStrike" cap="none">
-                <a:solidFill>
-                  <a:srgbClr val="FFFFFF"/>
-                </a:solidFill>
-                <a:latin typeface="Arial"/>
-                <a:ea typeface="Arial"/>
-                <a:cs typeface="Arial"/>
-                <a:sym typeface="Arial"/>
-              </a:rPr>
-              <a:t>2</a:t>
-            </a:r>
-            <a:endParaRPr sz="6000" b="0" i="0" u="none" strike="noStrike" cap="none">
-              <a:solidFill>
-                <a:schemeClr val="dk1"/>
-              </a:solidFill>
-              <a:latin typeface="Arial"/>
-              <a:ea typeface="Arial"/>
-              <a:cs typeface="Arial"/>
-              <a:sym typeface="Arial"/>
-            </a:endParaRPr>
-          </a:p>
-        </p:txBody>
-      </p:sp>
-      <p:sp>
-        <p:nvSpPr>
-          <p:cNvPr id="165" name="Google Shape;165;p2"/>
-          <p:cNvSpPr/>
-          <p:nvPr/>
-        </p:nvSpPr>
-        <p:spPr>
-          <a:xfrm>
-            <a:off x="6321254" y="5321280"/>
-            <a:ext cx="2334932" cy="229320"/>
-          </a:xfrm>
-          <a:prstGeom prst="rect">
-            <a:avLst/>
-          </a:prstGeom>
-          <a:noFill/>
-          <a:ln>
-            <a:noFill/>
-          </a:ln>
-        </p:spPr>
-        <p:txBody>
-          <a:bodyPr spcFirstLastPara="1" wrap="square" lIns="91425" tIns="45700" rIns="91425" bIns="45700" anchor="ctr" anchorCtr="0">
-            <a:noAutofit/>
-          </a:bodyPr>
-          <a:lstStyle/>
-          <a:p>
-            <a:pPr marL="0" marR="0" lvl="0" indent="0" algn="ctr" rtl="0">
-              <a:lnSpc>
-                <a:spcPct val="90000"/>
-              </a:lnSpc>
-              <a:spcBef>
-                <a:spcPts val="0"/>
-              </a:spcBef>
-              <a:spcAft>
-                <a:spcPts val="0"/>
-              </a:spcAft>
-              <a:buNone/>
-            </a:pPr>
-            <a:r>
-              <a:rPr lang="en-US" sz="2800" b="0" i="0" u="none" strike="noStrike" cap="none">
-                <a:solidFill>
-                  <a:srgbClr val="808080"/>
-                </a:solidFill>
-                <a:latin typeface="Arial"/>
-                <a:ea typeface="Arial"/>
-                <a:cs typeface="Arial"/>
-                <a:sym typeface="Arial"/>
-              </a:rPr>
-              <a:t>A brief overview of the history of sociology</a:t>
-            </a:r>
-            <a:endParaRPr/>
-          </a:p>
-        </p:txBody>
-      </p:sp>
-      <p:sp>
-        <p:nvSpPr>
-          <p:cNvPr id="166" name="Google Shape;166;p2"/>
-          <p:cNvSpPr/>
-          <p:nvPr/>
-        </p:nvSpPr>
-        <p:spPr>
-          <a:xfrm>
-            <a:off x="6923160" y="3580560"/>
-            <a:ext cx="1131120" cy="1130040"/>
-          </a:xfrm>
-          <a:prstGeom prst="ellipse">
-            <a:avLst/>
-          </a:prstGeom>
-          <a:gradFill>
-            <a:gsLst>
-              <a:gs pos="0">
-                <a:srgbClr val="FFAA49"/>
-              </a:gs>
-              <a:gs pos="21000">
-                <a:srgbClr val="FE9364"/>
-              </a:gs>
-              <a:gs pos="63000">
-                <a:srgbClr val="F9656A"/>
-              </a:gs>
-              <a:gs pos="100000">
-                <a:srgbClr val="F96566"/>
-              </a:gs>
-            </a:gsLst>
-            <a:lin ang="10800000" scaled="0"/>
-          </a:gradFill>
-          <a:ln>
-            <a:noFill/>
-          </a:ln>
-        </p:spPr>
-        <p:txBody>
-          <a:bodyPr spcFirstLastPara="1" wrap="square" lIns="90000" tIns="45000" rIns="90000" bIns="45000" anchor="ctr" anchorCtr="0">
-            <a:noAutofit/>
-          </a:bodyPr>
-          <a:lstStyle/>
-          <a:p>
-            <a:pPr marL="0" marR="0" lvl="0" indent="0" algn="ctr" rtl="0">
-              <a:lnSpc>
-                <a:spcPct val="100000"/>
-              </a:lnSpc>
-              <a:spcBef>
-                <a:spcPts val="0"/>
-              </a:spcBef>
-              <a:spcAft>
-                <a:spcPts val="0"/>
-              </a:spcAft>
-              <a:buNone/>
-            </a:pPr>
-            <a:r>
-              <a:rPr lang="en-US" sz="6000" b="0" i="0" u="none" strike="noStrike" cap="none">
-                <a:solidFill>
-                  <a:srgbClr val="FFFFFF"/>
-                </a:solidFill>
-                <a:latin typeface="Arial"/>
-                <a:ea typeface="Arial"/>
-                <a:cs typeface="Arial"/>
-                <a:sym typeface="Arial"/>
-              </a:rPr>
-              <a:t>3</a:t>
-            </a:r>
-            <a:endParaRPr sz="6000" b="0" i="0" u="none" strike="noStrike" cap="none">
-              <a:solidFill>
-                <a:schemeClr val="dk1"/>
-              </a:solidFill>
-              <a:latin typeface="Arial"/>
-              <a:ea typeface="Arial"/>
-              <a:cs typeface="Arial"/>
-              <a:sym typeface="Arial"/>
-            </a:endParaRPr>
-          </a:p>
-        </p:txBody>
-      </p:sp>
-      <p:sp>
-        <p:nvSpPr>
-          <p:cNvPr id="167" name="Google Shape;167;p2"/>
-          <p:cNvSpPr/>
-          <p:nvPr/>
-        </p:nvSpPr>
-        <p:spPr>
-          <a:xfrm>
-            <a:off x="546990" y="5321280"/>
-            <a:ext cx="2588820" cy="229320"/>
-          </a:xfrm>
-          <a:prstGeom prst="rect">
-            <a:avLst/>
-          </a:prstGeom>
-          <a:noFill/>
-          <a:ln>
-            <a:noFill/>
-          </a:ln>
-        </p:spPr>
-        <p:txBody>
-          <a:bodyPr spcFirstLastPara="1" wrap="square" lIns="91425" tIns="45700" rIns="91425" bIns="45700" anchor="ctr" anchorCtr="0">
-            <a:noAutofit/>
-          </a:bodyPr>
-          <a:lstStyle/>
-          <a:p>
-            <a:pPr marL="0" marR="0" lvl="0" indent="0" algn="ctr" rtl="0">
-              <a:lnSpc>
-                <a:spcPct val="90000"/>
-              </a:lnSpc>
-              <a:spcBef>
-                <a:spcPts val="0"/>
-              </a:spcBef>
-              <a:spcAft>
-                <a:spcPts val="0"/>
-              </a:spcAft>
-              <a:buNone/>
-            </a:pPr>
-            <a:r>
-              <a:rPr lang="en-US" sz="2800" b="0" i="0" u="none" strike="noStrike" cap="none">
-                <a:solidFill>
-                  <a:srgbClr val="808080"/>
-                </a:solidFill>
-                <a:latin typeface="Arial"/>
-                <a:ea typeface="Arial"/>
-                <a:cs typeface="Arial"/>
-                <a:sym typeface="Arial"/>
-              </a:rPr>
-              <a:t>What is sociological thinking?</a:t>
-            </a:r>
-            <a:endParaRPr sz="2800" b="0" i="0" u="none" strike="noStrike" cap="none">
-              <a:solidFill>
-                <a:schemeClr val="dk1"/>
-              </a:solidFill>
-              <a:latin typeface="Arial"/>
-              <a:ea typeface="Arial"/>
-              <a:cs typeface="Arial"/>
-              <a:sym typeface="Arial"/>
-            </a:endParaRPr>
-          </a:p>
-        </p:txBody>
-      </p:sp>
-    </p:spTree>
-  </p:cSld>
-  <p:clrMapOvr>
-    <a:masterClrMapping/>
-  </p:clrMapOvr>
-</p:sld>
-</file>
-
-<file path=ppt/slides/slide20.xml><?xml version="1.0" encoding="utf-8"?>
-<p:sld xmlns:a="http://schemas.openxmlformats.org/drawingml/2006/main" xmlns:r="http://schemas.openxmlformats.org/officeDocument/2006/relationships" xmlns:p="http://schemas.openxmlformats.org/presentationml/2006/main">
-  <p:cSld>
-    <p:spTree>
-      <p:nvGrpSpPr>
-        <p:cNvPr id="1" name="Shape 352"/>
-        <p:cNvGrpSpPr/>
-        <p:nvPr/>
-      </p:nvGrpSpPr>
-      <p:grpSpPr>
-        <a:xfrm>
-          <a:off x="0" y="0"/>
-          <a:ext cx="0" cy="0"/>
-          <a:chOff x="0" y="0"/>
-          <a:chExt cx="0" cy="0"/>
-        </a:xfrm>
-      </p:grpSpPr>
-      <p:sp>
-        <p:nvSpPr>
-          <p:cNvPr id="353" name="Google Shape;353;p18"/>
-          <p:cNvSpPr txBox="1">
-            <a:spLocks noGrp="1"/>
-          </p:cNvSpPr>
-          <p:nvPr>
-            <p:ph type="title"/>
-          </p:nvPr>
-        </p:nvSpPr>
-        <p:spPr>
-          <a:xfrm>
-            <a:off x="838080" y="365040"/>
-            <a:ext cx="10515240" cy="1325160"/>
-          </a:xfrm>
-          <a:prstGeom prst="rect">
-            <a:avLst/>
-          </a:prstGeom>
-          <a:noFill/>
-          <a:ln>
-            <a:noFill/>
-          </a:ln>
-        </p:spPr>
-        <p:txBody>
-          <a:bodyPr spcFirstLastPara="1" wrap="square" lIns="91425" tIns="45700" rIns="91425" bIns="45700" anchor="ctr" anchorCtr="0">
-            <a:noAutofit/>
-          </a:bodyPr>
-          <a:lstStyle/>
-          <a:p>
-            <a:pPr marL="0" lvl="0" indent="0" algn="l" rtl="0">
-              <a:lnSpc>
-                <a:spcPct val="90000"/>
-              </a:lnSpc>
-              <a:spcBef>
-                <a:spcPts val="0"/>
-              </a:spcBef>
-              <a:spcAft>
-                <a:spcPts val="0"/>
-              </a:spcAft>
-              <a:buClr>
-                <a:schemeClr val="dk1"/>
-              </a:buClr>
-              <a:buSzPts val="4400"/>
-              <a:buFont typeface="Arial"/>
-              <a:buNone/>
-            </a:pPr>
-            <a:r>
-              <a:rPr lang="en-US"/>
-              <a:t>Max Weber:</a:t>
-            </a:r>
-            <a:r>
-              <a:rPr lang="en-US">
-                <a:solidFill>
-                  <a:srgbClr val="FF0000"/>
-                </a:solidFill>
-              </a:rPr>
-              <a:t> </a:t>
-            </a:r>
-            <a:r>
-              <a:rPr lang="en-US"/>
-              <a:t>Germany 1864 – 1920</a:t>
-            </a:r>
-            <a:endParaRPr/>
-          </a:p>
-        </p:txBody>
-      </p:sp>
-      <p:sp>
-        <p:nvSpPr>
-          <p:cNvPr id="354" name="Google Shape;354;p18"/>
-          <p:cNvSpPr txBox="1">
-            <a:spLocks noGrp="1"/>
-          </p:cNvSpPr>
-          <p:nvPr>
-            <p:ph type="body" idx="1"/>
-          </p:nvPr>
-        </p:nvSpPr>
-        <p:spPr>
-          <a:xfrm>
-            <a:off x="838200" y="1314450"/>
-            <a:ext cx="9496425" cy="4862513"/>
-          </a:xfrm>
-          <a:prstGeom prst="rect">
-            <a:avLst/>
-          </a:prstGeom>
-          <a:noFill/>
-          <a:ln>
-            <a:noFill/>
-          </a:ln>
-        </p:spPr>
-        <p:txBody>
-          <a:bodyPr spcFirstLastPara="1" wrap="square" lIns="91425" tIns="45700" rIns="91425" bIns="45700" anchor="t" anchorCtr="0">
-            <a:normAutofit/>
-          </a:bodyPr>
-          <a:lstStyle/>
-          <a:p>
-            <a:pPr marL="228600" lvl="0" indent="-228600" algn="l" rtl="0">
-              <a:lnSpc>
-                <a:spcPct val="90000"/>
-              </a:lnSpc>
-              <a:spcBef>
-                <a:spcPts val="0"/>
-              </a:spcBef>
-              <a:spcAft>
-                <a:spcPts val="0"/>
-              </a:spcAft>
-              <a:buClr>
-                <a:schemeClr val="dk1"/>
-              </a:buClr>
-              <a:buSzPts val="2800"/>
-              <a:buChar char="•"/>
-            </a:pPr>
-            <a:r>
-              <a:rPr lang="en-US"/>
-              <a:t>Review</a:t>
-            </a:r>
-            <a:endParaRPr/>
-          </a:p>
-          <a:p>
-            <a:pPr marL="685800" lvl="1" indent="-228600" algn="l" rtl="0">
-              <a:lnSpc>
-                <a:spcPct val="90000"/>
-              </a:lnSpc>
-              <a:spcBef>
-                <a:spcPts val="500"/>
-              </a:spcBef>
-              <a:spcAft>
-                <a:spcPts val="0"/>
-              </a:spcAft>
-              <a:buClr>
-                <a:schemeClr val="dk1"/>
-              </a:buClr>
-              <a:buSzPts val="2400"/>
-              <a:buChar char="•"/>
-            </a:pPr>
-            <a:r>
-              <a:rPr lang="en-US"/>
-              <a:t>Social action</a:t>
-            </a:r>
-            <a:endParaRPr/>
-          </a:p>
-          <a:p>
-            <a:pPr marL="685800" lvl="1" indent="-228600" algn="l" rtl="0">
-              <a:lnSpc>
-                <a:spcPct val="90000"/>
-              </a:lnSpc>
-              <a:spcBef>
-                <a:spcPts val="500"/>
-              </a:spcBef>
-              <a:spcAft>
-                <a:spcPts val="0"/>
-              </a:spcAft>
-              <a:buClr>
-                <a:schemeClr val="dk1"/>
-              </a:buClr>
-              <a:buSzPts val="2400"/>
-              <a:buChar char="•"/>
-            </a:pPr>
-            <a:r>
-              <a:rPr lang="en-US"/>
-              <a:t>Interpretive sociology (Verstehen)</a:t>
-            </a:r>
-            <a:endParaRPr/>
-          </a:p>
-          <a:p>
-            <a:pPr marL="685800" lvl="1" indent="-228600" algn="l" rtl="0">
-              <a:lnSpc>
-                <a:spcPct val="90000"/>
-              </a:lnSpc>
-              <a:spcBef>
-                <a:spcPts val="500"/>
-              </a:spcBef>
-              <a:spcAft>
-                <a:spcPts val="0"/>
-              </a:spcAft>
-              <a:buClr>
-                <a:schemeClr val="dk1"/>
-              </a:buClr>
-              <a:buSzPts val="2400"/>
-              <a:buChar char="•"/>
-            </a:pPr>
-            <a:r>
-              <a:rPr lang="en-US"/>
-              <a:t>Value free</a:t>
-            </a:r>
-            <a:endParaRPr/>
-          </a:p>
-        </p:txBody>
-      </p:sp>
-      <p:pic>
-        <p:nvPicPr>
-          <p:cNvPr id="355" name="Google Shape;355;p18" descr="Image result for max weber"/>
-          <p:cNvPicPr preferRelativeResize="0"/>
-          <p:nvPr/>
-        </p:nvPicPr>
-        <p:blipFill rotWithShape="1">
-          <a:blip r:embed="rId3">
-            <a:alphaModFix/>
-          </a:blip>
-          <a:srcRect/>
-          <a:stretch/>
-        </p:blipFill>
-        <p:spPr>
-          <a:xfrm>
-            <a:off x="10210800" y="123825"/>
-            <a:ext cx="1876425" cy="2428875"/>
-          </a:xfrm>
-          <a:prstGeom prst="rect">
-            <a:avLst/>
-          </a:prstGeom>
-          <a:noFill/>
-          <a:ln>
-            <a:noFill/>
-          </a:ln>
-        </p:spPr>
-      </p:pic>
-    </p:spTree>
-  </p:cSld>
-  <p:clrMapOvr>
-    <a:masterClrMapping/>
-  </p:clrMapOvr>
-</p:sld>
-</file>
-
-<file path=ppt/slides/slide21.xml><?xml version="1.0" encoding="utf-8"?>
-<p:sld xmlns:a="http://schemas.openxmlformats.org/drawingml/2006/main" xmlns:r="http://schemas.openxmlformats.org/officeDocument/2006/relationships" xmlns:p="http://schemas.openxmlformats.org/presentationml/2006/main">
-  <p:cSld>
-    <p:spTree>
-      <p:nvGrpSpPr>
-        <p:cNvPr id="1" name="Shape 363"/>
-        <p:cNvGrpSpPr/>
-        <p:nvPr/>
-      </p:nvGrpSpPr>
-      <p:grpSpPr>
-        <a:xfrm>
-          <a:off x="0" y="0"/>
-          <a:ext cx="0" cy="0"/>
-          <a:chOff x="0" y="0"/>
-          <a:chExt cx="0" cy="0"/>
-        </a:xfrm>
-      </p:grpSpPr>
-      <p:sp>
-        <p:nvSpPr>
-          <p:cNvPr id="364" name="Google Shape;364;p19"/>
-          <p:cNvSpPr txBox="1">
-            <a:spLocks noGrp="1"/>
-          </p:cNvSpPr>
-          <p:nvPr>
-            <p:ph type="title"/>
-          </p:nvPr>
-        </p:nvSpPr>
-        <p:spPr>
-          <a:xfrm>
-            <a:off x="838080" y="365040"/>
-            <a:ext cx="10515240" cy="1325160"/>
-          </a:xfrm>
-          <a:prstGeom prst="rect">
-            <a:avLst/>
-          </a:prstGeom>
-          <a:noFill/>
-          <a:ln>
-            <a:noFill/>
-          </a:ln>
-        </p:spPr>
-        <p:txBody>
-          <a:bodyPr spcFirstLastPara="1" wrap="square" lIns="91425" tIns="45700" rIns="91425" bIns="45700" anchor="ctr" anchorCtr="0">
-            <a:noAutofit/>
-          </a:bodyPr>
-          <a:lstStyle/>
-          <a:p>
-            <a:pPr marL="0" lvl="0" indent="0" algn="l" rtl="0">
-              <a:lnSpc>
-                <a:spcPct val="90000"/>
-              </a:lnSpc>
-              <a:spcBef>
-                <a:spcPts val="0"/>
-              </a:spcBef>
-              <a:spcAft>
-                <a:spcPts val="0"/>
-              </a:spcAft>
-              <a:buClr>
-                <a:schemeClr val="dk1"/>
-              </a:buClr>
-              <a:buSzPts val="4400"/>
-              <a:buFont typeface="Arial"/>
-              <a:buNone/>
-            </a:pPr>
-            <a:r>
-              <a:rPr lang="en-US"/>
-              <a:t>Max Weber:</a:t>
-            </a:r>
-            <a:r>
-              <a:rPr lang="en-US">
-                <a:solidFill>
-                  <a:srgbClr val="FF0000"/>
-                </a:solidFill>
-              </a:rPr>
-              <a:t> </a:t>
-            </a:r>
-            <a:r>
-              <a:rPr lang="en-US"/>
-              <a:t>Germany 1864 – 1920</a:t>
-            </a:r>
-            <a:endParaRPr/>
-          </a:p>
-        </p:txBody>
-      </p:sp>
-      <p:sp>
-        <p:nvSpPr>
-          <p:cNvPr id="365" name="Google Shape;365;p19"/>
-          <p:cNvSpPr txBox="1">
-            <a:spLocks noGrp="1"/>
-          </p:cNvSpPr>
-          <p:nvPr>
-            <p:ph type="body" idx="1"/>
-          </p:nvPr>
-        </p:nvSpPr>
-        <p:spPr>
-          <a:xfrm>
-            <a:off x="838200" y="1314450"/>
-            <a:ext cx="9496425" cy="4862513"/>
-          </a:xfrm>
-          <a:prstGeom prst="rect">
-            <a:avLst/>
-          </a:prstGeom>
-          <a:noFill/>
-          <a:ln>
-            <a:noFill/>
-          </a:ln>
-        </p:spPr>
-        <p:txBody>
-          <a:bodyPr spcFirstLastPara="1" wrap="square" lIns="91425" tIns="45700" rIns="91425" bIns="45700" anchor="t" anchorCtr="0">
-            <a:normAutofit/>
-          </a:bodyPr>
-          <a:lstStyle/>
-          <a:p>
-            <a:pPr marL="228600" lvl="0" indent="-228600" algn="l" rtl="0">
-              <a:lnSpc>
-                <a:spcPct val="90000"/>
-              </a:lnSpc>
-              <a:spcBef>
-                <a:spcPts val="0"/>
-              </a:spcBef>
-              <a:spcAft>
-                <a:spcPts val="0"/>
-              </a:spcAft>
-              <a:buClr>
-                <a:schemeClr val="dk1"/>
-              </a:buClr>
-              <a:buSzPts val="2800"/>
-              <a:buChar char="•"/>
-            </a:pPr>
-            <a:r>
-              <a:rPr lang="en-US"/>
-              <a:t>Review</a:t>
-            </a:r>
-            <a:endParaRPr/>
-          </a:p>
-          <a:p>
-            <a:pPr marL="685800" lvl="1" indent="-228600" algn="l" rtl="0">
-              <a:lnSpc>
-                <a:spcPct val="90000"/>
-              </a:lnSpc>
-              <a:spcBef>
-                <a:spcPts val="500"/>
-              </a:spcBef>
-              <a:spcAft>
-                <a:spcPts val="0"/>
-              </a:spcAft>
-              <a:buClr>
-                <a:schemeClr val="dk1"/>
-              </a:buClr>
-              <a:buSzPts val="2400"/>
-              <a:buChar char="•"/>
-            </a:pPr>
-            <a:r>
-              <a:rPr lang="en-US"/>
-              <a:t>Social action</a:t>
-            </a:r>
-            <a:endParaRPr/>
-          </a:p>
-          <a:p>
-            <a:pPr marL="685800" lvl="1" indent="-228600" algn="l" rtl="0">
-              <a:lnSpc>
-                <a:spcPct val="90000"/>
-              </a:lnSpc>
-              <a:spcBef>
-                <a:spcPts val="500"/>
-              </a:spcBef>
-              <a:spcAft>
-                <a:spcPts val="0"/>
-              </a:spcAft>
-              <a:buClr>
-                <a:schemeClr val="dk1"/>
-              </a:buClr>
-              <a:buSzPts val="2400"/>
-              <a:buChar char="•"/>
-            </a:pPr>
-            <a:r>
-              <a:rPr lang="en-US"/>
-              <a:t>Interpretive sociology (Verstehen)</a:t>
-            </a:r>
-            <a:endParaRPr/>
-          </a:p>
-          <a:p>
-            <a:pPr marL="685800" lvl="1" indent="-228600" algn="l" rtl="0">
-              <a:lnSpc>
-                <a:spcPct val="90000"/>
-              </a:lnSpc>
-              <a:spcBef>
-                <a:spcPts val="500"/>
-              </a:spcBef>
-              <a:spcAft>
-                <a:spcPts val="0"/>
-              </a:spcAft>
-              <a:buClr>
-                <a:schemeClr val="dk1"/>
-              </a:buClr>
-              <a:buSzPts val="2400"/>
-              <a:buChar char="•"/>
-            </a:pPr>
-            <a:r>
-              <a:rPr lang="en-US"/>
-              <a:t>Value free</a:t>
-            </a:r>
-            <a:endParaRPr/>
-          </a:p>
-        </p:txBody>
-      </p:sp>
-      <p:pic>
-        <p:nvPicPr>
-          <p:cNvPr id="366" name="Google Shape;366;p19" descr="Image result for max weber"/>
-          <p:cNvPicPr preferRelativeResize="0"/>
-          <p:nvPr/>
-        </p:nvPicPr>
-        <p:blipFill rotWithShape="1">
-          <a:blip r:embed="rId3">
-            <a:alphaModFix/>
-          </a:blip>
-          <a:srcRect/>
-          <a:stretch/>
-        </p:blipFill>
-        <p:spPr>
-          <a:xfrm>
-            <a:off x="10210800" y="123825"/>
-            <a:ext cx="1876425" cy="2428875"/>
-          </a:xfrm>
-          <a:prstGeom prst="rect">
-            <a:avLst/>
-          </a:prstGeom>
-          <a:noFill/>
-          <a:ln>
-            <a:noFill/>
-          </a:ln>
-        </p:spPr>
-      </p:pic>
-      <p:sp>
-        <p:nvSpPr>
-          <p:cNvPr id="367" name="Google Shape;367;p19"/>
-          <p:cNvSpPr txBox="1"/>
-          <p:nvPr/>
-        </p:nvSpPr>
-        <p:spPr>
-          <a:xfrm>
-            <a:off x="704850" y="3190875"/>
-            <a:ext cx="6810375" cy="1200329"/>
-          </a:xfrm>
-          <a:prstGeom prst="rect">
-            <a:avLst/>
-          </a:prstGeom>
-          <a:noFill/>
-          <a:ln>
-            <a:noFill/>
-          </a:ln>
-        </p:spPr>
-        <p:txBody>
-          <a:bodyPr spcFirstLastPara="1" wrap="square" lIns="91425" tIns="45700" rIns="91425" bIns="45700" anchor="t" anchorCtr="0">
-            <a:spAutoFit/>
-          </a:bodyPr>
-          <a:lstStyle/>
-          <a:p>
-            <a:pPr marL="0" marR="0" lvl="0" indent="0" algn="l" rtl="0">
-              <a:spcBef>
-                <a:spcPts val="0"/>
-              </a:spcBef>
-              <a:spcAft>
-                <a:spcPts val="0"/>
-              </a:spcAft>
-              <a:buNone/>
-            </a:pPr>
-            <a:r>
-              <a:rPr lang="en-US" sz="2400">
-                <a:solidFill>
-                  <a:schemeClr val="dk1"/>
-                </a:solidFill>
-                <a:latin typeface="Arial"/>
-                <a:ea typeface="Arial"/>
-                <a:cs typeface="Arial"/>
-                <a:sym typeface="Arial"/>
-              </a:rPr>
-              <a:t>Key words:</a:t>
-            </a:r>
-            <a:endParaRPr/>
-          </a:p>
-          <a:p>
-            <a:pPr marL="0" marR="0" lvl="0" indent="0" algn="l" rtl="0">
-              <a:spcBef>
-                <a:spcPts val="0"/>
-              </a:spcBef>
-              <a:spcAft>
-                <a:spcPts val="0"/>
-              </a:spcAft>
-              <a:buNone/>
-            </a:pPr>
-            <a:r>
-              <a:rPr lang="en-US" sz="2400">
-                <a:solidFill>
-                  <a:schemeClr val="dk1"/>
-                </a:solidFill>
-                <a:latin typeface="Arial"/>
-                <a:ea typeface="Arial"/>
-                <a:cs typeface="Arial"/>
-                <a:sym typeface="Arial"/>
-              </a:rPr>
-              <a:t>subjective meaning, oriented towards others, empathetic understanding</a:t>
-            </a:r>
-            <a:endParaRPr/>
-          </a:p>
-        </p:txBody>
-      </p:sp>
-    </p:spTree>
-  </p:cSld>
-  <p:clrMapOvr>
-    <a:masterClrMapping/>
-  </p:clrMapOvr>
-</p:sld>
-</file>
-
-<file path=ppt/slides/slide22.xml><?xml version="1.0" encoding="utf-8"?>
+<file path=ppt/slides/slide16.xml><?xml version="1.0" encoding="utf-8"?>
 <p:sld xmlns:a="http://schemas.openxmlformats.org/drawingml/2006/main" xmlns:r="http://schemas.openxmlformats.org/officeDocument/2006/relationships" xmlns:p="http://schemas.openxmlformats.org/presentationml/2006/main">
   <p:cSld>
     <p:spTree>
@@ -31721,7 +27900,7 @@
 </p:sld>
 </file>
 
-<file path=ppt/slides/slide23.xml><?xml version="1.0" encoding="utf-8"?>
+<file path=ppt/slides/slide17.xml><?xml version="1.0" encoding="utf-8"?>
 <p:sld xmlns:a="http://schemas.openxmlformats.org/drawingml/2006/main" xmlns:r="http://schemas.openxmlformats.org/officeDocument/2006/relationships" xmlns:p="http://schemas.openxmlformats.org/presentationml/2006/main">
   <p:cSld>
     <p:spTree>
@@ -31853,7 +28032,7 @@
 </p:sld>
 </file>
 
-<file path=ppt/slides/slide24.xml><?xml version="1.0" encoding="utf-8"?>
+<file path=ppt/slides/slide18.xml><?xml version="1.0" encoding="utf-8"?>
 <p:sld xmlns:a="http://schemas.openxmlformats.org/drawingml/2006/main" xmlns:r="http://schemas.openxmlformats.org/officeDocument/2006/relationships" xmlns:p="http://schemas.openxmlformats.org/presentationml/2006/main">
   <p:cSld>
     <p:spTree>
@@ -32103,7 +28282,7 @@
 </p:sld>
 </file>
 
-<file path=ppt/slides/slide25.xml><?xml version="1.0" encoding="utf-8"?>
+<file path=ppt/slides/slide19.xml><?xml version="1.0" encoding="utf-8"?>
 <p:sld xmlns:a="http://schemas.openxmlformats.org/drawingml/2006/main" xmlns:r="http://schemas.openxmlformats.org/officeDocument/2006/relationships" xmlns:p="http://schemas.openxmlformats.org/presentationml/2006/main">
   <p:cSld>
     <p:spTree>
@@ -32427,7 +28606,526 @@
 </p:sld>
 </file>
 
-<file path=ppt/slides/slide26.xml><?xml version="1.0" encoding="utf-8"?>
+<file path=ppt/slides/slide2.xml><?xml version="1.0" encoding="utf-8"?>
+<p:sld xmlns:a="http://schemas.openxmlformats.org/drawingml/2006/main" xmlns:r="http://schemas.openxmlformats.org/officeDocument/2006/relationships" xmlns:p="http://schemas.openxmlformats.org/presentationml/2006/main">
+  <p:cSld>
+    <p:spTree>
+      <p:nvGrpSpPr>
+        <p:cNvPr id="1" name="Shape 158"/>
+        <p:cNvGrpSpPr/>
+        <p:nvPr/>
+      </p:nvGrpSpPr>
+      <p:grpSpPr>
+        <a:xfrm>
+          <a:off x="0" y="0"/>
+          <a:ext cx="0" cy="0"/>
+          <a:chOff x="0" y="0"/>
+          <a:chExt cx="0" cy="0"/>
+        </a:xfrm>
+      </p:grpSpPr>
+      <p:sp>
+        <p:nvSpPr>
+          <p:cNvPr id="159" name="Google Shape;159;p2"/>
+          <p:cNvSpPr txBox="1"/>
+          <p:nvPr/>
+        </p:nvSpPr>
+        <p:spPr>
+          <a:xfrm>
+            <a:off x="1066680" y="1914120"/>
+            <a:ext cx="10058040" cy="488160"/>
+          </a:xfrm>
+          <a:prstGeom prst="rect">
+            <a:avLst/>
+          </a:prstGeom>
+          <a:noFill/>
+          <a:ln>
+            <a:noFill/>
+          </a:ln>
+        </p:spPr>
+        <p:txBody>
+          <a:bodyPr spcFirstLastPara="1" wrap="square" lIns="91425" tIns="45700" rIns="91425" bIns="45700" anchor="ctr" anchorCtr="0">
+            <a:noAutofit/>
+          </a:bodyPr>
+          <a:lstStyle/>
+          <a:p>
+            <a:pPr marL="0" marR="0" lvl="0" indent="0" algn="ctr" rtl="0">
+              <a:lnSpc>
+                <a:spcPct val="90000"/>
+              </a:lnSpc>
+              <a:spcBef>
+                <a:spcPts val="0"/>
+              </a:spcBef>
+              <a:spcAft>
+                <a:spcPts val="0"/>
+              </a:spcAft>
+              <a:buNone/>
+            </a:pPr>
+            <a:r>
+              <a:rPr lang="en-US" sz="4400" b="0" i="0" u="none" strike="noStrike" cap="none">
+                <a:solidFill>
+                  <a:srgbClr val="404040"/>
+                </a:solidFill>
+                <a:latin typeface="Arial"/>
+                <a:ea typeface="Arial"/>
+                <a:cs typeface="Arial"/>
+                <a:sym typeface="Arial"/>
+              </a:rPr>
+              <a:t>课程安排</a:t>
+            </a:r>
+            <a:endParaRPr sz="4400" b="0" i="0" u="none" strike="noStrike" cap="none">
+              <a:solidFill>
+                <a:srgbClr val="000000"/>
+              </a:solidFill>
+              <a:latin typeface="Calibri"/>
+              <a:ea typeface="Calibri"/>
+              <a:cs typeface="Calibri"/>
+              <a:sym typeface="Calibri"/>
+            </a:endParaRPr>
+          </a:p>
+        </p:txBody>
+      </p:sp>
+      <p:sp>
+        <p:nvSpPr>
+          <p:cNvPr id="162" name="Google Shape;162;p2"/>
+          <p:cNvSpPr/>
+          <p:nvPr/>
+        </p:nvSpPr>
+        <p:spPr>
+          <a:xfrm>
+            <a:off x="3506880" y="5327640"/>
+            <a:ext cx="2588820" cy="229320"/>
+          </a:xfrm>
+          <a:prstGeom prst="rect">
+            <a:avLst/>
+          </a:prstGeom>
+          <a:noFill/>
+          <a:ln>
+            <a:noFill/>
+          </a:ln>
+        </p:spPr>
+        <p:txBody>
+          <a:bodyPr spcFirstLastPara="1" wrap="square" lIns="91425" tIns="45700" rIns="91425" bIns="45700" anchor="ctr" anchorCtr="0">
+            <a:noAutofit/>
+          </a:bodyPr>
+          <a:lstStyle/>
+          <a:p>
+            <a:pPr marL="0" marR="0" lvl="0" indent="0" algn="ctr" rtl="0">
+              <a:lnSpc>
+                <a:spcPct val="90000"/>
+              </a:lnSpc>
+              <a:spcBef>
+                <a:spcPts val="0"/>
+              </a:spcBef>
+              <a:spcAft>
+                <a:spcPts val="0"/>
+              </a:spcAft>
+              <a:buNone/>
+            </a:pPr>
+            <a:r>
+              <a:rPr lang="en-US" sz="2800" b="0" i="0" u="none" strike="noStrike" cap="none">
+                <a:solidFill>
+                  <a:srgbClr val="808080"/>
+                </a:solidFill>
+                <a:latin typeface="Arial"/>
+                <a:ea typeface="Arial"/>
+                <a:cs typeface="Arial"/>
+                <a:sym typeface="Arial"/>
+              </a:rPr>
+              <a:t>What counts as</a:t>
+            </a:r>
+            <a:endParaRPr/>
+          </a:p>
+          <a:p>
+            <a:pPr marL="0" marR="0" lvl="0" indent="0" algn="ctr" rtl="0">
+              <a:lnSpc>
+                <a:spcPct val="90000"/>
+              </a:lnSpc>
+              <a:spcBef>
+                <a:spcPts val="1001"/>
+              </a:spcBef>
+              <a:spcAft>
+                <a:spcPts val="0"/>
+              </a:spcAft>
+              <a:buNone/>
+            </a:pPr>
+            <a:r>
+              <a:rPr lang="en-US" sz="2800" b="0" i="0" u="none" strike="noStrike" cap="none">
+                <a:solidFill>
+                  <a:srgbClr val="808080"/>
+                </a:solidFill>
+                <a:latin typeface="Arial"/>
+                <a:ea typeface="Arial"/>
+                <a:cs typeface="Arial"/>
+                <a:sym typeface="Arial"/>
+              </a:rPr>
+              <a:t>sociological research?</a:t>
+            </a:r>
+            <a:endParaRPr sz="2800" b="0" i="0" u="none" strike="noStrike" cap="none">
+              <a:solidFill>
+                <a:schemeClr val="dk1"/>
+              </a:solidFill>
+              <a:latin typeface="Arial"/>
+              <a:ea typeface="Arial"/>
+              <a:cs typeface="Arial"/>
+              <a:sym typeface="Arial"/>
+            </a:endParaRPr>
+          </a:p>
+        </p:txBody>
+      </p:sp>
+      <p:sp>
+        <p:nvSpPr>
+          <p:cNvPr id="163" name="Google Shape;163;p2"/>
+          <p:cNvSpPr/>
+          <p:nvPr/>
+        </p:nvSpPr>
+        <p:spPr>
+          <a:xfrm>
+            <a:off x="1275840" y="3580560"/>
+            <a:ext cx="1131120" cy="1130040"/>
+          </a:xfrm>
+          <a:prstGeom prst="ellipse">
+            <a:avLst/>
+          </a:prstGeom>
+          <a:gradFill>
+            <a:gsLst>
+              <a:gs pos="0">
+                <a:srgbClr val="FFAA49"/>
+              </a:gs>
+              <a:gs pos="21000">
+                <a:srgbClr val="FE9364"/>
+              </a:gs>
+              <a:gs pos="63000">
+                <a:srgbClr val="F9656A"/>
+              </a:gs>
+              <a:gs pos="100000">
+                <a:srgbClr val="F96566"/>
+              </a:gs>
+            </a:gsLst>
+            <a:lin ang="10800000" scaled="0"/>
+          </a:gradFill>
+          <a:ln>
+            <a:noFill/>
+          </a:ln>
+        </p:spPr>
+        <p:txBody>
+          <a:bodyPr spcFirstLastPara="1" wrap="square" lIns="90000" tIns="45000" rIns="90000" bIns="45000" anchor="ctr" anchorCtr="0">
+            <a:noAutofit/>
+          </a:bodyPr>
+          <a:lstStyle/>
+          <a:p>
+            <a:pPr marL="0" marR="0" lvl="0" indent="0" algn="ctr" rtl="0">
+              <a:lnSpc>
+                <a:spcPct val="100000"/>
+              </a:lnSpc>
+              <a:spcBef>
+                <a:spcPts val="0"/>
+              </a:spcBef>
+              <a:spcAft>
+                <a:spcPts val="0"/>
+              </a:spcAft>
+              <a:buNone/>
+            </a:pPr>
+            <a:r>
+              <a:rPr lang="en-US" sz="6000" b="0" i="0" u="none" strike="noStrike" cap="none">
+                <a:solidFill>
+                  <a:srgbClr val="FFFFFF"/>
+                </a:solidFill>
+                <a:latin typeface="Arial"/>
+                <a:ea typeface="Arial"/>
+                <a:cs typeface="Arial"/>
+                <a:sym typeface="Arial"/>
+              </a:rPr>
+              <a:t>1</a:t>
+            </a:r>
+            <a:endParaRPr sz="6000" b="0" i="0" u="none" strike="noStrike" cap="none">
+              <a:solidFill>
+                <a:schemeClr val="dk1"/>
+              </a:solidFill>
+              <a:latin typeface="Arial"/>
+              <a:ea typeface="Arial"/>
+              <a:cs typeface="Arial"/>
+              <a:sym typeface="Arial"/>
+            </a:endParaRPr>
+          </a:p>
+        </p:txBody>
+      </p:sp>
+      <p:sp>
+        <p:nvSpPr>
+          <p:cNvPr id="164" name="Google Shape;164;p2"/>
+          <p:cNvSpPr/>
+          <p:nvPr/>
+        </p:nvSpPr>
+        <p:spPr>
+          <a:xfrm>
+            <a:off x="4125600" y="3580560"/>
+            <a:ext cx="1131120" cy="1130040"/>
+          </a:xfrm>
+          <a:prstGeom prst="ellipse">
+            <a:avLst/>
+          </a:prstGeom>
+          <a:gradFill>
+            <a:gsLst>
+              <a:gs pos="0">
+                <a:srgbClr val="FFAA49"/>
+              </a:gs>
+              <a:gs pos="21000">
+                <a:srgbClr val="FE9364"/>
+              </a:gs>
+              <a:gs pos="63000">
+                <a:srgbClr val="F9656A"/>
+              </a:gs>
+              <a:gs pos="100000">
+                <a:srgbClr val="F96566"/>
+              </a:gs>
+            </a:gsLst>
+            <a:lin ang="10800000" scaled="0"/>
+          </a:gradFill>
+          <a:ln>
+            <a:noFill/>
+          </a:ln>
+        </p:spPr>
+        <p:txBody>
+          <a:bodyPr spcFirstLastPara="1" wrap="square" lIns="90000" tIns="45000" rIns="90000" bIns="45000" anchor="ctr" anchorCtr="0">
+            <a:noAutofit/>
+          </a:bodyPr>
+          <a:lstStyle/>
+          <a:p>
+            <a:pPr marL="0" marR="0" lvl="0" indent="0" algn="ctr" rtl="0">
+              <a:lnSpc>
+                <a:spcPct val="100000"/>
+              </a:lnSpc>
+              <a:spcBef>
+                <a:spcPts val="0"/>
+              </a:spcBef>
+              <a:spcAft>
+                <a:spcPts val="0"/>
+              </a:spcAft>
+              <a:buNone/>
+            </a:pPr>
+            <a:r>
+              <a:rPr lang="en-US" sz="6000" b="0" i="0" u="none" strike="noStrike" cap="none">
+                <a:solidFill>
+                  <a:srgbClr val="FFFFFF"/>
+                </a:solidFill>
+                <a:latin typeface="Arial"/>
+                <a:ea typeface="Arial"/>
+                <a:cs typeface="Arial"/>
+                <a:sym typeface="Arial"/>
+              </a:rPr>
+              <a:t>2</a:t>
+            </a:r>
+            <a:endParaRPr sz="6000" b="0" i="0" u="none" strike="noStrike" cap="none">
+              <a:solidFill>
+                <a:schemeClr val="dk1"/>
+              </a:solidFill>
+              <a:latin typeface="Arial"/>
+              <a:ea typeface="Arial"/>
+              <a:cs typeface="Arial"/>
+              <a:sym typeface="Arial"/>
+            </a:endParaRPr>
+          </a:p>
+        </p:txBody>
+      </p:sp>
+      <p:sp>
+        <p:nvSpPr>
+          <p:cNvPr id="165" name="Google Shape;165;p2"/>
+          <p:cNvSpPr/>
+          <p:nvPr/>
+        </p:nvSpPr>
+        <p:spPr>
+          <a:xfrm>
+            <a:off x="6321254" y="5321280"/>
+            <a:ext cx="2334932" cy="229320"/>
+          </a:xfrm>
+          <a:prstGeom prst="rect">
+            <a:avLst/>
+          </a:prstGeom>
+          <a:noFill/>
+          <a:ln>
+            <a:noFill/>
+          </a:ln>
+        </p:spPr>
+        <p:txBody>
+          <a:bodyPr spcFirstLastPara="1" wrap="square" lIns="91425" tIns="45700" rIns="91425" bIns="45700" anchor="ctr" anchorCtr="0">
+            <a:noAutofit/>
+          </a:bodyPr>
+          <a:lstStyle/>
+          <a:p>
+            <a:pPr marL="0" marR="0" lvl="0" indent="0" algn="ctr" rtl="0">
+              <a:lnSpc>
+                <a:spcPct val="90000"/>
+              </a:lnSpc>
+              <a:spcBef>
+                <a:spcPts val="0"/>
+              </a:spcBef>
+              <a:spcAft>
+                <a:spcPts val="0"/>
+              </a:spcAft>
+              <a:buNone/>
+            </a:pPr>
+            <a:r>
+              <a:rPr lang="en-US" sz="2800" b="0" i="0" u="none" strike="noStrike" cap="none">
+                <a:solidFill>
+                  <a:srgbClr val="808080"/>
+                </a:solidFill>
+                <a:latin typeface="Arial"/>
+                <a:ea typeface="Arial"/>
+                <a:cs typeface="Arial"/>
+                <a:sym typeface="Arial"/>
+              </a:rPr>
+              <a:t>A brief overview of the history of sociology</a:t>
+            </a:r>
+            <a:endParaRPr/>
+          </a:p>
+        </p:txBody>
+      </p:sp>
+      <p:sp>
+        <p:nvSpPr>
+          <p:cNvPr id="166" name="Google Shape;166;p2"/>
+          <p:cNvSpPr/>
+          <p:nvPr/>
+        </p:nvSpPr>
+        <p:spPr>
+          <a:xfrm>
+            <a:off x="6923160" y="3580560"/>
+            <a:ext cx="1131120" cy="1130040"/>
+          </a:xfrm>
+          <a:prstGeom prst="ellipse">
+            <a:avLst/>
+          </a:prstGeom>
+          <a:gradFill>
+            <a:gsLst>
+              <a:gs pos="0">
+                <a:srgbClr val="FFAA49"/>
+              </a:gs>
+              <a:gs pos="21000">
+                <a:srgbClr val="FE9364"/>
+              </a:gs>
+              <a:gs pos="63000">
+                <a:srgbClr val="F9656A"/>
+              </a:gs>
+              <a:gs pos="100000">
+                <a:srgbClr val="F96566"/>
+              </a:gs>
+            </a:gsLst>
+            <a:lin ang="10800000" scaled="0"/>
+          </a:gradFill>
+          <a:ln>
+            <a:noFill/>
+          </a:ln>
+        </p:spPr>
+        <p:txBody>
+          <a:bodyPr spcFirstLastPara="1" wrap="square" lIns="90000" tIns="45000" rIns="90000" bIns="45000" anchor="ctr" anchorCtr="0">
+            <a:noAutofit/>
+          </a:bodyPr>
+          <a:lstStyle/>
+          <a:p>
+            <a:pPr marL="0" marR="0" lvl="0" indent="0" algn="ctr" rtl="0">
+              <a:lnSpc>
+                <a:spcPct val="100000"/>
+              </a:lnSpc>
+              <a:spcBef>
+                <a:spcPts val="0"/>
+              </a:spcBef>
+              <a:spcAft>
+                <a:spcPts val="0"/>
+              </a:spcAft>
+              <a:buNone/>
+            </a:pPr>
+            <a:r>
+              <a:rPr lang="en-US" sz="6000" b="0" i="0" u="none" strike="noStrike" cap="none">
+                <a:solidFill>
+                  <a:srgbClr val="FFFFFF"/>
+                </a:solidFill>
+                <a:latin typeface="Arial"/>
+                <a:ea typeface="Arial"/>
+                <a:cs typeface="Arial"/>
+                <a:sym typeface="Arial"/>
+              </a:rPr>
+              <a:t>3</a:t>
+            </a:r>
+            <a:endParaRPr sz="6000" b="0" i="0" u="none" strike="noStrike" cap="none">
+              <a:solidFill>
+                <a:schemeClr val="dk1"/>
+              </a:solidFill>
+              <a:latin typeface="Arial"/>
+              <a:ea typeface="Arial"/>
+              <a:cs typeface="Arial"/>
+              <a:sym typeface="Arial"/>
+            </a:endParaRPr>
+          </a:p>
+        </p:txBody>
+      </p:sp>
+      <p:sp>
+        <p:nvSpPr>
+          <p:cNvPr id="167" name="Google Shape;167;p2"/>
+          <p:cNvSpPr/>
+          <p:nvPr/>
+        </p:nvSpPr>
+        <p:spPr>
+          <a:xfrm>
+            <a:off x="546990" y="5321280"/>
+            <a:ext cx="2588820" cy="229320"/>
+          </a:xfrm>
+          <a:prstGeom prst="rect">
+            <a:avLst/>
+          </a:prstGeom>
+          <a:noFill/>
+          <a:ln>
+            <a:noFill/>
+          </a:ln>
+        </p:spPr>
+        <p:txBody>
+          <a:bodyPr spcFirstLastPara="1" wrap="square" lIns="91425" tIns="45700" rIns="91425" bIns="45700" anchor="ctr" anchorCtr="0">
+            <a:noAutofit/>
+          </a:bodyPr>
+          <a:lstStyle/>
+          <a:p>
+            <a:pPr marL="0" marR="0" lvl="0" indent="0" algn="ctr" rtl="0">
+              <a:lnSpc>
+                <a:spcPct val="90000"/>
+              </a:lnSpc>
+              <a:spcBef>
+                <a:spcPts val="0"/>
+              </a:spcBef>
+              <a:spcAft>
+                <a:spcPts val="0"/>
+              </a:spcAft>
+              <a:buNone/>
+            </a:pPr>
+            <a:r>
+              <a:rPr lang="en-US" sz="2800" b="0" i="0" u="none" strike="noStrike" cap="none">
+                <a:solidFill>
+                  <a:srgbClr val="808080"/>
+                </a:solidFill>
+                <a:latin typeface="Arial"/>
+                <a:ea typeface="Arial"/>
+                <a:cs typeface="Arial"/>
+                <a:sym typeface="Arial"/>
+              </a:rPr>
+              <a:t>What is sociological thinking?</a:t>
+            </a:r>
+            <a:endParaRPr sz="2800" b="0" i="0" u="none" strike="noStrike" cap="none">
+              <a:solidFill>
+                <a:schemeClr val="dk1"/>
+              </a:solidFill>
+              <a:latin typeface="Arial"/>
+              <a:ea typeface="Arial"/>
+              <a:cs typeface="Arial"/>
+              <a:sym typeface="Arial"/>
+            </a:endParaRPr>
+          </a:p>
+        </p:txBody>
+      </p:sp>
+    </p:spTree>
+  </p:cSld>
+  <p:clrMapOvr>
+    <a:masterClrMapping/>
+  </p:clrMapOvr>
+</p:sld>
+</file>
+
+<file path=ppt/slides/slide20.xml><?xml version="1.0" encoding="utf-8"?>
 <p:sld xmlns:a="http://schemas.openxmlformats.org/drawingml/2006/main" xmlns:r="http://schemas.openxmlformats.org/officeDocument/2006/relationships" xmlns:p="http://schemas.openxmlformats.org/presentationml/2006/main">
   <p:cSld>
     <p:spTree>
@@ -32627,7 +29325,7 @@
 </p:sld>
 </file>
 
-<file path=ppt/slides/slide27.xml><?xml version="1.0" encoding="utf-8"?>
+<file path=ppt/slides/slide21.xml><?xml version="1.0" encoding="utf-8"?>
 <p:sld xmlns:a="http://schemas.openxmlformats.org/drawingml/2006/main" xmlns:r="http://schemas.openxmlformats.org/officeDocument/2006/relationships" xmlns:p="http://schemas.openxmlformats.org/presentationml/2006/main">
   <p:cSld>
     <p:spTree>
@@ -33030,7 +29728,7 @@
 </p:sld>
 </file>
 
-<file path=ppt/slides/slide28.xml><?xml version="1.0" encoding="utf-8"?>
+<file path=ppt/slides/slide22.xml><?xml version="1.0" encoding="utf-8"?>
 <p:sld xmlns:a="http://schemas.openxmlformats.org/drawingml/2006/main" xmlns:r="http://schemas.openxmlformats.org/officeDocument/2006/relationships" xmlns:p="http://schemas.openxmlformats.org/presentationml/2006/main">
   <p:cSld>
     <p:spTree>
@@ -33211,7 +29909,7 @@
 </p:sld>
 </file>
 
-<file path=ppt/slides/slide29.xml><?xml version="1.0" encoding="utf-8"?>
+<file path=ppt/slides/slide23.xml><?xml version="1.0" encoding="utf-8"?>
 <p:sld xmlns:a="http://schemas.openxmlformats.org/drawingml/2006/main" xmlns:r="http://schemas.openxmlformats.org/officeDocument/2006/relationships" xmlns:p="http://schemas.openxmlformats.org/presentationml/2006/main">
   <p:cSld>
     <p:spTree>
@@ -33944,134 +30642,7 @@
 </p:sld>
 </file>
 
-<file path=ppt/slides/slide3.xml><?xml version="1.0" encoding="utf-8"?>
-<p:sld xmlns:a="http://schemas.openxmlformats.org/drawingml/2006/main" xmlns:r="http://schemas.openxmlformats.org/officeDocument/2006/relationships" xmlns:p="http://schemas.openxmlformats.org/presentationml/2006/main">
-  <p:cSld>
-    <p:spTree>
-      <p:nvGrpSpPr>
-        <p:cNvPr id="1" name=""/>
-        <p:cNvGrpSpPr/>
-        <p:nvPr/>
-      </p:nvGrpSpPr>
-      <p:grpSpPr>
-        <a:xfrm>
-          <a:off x="0" y="0"/>
-          <a:ext cx="0" cy="0"/>
-          <a:chOff x="0" y="0"/>
-          <a:chExt cx="0" cy="0"/>
-        </a:xfrm>
-      </p:grpSpPr>
-      <p:sp>
-        <p:nvSpPr>
-          <p:cNvPr id="2" name="Title 1">
-            <a:extLst>
-              <a:ext uri="{FF2B5EF4-FFF2-40B4-BE49-F238E27FC236}">
-                <a16:creationId xmlns:a16="http://schemas.microsoft.com/office/drawing/2014/main" id="{03F93795-F6EB-4472-8144-1CB4CE0317C8}"/>
-              </a:ext>
-            </a:extLst>
-          </p:cNvPr>
-          <p:cNvSpPr>
-            <a:spLocks noGrp="1"/>
-          </p:cNvSpPr>
-          <p:nvPr>
-            <p:ph type="title"/>
-          </p:nvPr>
-        </p:nvSpPr>
-        <p:spPr/>
-        <p:txBody>
-          <a:bodyPr/>
-          <a:lstStyle/>
-          <a:p>
-            <a:r>
-              <a:rPr lang="en-US" dirty="0"/>
-              <a:t>C</a:t>
-            </a:r>
-            <a:r>
-              <a:rPr lang="en-US" altLang="zh-CN" dirty="0"/>
-              <a:t>ourse plan</a:t>
-            </a:r>
-            <a:endParaRPr lang="en-US" dirty="0"/>
-          </a:p>
-        </p:txBody>
-      </p:sp>
-      <p:sp>
-        <p:nvSpPr>
-          <p:cNvPr id="3" name="Text Placeholder 2">
-            <a:extLst>
-              <a:ext uri="{FF2B5EF4-FFF2-40B4-BE49-F238E27FC236}">
-                <a16:creationId xmlns:a16="http://schemas.microsoft.com/office/drawing/2014/main" id="{DF0F79C8-A6AA-4509-B5BE-87E2D90A6205}"/>
-              </a:ext>
-            </a:extLst>
-          </p:cNvPr>
-          <p:cNvSpPr>
-            <a:spLocks noGrp="1"/>
-          </p:cNvSpPr>
-          <p:nvPr>
-            <p:ph type="body" idx="1"/>
-          </p:nvPr>
-        </p:nvSpPr>
-        <p:spPr/>
-        <p:txBody>
-          <a:bodyPr/>
-          <a:lstStyle/>
-          <a:p>
-            <a:r>
-              <a:rPr lang="en-US" dirty="0">
-                <a:hlinkClick r:id="rId2"/>
-              </a:rPr>
-              <a:t>https://github.com/XueWenSYan/Intro_to_sociology</a:t>
-            </a:r>
-            <a:endParaRPr lang="en-US" dirty="0"/>
-          </a:p>
-          <a:p>
-            <a:r>
-              <a:rPr lang="en-US" dirty="0"/>
-              <a:t>The syllabus &amp; textbooks</a:t>
-            </a:r>
-          </a:p>
-          <a:p>
-            <a:r>
-              <a:rPr lang="en-US" dirty="0"/>
-              <a:t>Additional readings</a:t>
-            </a:r>
-          </a:p>
-          <a:p>
-            <a:r>
-              <a:rPr lang="en-US" dirty="0"/>
-              <a:t>Assignments</a:t>
-            </a:r>
-          </a:p>
-          <a:p>
-            <a:r>
-              <a:rPr lang="en-US" dirty="0"/>
-              <a:t>C</a:t>
-            </a:r>
-            <a:r>
-              <a:rPr lang="en-US" altLang="zh-CN" dirty="0"/>
-              <a:t>lass activities</a:t>
-            </a:r>
-            <a:endParaRPr lang="en-US" dirty="0"/>
-          </a:p>
-          <a:p>
-            <a:pPr lvl="1"/>
-            <a:endParaRPr lang="en-US" dirty="0"/>
-          </a:p>
-        </p:txBody>
-      </p:sp>
-    </p:spTree>
-    <p:extLst>
-      <p:ext uri="{BB962C8B-B14F-4D97-AF65-F5344CB8AC3E}">
-        <p14:creationId xmlns:p14="http://schemas.microsoft.com/office/powerpoint/2010/main" val="4038281219"/>
-      </p:ext>
-    </p:extLst>
-  </p:cSld>
-  <p:clrMapOvr>
-    <a:masterClrMapping/>
-  </p:clrMapOvr>
-</p:sld>
-</file>
-
-<file path=ppt/slides/slide30.xml><?xml version="1.0" encoding="utf-8"?>
+<file path=ppt/slides/slide24.xml><?xml version="1.0" encoding="utf-8"?>
 <p:sld xmlns:a="http://schemas.openxmlformats.org/drawingml/2006/main" xmlns:r="http://schemas.openxmlformats.org/officeDocument/2006/relationships" xmlns:p="http://schemas.openxmlformats.org/presentationml/2006/main">
   <p:cSld>
     <p:spTree>
@@ -34529,6 +31100,133 @@
         </p:txBody>
       </p:sp>
     </p:spTree>
+  </p:cSld>
+  <p:clrMapOvr>
+    <a:masterClrMapping/>
+  </p:clrMapOvr>
+</p:sld>
+</file>
+
+<file path=ppt/slides/slide3.xml><?xml version="1.0" encoding="utf-8"?>
+<p:sld xmlns:a="http://schemas.openxmlformats.org/drawingml/2006/main" xmlns:r="http://schemas.openxmlformats.org/officeDocument/2006/relationships" xmlns:p="http://schemas.openxmlformats.org/presentationml/2006/main">
+  <p:cSld>
+    <p:spTree>
+      <p:nvGrpSpPr>
+        <p:cNvPr id="1" name=""/>
+        <p:cNvGrpSpPr/>
+        <p:nvPr/>
+      </p:nvGrpSpPr>
+      <p:grpSpPr>
+        <a:xfrm>
+          <a:off x="0" y="0"/>
+          <a:ext cx="0" cy="0"/>
+          <a:chOff x="0" y="0"/>
+          <a:chExt cx="0" cy="0"/>
+        </a:xfrm>
+      </p:grpSpPr>
+      <p:sp>
+        <p:nvSpPr>
+          <p:cNvPr id="2" name="Title 1">
+            <a:extLst>
+              <a:ext uri="{FF2B5EF4-FFF2-40B4-BE49-F238E27FC236}">
+                <a16:creationId xmlns:a16="http://schemas.microsoft.com/office/drawing/2014/main" id="{03F93795-F6EB-4472-8144-1CB4CE0317C8}"/>
+              </a:ext>
+            </a:extLst>
+          </p:cNvPr>
+          <p:cNvSpPr>
+            <a:spLocks noGrp="1"/>
+          </p:cNvSpPr>
+          <p:nvPr>
+            <p:ph type="title"/>
+          </p:nvPr>
+        </p:nvSpPr>
+        <p:spPr/>
+        <p:txBody>
+          <a:bodyPr/>
+          <a:lstStyle/>
+          <a:p>
+            <a:r>
+              <a:rPr lang="en-US" dirty="0"/>
+              <a:t>C</a:t>
+            </a:r>
+            <a:r>
+              <a:rPr lang="en-US" altLang="zh-CN" dirty="0"/>
+              <a:t>ourse plan</a:t>
+            </a:r>
+            <a:endParaRPr lang="en-US" dirty="0"/>
+          </a:p>
+        </p:txBody>
+      </p:sp>
+      <p:sp>
+        <p:nvSpPr>
+          <p:cNvPr id="3" name="Text Placeholder 2">
+            <a:extLst>
+              <a:ext uri="{FF2B5EF4-FFF2-40B4-BE49-F238E27FC236}">
+                <a16:creationId xmlns:a16="http://schemas.microsoft.com/office/drawing/2014/main" id="{DF0F79C8-A6AA-4509-B5BE-87E2D90A6205}"/>
+              </a:ext>
+            </a:extLst>
+          </p:cNvPr>
+          <p:cNvSpPr>
+            <a:spLocks noGrp="1"/>
+          </p:cNvSpPr>
+          <p:nvPr>
+            <p:ph type="body" idx="1"/>
+          </p:nvPr>
+        </p:nvSpPr>
+        <p:spPr/>
+        <p:txBody>
+          <a:bodyPr/>
+          <a:lstStyle/>
+          <a:p>
+            <a:r>
+              <a:rPr lang="en-US" dirty="0">
+                <a:hlinkClick r:id="rId2"/>
+              </a:rPr>
+              <a:t>https://github.com/XueWenSYan/Intro_to_sociology</a:t>
+            </a:r>
+            <a:endParaRPr lang="en-US" dirty="0"/>
+          </a:p>
+          <a:p>
+            <a:r>
+              <a:rPr lang="en-US" dirty="0"/>
+              <a:t>The syllabus &amp; textbooks</a:t>
+            </a:r>
+          </a:p>
+          <a:p>
+            <a:r>
+              <a:rPr lang="en-US" dirty="0"/>
+              <a:t>Additional readings</a:t>
+            </a:r>
+          </a:p>
+          <a:p>
+            <a:r>
+              <a:rPr lang="en-US" dirty="0"/>
+              <a:t>Assignments</a:t>
+            </a:r>
+          </a:p>
+          <a:p>
+            <a:r>
+              <a:rPr lang="en-US" dirty="0"/>
+              <a:t>C</a:t>
+            </a:r>
+            <a:r>
+              <a:rPr lang="en-US" altLang="zh-CN" dirty="0"/>
+              <a:t>lass activities</a:t>
+            </a:r>
+            <a:endParaRPr lang="en-US" dirty="0"/>
+          </a:p>
+          <a:p>
+            <a:pPr lvl="1"/>
+            <a:endParaRPr lang="en-US" dirty="0"/>
+          </a:p>
+        </p:txBody>
+      </p:sp>
+    </p:spTree>
+    <p:extLst>
+      <p:ext uri="{BB962C8B-B14F-4D97-AF65-F5344CB8AC3E}">
+        <p14:creationId xmlns:p14="http://schemas.microsoft.com/office/powerpoint/2010/main" val="4038281219"/>
+      </p:ext>
+    </p:extLst>
   </p:cSld>
   <p:clrMapOvr>
     <a:masterClrMapping/>

--- a/Meetings 1 & 2.pptx
+++ b/Meetings 1 & 2.pptx
@@ -135,7 +135,7 @@
       <p15:sldGuideLst xmlns:p15="http://schemas.microsoft.com/office/powerpoint/2012/main"/>
     </p:ext>
     <p:ext uri="http://customooxmlschemas.google.com/">
-      <go:slidesCustomData xmlns="" xmlns:mc="http://schemas.openxmlformats.org/markup-compatibility/2006" xmlns:mv="urn:schemas-microsoft-com:mac:vml" xmlns:c="http://schemas.openxmlformats.org/drawingml/2006/chart" xmlns:dgm="http://schemas.openxmlformats.org/drawingml/2006/diagram" xmlns:o="urn:schemas-microsoft-com:office:office" xmlns:v="urn:schemas-microsoft-com:vml" xmlns:pvml="urn:schemas-microsoft-com:office:powerpoint" xmlns:com="http://schemas.openxmlformats.org/drawingml/2006/compatibility" xmlns:p14="http://schemas.microsoft.com/office/powerpoint/2010/main" xmlns:p15="http://schemas.microsoft.com/office/powerpoint/2012/main" xmlns:ahyp="http://schemas.microsoft.com/office/drawing/2018/hyperlinkcolor" xmlns:go="http://customooxmlschemas.google.com/" r:id="rId35" roundtripDataSignature="AMtx7miwSo8olij5aYo56Ji9NhWnsNKzHA=="/>
+      <go:slidesCustomData xmlns:go="http://customooxmlschemas.google.com/" xmlns:ahyp="http://schemas.microsoft.com/office/drawing/2018/hyperlinkcolor" xmlns:p15="http://schemas.microsoft.com/office/powerpoint/2012/main" xmlns:p14="http://schemas.microsoft.com/office/powerpoint/2010/main" xmlns:com="http://schemas.openxmlformats.org/drawingml/2006/compatibility" xmlns:pvml="urn:schemas-microsoft-com:office:powerpoint" xmlns:v="urn:schemas-microsoft-com:vml" xmlns:o="urn:schemas-microsoft-com:office:office" xmlns:dgm="http://schemas.openxmlformats.org/drawingml/2006/diagram" xmlns:c="http://schemas.openxmlformats.org/drawingml/2006/chart" xmlns:mv="urn:schemas-microsoft-com:mac:vml" xmlns:mc="http://schemas.openxmlformats.org/markup-compatibility/2006" xmlns="" r:id="rId35" roundtripDataSignature="AMtx7miwSo8olij5aYo56Ji9NhWnsNKzHA=="/>
     </p:ext>
   </p:extLst>
 </p:presentation>
@@ -7572,7 +7572,7 @@
           <a:p>
             <a:fld id="{32987439-956D-4E3C-B88B-160C391536E6}" type="datetimeFigureOut">
               <a:rPr lang="en-US" smtClean="0"/>
-              <a:t>3/24/2022</a:t>
+              <a:t>3/31/2022</a:t>
             </a:fld>
             <a:endParaRPr lang="en-US"/>
           </a:p>
@@ -9467,7 +9467,7 @@
           <a:p>
             <a:fld id="{32987439-956D-4E3C-B88B-160C391536E6}" type="datetimeFigureOut">
               <a:rPr lang="en-US" smtClean="0"/>
-              <a:t>3/24/2022</a:t>
+              <a:t>3/31/2022</a:t>
             </a:fld>
             <a:endParaRPr lang="en-US"/>
           </a:p>
@@ -18335,7 +18335,7 @@
               <a:buChar char="•"/>
             </a:pPr>
             <a:r>
-              <a:rPr lang="en-US" sz="2800" dirty="0">
+              <a:rPr lang="en-US" sz="2800" b="1" dirty="0">
                 <a:latin typeface="Bahnschrift Light" panose="020B0502040204020203" pitchFamily="34" charset="0"/>
                 <a:ea typeface="Arial"/>
                 <a:cs typeface="Arial"/>
@@ -18343,7 +18343,7 @@
               </a:rPr>
               <a:t>Reference group or relative deprivation</a:t>
             </a:r>
-            <a:endParaRPr sz="2800" dirty="0">
+            <a:endParaRPr sz="2800" b="1" dirty="0">
               <a:latin typeface="Bahnschrift Light" panose="020B0502040204020203" pitchFamily="34" charset="0"/>
             </a:endParaRPr>
           </a:p>
@@ -18363,7 +18363,7 @@
               <a:buChar char="•"/>
             </a:pPr>
             <a:r>
-              <a:rPr lang="en-US" sz="2800" dirty="0">
+              <a:rPr lang="en-US" sz="2800" b="1" dirty="0">
                 <a:latin typeface="Bahnschrift Light" panose="020B0502040204020203" pitchFamily="34" charset="0"/>
                 <a:ea typeface="Arial"/>
                 <a:cs typeface="Arial"/>
@@ -18371,7 +18371,7 @@
               </a:rPr>
               <a:t>Cumulative advantage (or Matthew effect)</a:t>
             </a:r>
-            <a:endParaRPr sz="2800" dirty="0">
+            <a:endParaRPr sz="2800" b="1" dirty="0">
               <a:latin typeface="Bahnschrift Light" panose="020B0502040204020203" pitchFamily="34" charset="0"/>
             </a:endParaRPr>
           </a:p>
@@ -18391,7 +18391,7 @@
               <a:buChar char="•"/>
             </a:pPr>
             <a:r>
-              <a:rPr lang="en-US" sz="2800" dirty="0">
+              <a:rPr lang="en-US" sz="2800" b="1" dirty="0">
                 <a:latin typeface="Bahnschrift Light" panose="020B0502040204020203" pitchFamily="34" charset="0"/>
                 <a:ea typeface="Arial"/>
                 <a:cs typeface="Arial"/>
@@ -18399,7 +18399,7 @@
               </a:rPr>
               <a:t>Residential segregation</a:t>
             </a:r>
-            <a:endParaRPr sz="2800" dirty="0">
+            <a:endParaRPr sz="2800" b="1" dirty="0">
               <a:latin typeface="Bahnschrift Light" panose="020B0502040204020203" pitchFamily="34" charset="0"/>
             </a:endParaRPr>
           </a:p>
@@ -18419,7 +18419,7 @@
               <a:buChar char="•"/>
             </a:pPr>
             <a:r>
-              <a:rPr lang="en-US" sz="2800" dirty="0">
+              <a:rPr lang="en-US" sz="2800" b="1" dirty="0">
                 <a:latin typeface="Bahnschrift Light" panose="020B0502040204020203" pitchFamily="34" charset="0"/>
                 <a:ea typeface="Arial"/>
                 <a:cs typeface="Arial"/>
@@ -18427,7 +18427,7 @@
               </a:rPr>
               <a:t>Self-fulfilling prophecy</a:t>
             </a:r>
-            <a:endParaRPr sz="2800" dirty="0">
+            <a:endParaRPr sz="2800" b="1" dirty="0">
               <a:latin typeface="Bahnschrift Light" panose="020B0502040204020203" pitchFamily="34" charset="0"/>
             </a:endParaRPr>
           </a:p>

--- a/Meetings 1 & 2.pptx
+++ b/Meetings 1 & 2.pptx
@@ -135,7 +135,7 @@
       <p15:sldGuideLst xmlns:p15="http://schemas.microsoft.com/office/powerpoint/2012/main"/>
     </p:ext>
     <p:ext uri="http://customooxmlschemas.google.com/">
-      <go:slidesCustomData xmlns:go="http://customooxmlschemas.google.com/" xmlns:ahyp="http://schemas.microsoft.com/office/drawing/2018/hyperlinkcolor" xmlns:p15="http://schemas.microsoft.com/office/powerpoint/2012/main" xmlns:p14="http://schemas.microsoft.com/office/powerpoint/2010/main" xmlns:com="http://schemas.openxmlformats.org/drawingml/2006/compatibility" xmlns:pvml="urn:schemas-microsoft-com:office:powerpoint" xmlns:v="urn:schemas-microsoft-com:vml" xmlns:o="urn:schemas-microsoft-com:office:office" xmlns:dgm="http://schemas.openxmlformats.org/drawingml/2006/diagram" xmlns:c="http://schemas.openxmlformats.org/drawingml/2006/chart" xmlns:mv="urn:schemas-microsoft-com:mac:vml" xmlns:mc="http://schemas.openxmlformats.org/markup-compatibility/2006" xmlns="" r:id="rId35" roundtripDataSignature="AMtx7miwSo8olij5aYo56Ji9NhWnsNKzHA=="/>
+      <go:slidesCustomData xmlns="" xmlns:mc="http://schemas.openxmlformats.org/markup-compatibility/2006" xmlns:mv="urn:schemas-microsoft-com:mac:vml" xmlns:c="http://schemas.openxmlformats.org/drawingml/2006/chart" xmlns:dgm="http://schemas.openxmlformats.org/drawingml/2006/diagram" xmlns:o="urn:schemas-microsoft-com:office:office" xmlns:v="urn:schemas-microsoft-com:vml" xmlns:pvml="urn:schemas-microsoft-com:office:powerpoint" xmlns:com="http://schemas.openxmlformats.org/drawingml/2006/compatibility" xmlns:p14="http://schemas.microsoft.com/office/powerpoint/2010/main" xmlns:p15="http://schemas.microsoft.com/office/powerpoint/2012/main" xmlns:ahyp="http://schemas.microsoft.com/office/drawing/2018/hyperlinkcolor" xmlns:go="http://customooxmlschemas.google.com/" r:id="rId35" roundtripDataSignature="AMtx7miwSo8olij5aYo56Ji9NhWnsNKzHA=="/>
     </p:ext>
   </p:extLst>
 </p:presentation>
@@ -7572,7 +7572,7 @@
           <a:p>
             <a:fld id="{32987439-956D-4E3C-B88B-160C391536E6}" type="datetimeFigureOut">
               <a:rPr lang="en-US" smtClean="0"/>
-              <a:t>3/31/2022</a:t>
+              <a:t>4/22/2022</a:t>
             </a:fld>
             <a:endParaRPr lang="en-US"/>
           </a:p>
@@ -9467,7 +9467,7 @@
           <a:p>
             <a:fld id="{32987439-956D-4E3C-B88B-160C391536E6}" type="datetimeFigureOut">
               <a:rPr lang="en-US" smtClean="0"/>
-              <a:t>3/31/2022</a:t>
+              <a:t>4/22/2022</a:t>
             </a:fld>
             <a:endParaRPr lang="en-US"/>
           </a:p>
@@ -20148,6 +20148,15 @@
               <a:buFont typeface="Arial"/>
               <a:buNone/>
             </a:pPr>
+            <a:r>
+              <a:rPr lang="en-US" sz="1800" dirty="0">
+                <a:latin typeface="Calibri"/>
+                <a:ea typeface="Calibri"/>
+                <a:cs typeface="Calibri"/>
+                <a:sym typeface="Calibri"/>
+              </a:rPr>
+              <a:t>PTSD</a:t>
+            </a:r>
             <a:endParaRPr sz="1800" dirty="0">
               <a:latin typeface="Calibri"/>
               <a:ea typeface="Calibri"/>
